--- a/slides/Lecture 01.pptx
+++ b/slides/Lecture 01.pptx
@@ -447,7 +447,7 @@
                 <a:tab algn="l" pos="10058400"/>
               </a:tabLst>
             </a:pPr>
-            <a:fld id="{40DAA546-457C-4F9A-B1CE-F1020BBA8820}" type="slidenum">
+            <a:fld id="{D927198D-7857-4638-B431-A9FC6D23CC1F}" type="slidenum">
               <a:rPr b="0" lang="en-US" sz="1200" strike="noStrike" u="none">
                 <a:solidFill>
                   <a:srgbClr val="000000"/>
@@ -538,7 +538,7 @@
                 <a:tab algn="l" pos="10058400"/>
               </a:tabLst>
             </a:pPr>
-            <a:fld id="{FB9C8A09-2EB2-440F-9E31-77708B125545}" type="slidenum">
+            <a:fld id="{A78D0019-801B-4AEE-9B86-A929714D3C3A}" type="slidenum">
               <a:rPr b="0" lang="en-US" sz="1200" strike="noStrike" u="none">
                 <a:solidFill>
                   <a:srgbClr val="000000"/>
@@ -710,7 +710,7 @@
                 <a:tab algn="l" pos="10058400"/>
               </a:tabLst>
             </a:pPr>
-            <a:fld id="{C11B7EB3-7B38-4900-BC09-25F30B0CFA42}" type="slidenum">
+            <a:fld id="{45C54B6E-DC84-459B-A816-8F6FFDD9CDB0}" type="slidenum">
               <a:rPr b="0" lang="en-US" sz="1200" strike="noStrike" u="none">
                 <a:solidFill>
                   <a:srgbClr val="000000"/>
@@ -882,7 +882,7 @@
                 <a:tab algn="l" pos="10058400"/>
               </a:tabLst>
             </a:pPr>
-            <a:fld id="{ABC05404-83B0-4177-BEB8-7658B8331835}" type="slidenum">
+            <a:fld id="{97C38C0A-B7C0-4DF5-A8ED-6DFA27132EF6}" type="slidenum">
               <a:rPr b="0" lang="en-US" sz="1200" strike="noStrike" u="none">
                 <a:solidFill>
                   <a:srgbClr val="000000"/>
@@ -1054,7 +1054,7 @@
                 <a:tab algn="l" pos="10058400"/>
               </a:tabLst>
             </a:pPr>
-            <a:fld id="{DA889368-2502-46A1-8DD5-61678CF347F0}" type="slidenum">
+            <a:fld id="{1D2BCB3E-5247-489B-83A7-CD6DF932F9E9}" type="slidenum">
               <a:rPr b="0" lang="en-US" sz="1200" strike="noStrike" u="none">
                 <a:solidFill>
                   <a:srgbClr val="000000"/>
@@ -1226,7 +1226,7 @@
                 <a:tab algn="l" pos="10058400"/>
               </a:tabLst>
             </a:pPr>
-            <a:fld id="{87739DB3-B69F-4608-B4AD-2C28F7F61D76}" type="slidenum">
+            <a:fld id="{D74F9283-91EC-4101-88E4-6F9E0D41F3F5}" type="slidenum">
               <a:rPr b="0" lang="en-US" sz="1200" strike="noStrike" u="none">
                 <a:solidFill>
                   <a:srgbClr val="000000"/>
@@ -1398,7 +1398,7 @@
                 <a:tab algn="l" pos="10058400"/>
               </a:tabLst>
             </a:pPr>
-            <a:fld id="{F883D89D-EE9E-4449-9FC2-0B8883C6FB94}" type="slidenum">
+            <a:fld id="{4823E71E-2DB3-4561-8727-3FF7E6D20D44}" type="slidenum">
               <a:rPr b="0" lang="en-US" sz="1200" strike="noStrike" u="none">
                 <a:solidFill>
                   <a:srgbClr val="000000"/>
@@ -1570,7 +1570,7 @@
                 <a:tab algn="l" pos="10058400"/>
               </a:tabLst>
             </a:pPr>
-            <a:fld id="{595FC8A6-C7F8-44BD-A942-9AA26680D283}" type="slidenum">
+            <a:fld id="{24062D44-F60C-4F12-A31C-8E6CC6C67FF8}" type="slidenum">
               <a:rPr b="0" lang="en-US" sz="1200" strike="noStrike" u="none">
                 <a:solidFill>
                   <a:srgbClr val="000000"/>
@@ -1742,7 +1742,7 @@
                 <a:tab algn="l" pos="10058400"/>
               </a:tabLst>
             </a:pPr>
-            <a:fld id="{71EF40B1-8986-4B5D-B58F-95853E1F9759}" type="slidenum">
+            <a:fld id="{9157B2A2-55D6-40FA-85BB-E14818432DF0}" type="slidenum">
               <a:rPr b="0" lang="en-US" sz="1200" strike="noStrike" u="none">
                 <a:solidFill>
                   <a:srgbClr val="000000"/>
@@ -1914,7 +1914,7 @@
                 <a:tab algn="l" pos="10058400"/>
               </a:tabLst>
             </a:pPr>
-            <a:fld id="{2C32FAB4-18DC-4619-994C-88D31D61DDEC}" type="slidenum">
+            <a:fld id="{417FF553-16C9-4521-B0E6-15AB0DCB2773}" type="slidenum">
               <a:rPr b="0" lang="en-US" sz="1200" strike="noStrike" u="none">
                 <a:solidFill>
                   <a:srgbClr val="000000"/>
@@ -2086,7 +2086,7 @@
                 <a:tab algn="l" pos="10058400"/>
               </a:tabLst>
             </a:pPr>
-            <a:fld id="{E3A7E5DA-C0EF-417E-B841-9E8B3D345694}" type="slidenum">
+            <a:fld id="{86AB054A-36A0-4EDC-8CD9-C4709B0A1AD4}" type="slidenum">
               <a:rPr b="0" lang="en-US" sz="1200" strike="noStrike" u="none">
                 <a:solidFill>
                   <a:srgbClr val="000000"/>
@@ -2258,7 +2258,7 @@
                 <a:tab algn="l" pos="10058400"/>
               </a:tabLst>
             </a:pPr>
-            <a:fld id="{DDBEC9C2-0950-4EDF-9048-28E2132E23A8}" type="slidenum">
+            <a:fld id="{87199DDB-7EDD-42C8-A495-2B230BAA68EE}" type="slidenum">
               <a:rPr b="0" lang="en-US" sz="1200" strike="noStrike" u="none">
                 <a:solidFill>
                   <a:srgbClr val="000000"/>
@@ -2430,7 +2430,7 @@
                 <a:tab algn="l" pos="10058400"/>
               </a:tabLst>
             </a:pPr>
-            <a:fld id="{7451F1EB-0967-4892-9B6A-B004DA57F399}" type="slidenum">
+            <a:fld id="{8A06C3A5-1202-4670-AF3A-075D4A11EB4A}" type="slidenum">
               <a:rPr b="0" lang="en-US" sz="1200" strike="noStrike" u="none">
                 <a:solidFill>
                   <a:srgbClr val="000000"/>
@@ -2602,7 +2602,7 @@
                 <a:tab algn="l" pos="10058400"/>
               </a:tabLst>
             </a:pPr>
-            <a:fld id="{40E39AB4-14C1-4282-8D56-67D379A8DA54}" type="slidenum">
+            <a:fld id="{2B7D3768-1113-46BE-B351-6D204C8AFDD7}" type="slidenum">
               <a:rPr b="0" lang="en-US" sz="1200" strike="noStrike" u="none">
                 <a:solidFill>
                   <a:srgbClr val="000000"/>
@@ -2774,7 +2774,7 @@
                 <a:tab algn="l" pos="10058400"/>
               </a:tabLst>
             </a:pPr>
-            <a:fld id="{045F0B38-1E86-4126-8CCE-7764058B388E}" type="slidenum">
+            <a:fld id="{1708CBF4-DBF4-4CF0-9CE7-646B87CEAE70}" type="slidenum">
               <a:rPr b="0" lang="en-US" sz="1200" strike="noStrike" u="none">
                 <a:solidFill>
                   <a:srgbClr val="000000"/>
@@ -2946,7 +2946,7 @@
                 <a:tab algn="l" pos="10058400"/>
               </a:tabLst>
             </a:pPr>
-            <a:fld id="{0843574F-3112-4801-916A-6FE13C443AC9}" type="slidenum">
+            <a:fld id="{3FDACEBE-BFD8-4498-9479-2806C3E8A4E6}" type="slidenum">
               <a:rPr b="0" lang="en-US" sz="1200" strike="noStrike" u="none">
                 <a:solidFill>
                   <a:srgbClr val="000000"/>
@@ -3118,7 +3118,7 @@
                 <a:tab algn="l" pos="10058400"/>
               </a:tabLst>
             </a:pPr>
-            <a:fld id="{4B14FC48-CBB5-464A-9229-DD62867430FB}" type="slidenum">
+            <a:fld id="{4F1C40BB-9CF4-49C8-B59B-9FE149D924BA}" type="slidenum">
               <a:rPr b="0" lang="en-US" sz="1200" strike="noStrike" u="none">
                 <a:solidFill>
                   <a:srgbClr val="000000"/>
@@ -3290,7 +3290,7 @@
                 <a:tab algn="l" pos="10058400"/>
               </a:tabLst>
             </a:pPr>
-            <a:fld id="{78F04B71-6E49-440C-8C7C-9C246E55C0D2}" type="slidenum">
+            <a:fld id="{9B9C571F-F2A7-47DC-9C2E-B7D05506F500}" type="slidenum">
               <a:rPr b="0" lang="en-US" sz="1200" strike="noStrike" u="none">
                 <a:solidFill>
                   <a:srgbClr val="000000"/>
@@ -3462,7 +3462,7 @@
                 <a:tab algn="l" pos="10058400"/>
               </a:tabLst>
             </a:pPr>
-            <a:fld id="{630AABEF-93B1-474E-8707-403C0B39E93E}" type="slidenum">
+            <a:fld id="{A5C3C039-1859-4D68-96C1-C0DC2802D370}" type="slidenum">
               <a:rPr b="0" lang="en-US" sz="1200" strike="noStrike" u="none">
                 <a:solidFill>
                   <a:srgbClr val="000000"/>
@@ -3634,7 +3634,7 @@
                 <a:tab algn="l" pos="10058400"/>
               </a:tabLst>
             </a:pPr>
-            <a:fld id="{33FEC69D-52DA-4A20-B49A-67D6951E70BC}" type="slidenum">
+            <a:fld id="{9750DE6E-6D98-49A2-8BDD-F44414FA7C67}" type="slidenum">
               <a:rPr b="0" lang="en-US" sz="1200" strike="noStrike" u="none">
                 <a:solidFill>
                   <a:srgbClr val="000000"/>
@@ -3806,7 +3806,7 @@
                 <a:tab algn="l" pos="10058400"/>
               </a:tabLst>
             </a:pPr>
-            <a:fld id="{89495B73-CD1F-472C-BD6C-E8A95CE479DA}" type="slidenum">
+            <a:fld id="{7C67E5AB-D10C-41AD-97CB-A6A9FF2E3E60}" type="slidenum">
               <a:rPr b="0" lang="en-US" sz="1200" strike="noStrike" u="none">
                 <a:solidFill>
                   <a:srgbClr val="000000"/>
@@ -3978,7 +3978,7 @@
                 <a:tab algn="l" pos="10058400"/>
               </a:tabLst>
             </a:pPr>
-            <a:fld id="{7E03834A-644A-4D38-8525-ED634B4D604A}" type="slidenum">
+            <a:fld id="{18C2D06F-A1E5-4AB8-A78F-B819E708E718}" type="slidenum">
               <a:rPr b="0" lang="en-US" sz="1200" strike="noStrike" u="none">
                 <a:solidFill>
                   <a:srgbClr val="000000"/>
@@ -4150,7 +4150,7 @@
                 <a:tab algn="l" pos="10058400"/>
               </a:tabLst>
             </a:pPr>
-            <a:fld id="{0E476D10-62B1-4E65-9112-55BA5499CB10}" type="slidenum">
+            <a:fld id="{8CA69CE9-4623-42D1-A596-674ECAE69BA0}" type="slidenum">
               <a:rPr b="0" lang="en-US" sz="1200" strike="noStrike" u="none">
                 <a:solidFill>
                   <a:srgbClr val="000000"/>
@@ -4322,7 +4322,7 @@
                 <a:tab algn="l" pos="10058400"/>
               </a:tabLst>
             </a:pPr>
-            <a:fld id="{96194D62-1CCC-4237-AD99-5BB56F2D5302}" type="slidenum">
+            <a:fld id="{3A157702-738E-45F3-9F4B-C890BD3C04B7}" type="slidenum">
               <a:rPr b="0" lang="en-US" sz="1200" strike="noStrike" u="none">
                 <a:solidFill>
                   <a:srgbClr val="000000"/>
@@ -4494,7 +4494,7 @@
                 <a:tab algn="l" pos="10058400"/>
               </a:tabLst>
             </a:pPr>
-            <a:fld id="{5CF799C0-6675-4D91-9D45-4BC65C5CC909}" type="slidenum">
+            <a:fld id="{61E5C964-157F-4CC3-9975-4A4A14EB48C6}" type="slidenum">
               <a:rPr b="0" lang="en-US" sz="1200" strike="noStrike" u="none">
                 <a:solidFill>
                   <a:srgbClr val="000000"/>
@@ -4666,7 +4666,7 @@
                 <a:tab algn="l" pos="10058400"/>
               </a:tabLst>
             </a:pPr>
-            <a:fld id="{A7917FFA-8638-44AB-A3A8-F274991242D3}" type="slidenum">
+            <a:fld id="{0E0FBDEA-3931-485C-AE6D-22D7EC683DFF}" type="slidenum">
               <a:rPr b="0" lang="en-US" sz="1200" strike="noStrike" u="none">
                 <a:solidFill>
                   <a:srgbClr val="000000"/>
@@ -4838,7 +4838,7 @@
                 <a:tab algn="l" pos="10058400"/>
               </a:tabLst>
             </a:pPr>
-            <a:fld id="{A2A8E5F8-63F1-4C05-A31B-7E14ED5418A3}" type="slidenum">
+            <a:fld id="{4C4DF234-4B2E-49AE-84A5-DB5F993ED62A}" type="slidenum">
               <a:rPr b="0" lang="en-US" sz="1200" strike="noStrike" u="none">
                 <a:solidFill>
                   <a:srgbClr val="000000"/>
@@ -5010,7 +5010,7 @@
                 <a:tab algn="l" pos="10058400"/>
               </a:tabLst>
             </a:pPr>
-            <a:fld id="{ADF3F831-C3A9-492B-A4BA-6D9382CEC464}" type="slidenum">
+            <a:fld id="{F9A4F561-4B1C-4DA6-AD03-41918A034084}" type="slidenum">
               <a:rPr b="0" lang="en-US" sz="1200" strike="noStrike" u="none">
                 <a:solidFill>
                   <a:srgbClr val="000000"/>
@@ -5182,7 +5182,7 @@
                 <a:tab algn="l" pos="10058400"/>
               </a:tabLst>
             </a:pPr>
-            <a:fld id="{3F70F193-7B5A-45F8-890C-896FA2F3FE42}" type="slidenum">
+            <a:fld id="{FA15BFA3-4FBA-4E33-9157-11312D315486}" type="slidenum">
               <a:rPr b="0" lang="en-US" sz="1200" strike="noStrike" u="none">
                 <a:solidFill>
                   <a:srgbClr val="000000"/>
@@ -5354,7 +5354,7 @@
                 <a:tab algn="l" pos="10058400"/>
               </a:tabLst>
             </a:pPr>
-            <a:fld id="{3BCB7EA9-4726-40E7-802C-C252712660C3}" type="slidenum">
+            <a:fld id="{B674D8BF-C09F-48FD-9A7C-DDD174043DB7}" type="slidenum">
               <a:rPr b="0" lang="en-US" sz="1200" strike="noStrike" u="none">
                 <a:solidFill>
                   <a:srgbClr val="000000"/>
@@ -5526,7 +5526,7 @@
                 <a:tab algn="l" pos="10058400"/>
               </a:tabLst>
             </a:pPr>
-            <a:fld id="{487EB382-1FE0-4E3A-A960-6C3078EDBDB7}" type="slidenum">
+            <a:fld id="{F868D5A7-A9DE-4318-94B4-19472D84845D}" type="slidenum">
               <a:rPr b="0" lang="en-US" sz="1200" strike="noStrike" u="none">
                 <a:solidFill>
                   <a:srgbClr val="000000"/>
@@ -5698,7 +5698,7 @@
                 <a:tab algn="l" pos="10058400"/>
               </a:tabLst>
             </a:pPr>
-            <a:fld id="{4A5F283B-D987-4BA5-A6F3-1571CD19B8AD}" type="slidenum">
+            <a:fld id="{9D144B00-DAAE-4734-90DC-BAB23462AB87}" type="slidenum">
               <a:rPr b="0" lang="en-US" sz="1200" strike="noStrike" u="none">
                 <a:solidFill>
                   <a:srgbClr val="000000"/>
@@ -5870,7 +5870,7 @@
                 <a:tab algn="l" pos="10058400"/>
               </a:tabLst>
             </a:pPr>
-            <a:fld id="{23A98EA5-4B5A-4F2D-A586-88EAC79C3091}" type="slidenum">
+            <a:fld id="{A50286B1-0137-4108-B9B7-597B62929E05}" type="slidenum">
               <a:rPr b="0" lang="en-US" sz="1200" strike="noStrike" u="none">
                 <a:solidFill>
                   <a:srgbClr val="000000"/>
@@ -6042,7 +6042,7 @@
                 <a:tab algn="l" pos="10058400"/>
               </a:tabLst>
             </a:pPr>
-            <a:fld id="{3A4A833B-3DF2-4649-BADA-04356946EDEE}" type="slidenum">
+            <a:fld id="{F309B5FD-A0D1-4F43-95AF-3EA1C47AE2DB}" type="slidenum">
               <a:rPr b="0" lang="en-US" sz="1200" strike="noStrike" u="none">
                 <a:solidFill>
                   <a:srgbClr val="000000"/>
@@ -6214,7 +6214,7 @@
                 <a:tab algn="l" pos="10058400"/>
               </a:tabLst>
             </a:pPr>
-            <a:fld id="{7ED14F9B-2F03-4809-A7A2-8117CD0A2260}" type="slidenum">
+            <a:fld id="{0F47A23D-9D3C-4D8B-AF65-EE21BAFD075A}" type="slidenum">
               <a:rPr b="0" lang="en-US" sz="1200" strike="noStrike" u="none">
                 <a:solidFill>
                   <a:srgbClr val="000000"/>
@@ -6386,7 +6386,7 @@
                 <a:tab algn="l" pos="10058400"/>
               </a:tabLst>
             </a:pPr>
-            <a:fld id="{2168B832-6288-4D45-A4B3-AB01916257C7}" type="slidenum">
+            <a:fld id="{C353BD66-1106-48A6-BC54-25E586B1B3AE}" type="slidenum">
               <a:rPr b="0" lang="en-US" sz="1200" strike="noStrike" u="none">
                 <a:solidFill>
                   <a:srgbClr val="000000"/>
@@ -6558,7 +6558,7 @@
                 <a:tab algn="l" pos="10058400"/>
               </a:tabLst>
             </a:pPr>
-            <a:fld id="{25291C13-1F49-43EC-AC62-EF258F4186F4}" type="slidenum">
+            <a:fld id="{BE2B427F-078C-4786-8EB0-87A244E54E28}" type="slidenum">
               <a:rPr b="0" lang="en-US" sz="1200" strike="noStrike" u="none">
                 <a:solidFill>
                   <a:srgbClr val="000000"/>
@@ -6730,7 +6730,7 @@
                 <a:tab algn="l" pos="10058400"/>
               </a:tabLst>
             </a:pPr>
-            <a:fld id="{8D00002F-A021-4E8D-8811-ED7D0A48A284}" type="slidenum">
+            <a:fld id="{321B92C0-28A8-4252-826A-F9F86C5F70A0}" type="slidenum">
               <a:rPr b="0" lang="en-US" sz="1200" strike="noStrike" u="none">
                 <a:solidFill>
                   <a:srgbClr val="000000"/>
@@ -6902,7 +6902,7 @@
                 <a:tab algn="l" pos="10058400"/>
               </a:tabLst>
             </a:pPr>
-            <a:fld id="{331EDD4C-BD5C-46CF-BDC9-47BBB5751E4A}" type="slidenum">
+            <a:fld id="{ACA21DE9-B25A-46F1-B6F3-7850A9FD29E5}" type="slidenum">
               <a:rPr b="0" lang="en-US" sz="1200" strike="noStrike" u="none">
                 <a:solidFill>
                   <a:srgbClr val="000000"/>
@@ -7074,7 +7074,7 @@
                 <a:tab algn="l" pos="10058400"/>
               </a:tabLst>
             </a:pPr>
-            <a:fld id="{6FE17BBD-2620-4238-8C28-4EADF13E6E8D}" type="slidenum">
+            <a:fld id="{D6B3086A-C291-49EC-BA83-508E227C49EB}" type="slidenum">
               <a:rPr b="0" lang="en-US" sz="1200" strike="noStrike" u="none">
                 <a:solidFill>
                   <a:srgbClr val="000000"/>
@@ -7821,7 +7821,7 @@
               </a:rPr>
               <a:t>Slide </a:t>
             </a:r>
-            <a:fld id="{1ABE8D19-4F2B-4A3E-BB4D-879B7CBA3434}" type="slidenum">
+            <a:fld id="{3DF889B0-63F3-4EDF-AC72-FF2A5606B993}" type="slidenum">
               <a:rPr b="1" lang="en-US" sz="800" strike="noStrike" u="none">
                 <a:solidFill>
                   <a:srgbClr val="ffffff"/>

--- a/slides/Lecture 01.pptx
+++ b/slides/Lecture 01.pptx
@@ -98,7 +98,7 @@
             <a:noAutofit/>
           </a:bodyPr>
           <a:p>
-            <a:endParaRPr b="0" lang="en-MY" sz="1800" strike="noStrike" u="none">
+            <a:endParaRPr b="0" lang="en-US" sz="1800" strike="noStrike" u="none">
               <a:solidFill>
                 <a:srgbClr val="000000"/>
               </a:solidFill>
@@ -140,7 +140,7 @@
             <a:pPr indent="0">
               <a:buNone/>
             </a:pPr>
-            <a:endParaRPr b="0" lang="en-MY" sz="2400" strike="noStrike" u="none">
+            <a:endParaRPr b="0" lang="en-US" sz="2400" strike="noStrike" u="none">
               <a:solidFill>
                 <a:srgbClr val="000000"/>
               </a:solidFill>
@@ -182,7 +182,7 @@
             <a:pPr indent="0">
               <a:buNone/>
             </a:pPr>
-            <a:endParaRPr b="0" lang="en-MY" sz="2400" strike="noStrike" u="none">
+            <a:endParaRPr b="0" lang="en-US" sz="2400" strike="noStrike" u="none">
               <a:solidFill>
                 <a:srgbClr val="000000"/>
               </a:solidFill>
@@ -242,7 +242,7 @@
               </a:tabLst>
             </a:pPr>
             <a:r>
-              <a:rPr b="0" lang="en-MY" sz="4400" strike="noStrike" u="none">
+              <a:rPr b="0" lang="en-US" sz="4400" strike="noStrike" u="none">
                 <a:solidFill>
                   <a:srgbClr val="000000"/>
                 </a:solidFill>
@@ -252,7 +252,7 @@
               </a:rPr>
               <a:t>Click to move the slide</a:t>
             </a:r>
-            <a:endParaRPr b="0" lang="en-MY" sz="4400" strike="noStrike" u="none">
+            <a:endParaRPr b="0" lang="en-US" sz="4400" strike="noStrike" u="none">
               <a:solidFill>
                 <a:srgbClr val="000000"/>
               </a:solidFill>
@@ -312,7 +312,7 @@
               </a:tabLst>
             </a:pPr>
             <a:r>
-              <a:rPr b="0" lang="en-MY" sz="1200" strike="noStrike" u="none">
+              <a:rPr b="0" lang="en-US" sz="1200" strike="noStrike" u="none">
                 <a:solidFill>
                   <a:srgbClr val="000000"/>
                 </a:solidFill>
@@ -322,7 +322,7 @@
               </a:rPr>
               <a:t>Click to edit the notes format</a:t>
             </a:r>
-            <a:endParaRPr b="0" lang="en-MY" sz="1200" strike="noStrike" u="none">
+            <a:endParaRPr b="0" lang="en-US" sz="1200" strike="noStrike" u="none">
               <a:solidFill>
                 <a:srgbClr val="000000"/>
               </a:solidFill>
@@ -364,7 +364,7 @@
             <a:pPr indent="0">
               <a:buNone/>
             </a:pPr>
-            <a:endParaRPr b="0" lang="en-MY" sz="2400" strike="noStrike" u="none">
+            <a:endParaRPr b="0" lang="en-US" sz="2400" strike="noStrike" u="none">
               <a:solidFill>
                 <a:srgbClr val="000000"/>
               </a:solidFill>
@@ -447,7 +447,7 @@
                 <a:tab algn="l" pos="10058400"/>
               </a:tabLst>
             </a:pPr>
-            <a:fld id="{40DAA546-457C-4F9A-B1CE-F1020BBA8820}" type="slidenum">
+            <a:fld id="{1CD1EF97-6A84-4822-9196-CF8435C3AD32}" type="slidenum">
               <a:rPr b="0" lang="en-US" sz="1200" strike="noStrike" u="none">
                 <a:solidFill>
                   <a:srgbClr val="000000"/>
@@ -458,7 +458,7 @@
               </a:rPr>
               <a:t>&lt;number&gt;</a:t>
             </a:fld>
-            <a:endParaRPr b="0" lang="en-MY" sz="1200" strike="noStrike" u="none">
+            <a:endParaRPr b="0" lang="en-US" sz="1200" strike="noStrike" u="none">
               <a:solidFill>
                 <a:srgbClr val="000000"/>
               </a:solidFill>
@@ -538,7 +538,7 @@
                 <a:tab algn="l" pos="10058400"/>
               </a:tabLst>
             </a:pPr>
-            <a:fld id="{FB9C8A09-2EB2-440F-9E31-77708B125545}" type="slidenum">
+            <a:fld id="{CAC1FFA3-135E-49E1-9BA5-0D04DC75F9E0}" type="slidenum">
               <a:rPr b="0" lang="en-US" sz="1200" strike="noStrike" u="none">
                 <a:solidFill>
                   <a:srgbClr val="000000"/>
@@ -549,7 +549,7 @@
               </a:rPr>
               <a:t>&lt;number&gt;</a:t>
             </a:fld>
-            <a:endParaRPr b="0" lang="en-MY" sz="1200" strike="noStrike" u="none">
+            <a:endParaRPr b="0" lang="en-US" sz="1200" strike="noStrike" u="none">
               <a:solidFill>
                 <a:srgbClr val="000000"/>
               </a:solidFill>
@@ -710,7 +710,7 @@
                 <a:tab algn="l" pos="10058400"/>
               </a:tabLst>
             </a:pPr>
-            <a:fld id="{C11B7EB3-7B38-4900-BC09-25F30B0CFA42}" type="slidenum">
+            <a:fld id="{B27DEC0D-0379-4347-9F08-39EB2A6C0721}" type="slidenum">
               <a:rPr b="0" lang="en-US" sz="1200" strike="noStrike" u="none">
                 <a:solidFill>
                   <a:srgbClr val="000000"/>
@@ -721,7 +721,7 @@
               </a:rPr>
               <a:t>&lt;number&gt;</a:t>
             </a:fld>
-            <a:endParaRPr b="0" lang="en-MY" sz="1200" strike="noStrike" u="none">
+            <a:endParaRPr b="0" lang="en-US" sz="1200" strike="noStrike" u="none">
               <a:solidFill>
                 <a:srgbClr val="000000"/>
               </a:solidFill>
@@ -882,7 +882,7 @@
                 <a:tab algn="l" pos="10058400"/>
               </a:tabLst>
             </a:pPr>
-            <a:fld id="{ABC05404-83B0-4177-BEB8-7658B8331835}" type="slidenum">
+            <a:fld id="{723A8EEB-B7CA-44D5-A997-78CD8EC588B8}" type="slidenum">
               <a:rPr b="0" lang="en-US" sz="1200" strike="noStrike" u="none">
                 <a:solidFill>
                   <a:srgbClr val="000000"/>
@@ -893,7 +893,7 @@
               </a:rPr>
               <a:t>&lt;number&gt;</a:t>
             </a:fld>
-            <a:endParaRPr b="0" lang="en-MY" sz="1200" strike="noStrike" u="none">
+            <a:endParaRPr b="0" lang="en-US" sz="1200" strike="noStrike" u="none">
               <a:solidFill>
                 <a:srgbClr val="000000"/>
               </a:solidFill>
@@ -1054,7 +1054,7 @@
                 <a:tab algn="l" pos="10058400"/>
               </a:tabLst>
             </a:pPr>
-            <a:fld id="{DA889368-2502-46A1-8DD5-61678CF347F0}" type="slidenum">
+            <a:fld id="{3A85951A-B67E-4EC3-AE0D-85BCD9FCE911}" type="slidenum">
               <a:rPr b="0" lang="en-US" sz="1200" strike="noStrike" u="none">
                 <a:solidFill>
                   <a:srgbClr val="000000"/>
@@ -1065,7 +1065,7 @@
               </a:rPr>
               <a:t>&lt;number&gt;</a:t>
             </a:fld>
-            <a:endParaRPr b="0" lang="en-MY" sz="1200" strike="noStrike" u="none">
+            <a:endParaRPr b="0" lang="en-US" sz="1200" strike="noStrike" u="none">
               <a:solidFill>
                 <a:srgbClr val="000000"/>
               </a:solidFill>
@@ -1226,7 +1226,7 @@
                 <a:tab algn="l" pos="10058400"/>
               </a:tabLst>
             </a:pPr>
-            <a:fld id="{87739DB3-B69F-4608-B4AD-2C28F7F61D76}" type="slidenum">
+            <a:fld id="{E144AC39-737A-4474-AA00-062D8C1C5569}" type="slidenum">
               <a:rPr b="0" lang="en-US" sz="1200" strike="noStrike" u="none">
                 <a:solidFill>
                   <a:srgbClr val="000000"/>
@@ -1237,7 +1237,7 @@
               </a:rPr>
               <a:t>&lt;number&gt;</a:t>
             </a:fld>
-            <a:endParaRPr b="0" lang="en-MY" sz="1200" strike="noStrike" u="none">
+            <a:endParaRPr b="0" lang="en-US" sz="1200" strike="noStrike" u="none">
               <a:solidFill>
                 <a:srgbClr val="000000"/>
               </a:solidFill>
@@ -1398,7 +1398,7 @@
                 <a:tab algn="l" pos="10058400"/>
               </a:tabLst>
             </a:pPr>
-            <a:fld id="{F883D89D-EE9E-4449-9FC2-0B8883C6FB94}" type="slidenum">
+            <a:fld id="{7E701FBE-446F-481C-AB8D-C541FF944613}" type="slidenum">
               <a:rPr b="0" lang="en-US" sz="1200" strike="noStrike" u="none">
                 <a:solidFill>
                   <a:srgbClr val="000000"/>
@@ -1409,7 +1409,7 @@
               </a:rPr>
               <a:t>&lt;number&gt;</a:t>
             </a:fld>
-            <a:endParaRPr b="0" lang="en-MY" sz="1200" strike="noStrike" u="none">
+            <a:endParaRPr b="0" lang="en-US" sz="1200" strike="noStrike" u="none">
               <a:solidFill>
                 <a:srgbClr val="000000"/>
               </a:solidFill>
@@ -1570,7 +1570,7 @@
                 <a:tab algn="l" pos="10058400"/>
               </a:tabLst>
             </a:pPr>
-            <a:fld id="{595FC8A6-C7F8-44BD-A942-9AA26680D283}" type="slidenum">
+            <a:fld id="{FA1633AF-5ED4-4F56-9DD4-97BF2EA07C90}" type="slidenum">
               <a:rPr b="0" lang="en-US" sz="1200" strike="noStrike" u="none">
                 <a:solidFill>
                   <a:srgbClr val="000000"/>
@@ -1581,7 +1581,7 @@
               </a:rPr>
               <a:t>&lt;number&gt;</a:t>
             </a:fld>
-            <a:endParaRPr b="0" lang="en-MY" sz="1200" strike="noStrike" u="none">
+            <a:endParaRPr b="0" lang="en-US" sz="1200" strike="noStrike" u="none">
               <a:solidFill>
                 <a:srgbClr val="000000"/>
               </a:solidFill>
@@ -1742,7 +1742,7 @@
                 <a:tab algn="l" pos="10058400"/>
               </a:tabLst>
             </a:pPr>
-            <a:fld id="{71EF40B1-8986-4B5D-B58F-95853E1F9759}" type="slidenum">
+            <a:fld id="{2EB66812-0B4D-4BE6-B695-B976CA286FCC}" type="slidenum">
               <a:rPr b="0" lang="en-US" sz="1200" strike="noStrike" u="none">
                 <a:solidFill>
                   <a:srgbClr val="000000"/>
@@ -1753,7 +1753,7 @@
               </a:rPr>
               <a:t>&lt;number&gt;</a:t>
             </a:fld>
-            <a:endParaRPr b="0" lang="en-MY" sz="1200" strike="noStrike" u="none">
+            <a:endParaRPr b="0" lang="en-US" sz="1200" strike="noStrike" u="none">
               <a:solidFill>
                 <a:srgbClr val="000000"/>
               </a:solidFill>
@@ -1914,7 +1914,7 @@
                 <a:tab algn="l" pos="10058400"/>
               </a:tabLst>
             </a:pPr>
-            <a:fld id="{2C32FAB4-18DC-4619-994C-88D31D61DDEC}" type="slidenum">
+            <a:fld id="{812C08E7-D1B6-4DFA-AB23-DE326A78CCD5}" type="slidenum">
               <a:rPr b="0" lang="en-US" sz="1200" strike="noStrike" u="none">
                 <a:solidFill>
                   <a:srgbClr val="000000"/>
@@ -1925,7 +1925,7 @@
               </a:rPr>
               <a:t>&lt;number&gt;</a:t>
             </a:fld>
-            <a:endParaRPr b="0" lang="en-MY" sz="1200" strike="noStrike" u="none">
+            <a:endParaRPr b="0" lang="en-US" sz="1200" strike="noStrike" u="none">
               <a:solidFill>
                 <a:srgbClr val="000000"/>
               </a:solidFill>
@@ -2086,7 +2086,7 @@
                 <a:tab algn="l" pos="10058400"/>
               </a:tabLst>
             </a:pPr>
-            <a:fld id="{E3A7E5DA-C0EF-417E-B841-9E8B3D345694}" type="slidenum">
+            <a:fld id="{6A62EB30-3B8B-4E3D-A8A2-889CEDEFC990}" type="slidenum">
               <a:rPr b="0" lang="en-US" sz="1200" strike="noStrike" u="none">
                 <a:solidFill>
                   <a:srgbClr val="000000"/>
@@ -2097,7 +2097,7 @@
               </a:rPr>
               <a:t>&lt;number&gt;</a:t>
             </a:fld>
-            <a:endParaRPr b="0" lang="en-MY" sz="1200" strike="noStrike" u="none">
+            <a:endParaRPr b="0" lang="en-US" sz="1200" strike="noStrike" u="none">
               <a:solidFill>
                 <a:srgbClr val="000000"/>
               </a:solidFill>
@@ -2258,7 +2258,7 @@
                 <a:tab algn="l" pos="10058400"/>
               </a:tabLst>
             </a:pPr>
-            <a:fld id="{DDBEC9C2-0950-4EDF-9048-28E2132E23A8}" type="slidenum">
+            <a:fld id="{9BB828AC-5C00-45C1-ADEB-505E4A917A87}" type="slidenum">
               <a:rPr b="0" lang="en-US" sz="1200" strike="noStrike" u="none">
                 <a:solidFill>
                   <a:srgbClr val="000000"/>
@@ -2269,7 +2269,7 @@
               </a:rPr>
               <a:t>&lt;number&gt;</a:t>
             </a:fld>
-            <a:endParaRPr b="0" lang="en-MY" sz="1200" strike="noStrike" u="none">
+            <a:endParaRPr b="0" lang="en-US" sz="1200" strike="noStrike" u="none">
               <a:solidFill>
                 <a:srgbClr val="000000"/>
               </a:solidFill>
@@ -2430,7 +2430,7 @@
                 <a:tab algn="l" pos="10058400"/>
               </a:tabLst>
             </a:pPr>
-            <a:fld id="{7451F1EB-0967-4892-9B6A-B004DA57F399}" type="slidenum">
+            <a:fld id="{773F57F6-E9AA-46C9-8735-8F73E65116A9}" type="slidenum">
               <a:rPr b="0" lang="en-US" sz="1200" strike="noStrike" u="none">
                 <a:solidFill>
                   <a:srgbClr val="000000"/>
@@ -2441,7 +2441,7 @@
               </a:rPr>
               <a:t>&lt;number&gt;</a:t>
             </a:fld>
-            <a:endParaRPr b="0" lang="en-MY" sz="1200" strike="noStrike" u="none">
+            <a:endParaRPr b="0" lang="en-US" sz="1200" strike="noStrike" u="none">
               <a:solidFill>
                 <a:srgbClr val="000000"/>
               </a:solidFill>
@@ -2602,7 +2602,7 @@
                 <a:tab algn="l" pos="10058400"/>
               </a:tabLst>
             </a:pPr>
-            <a:fld id="{40E39AB4-14C1-4282-8D56-67D379A8DA54}" type="slidenum">
+            <a:fld id="{D3FCABAF-E602-476E-8787-F167811A766F}" type="slidenum">
               <a:rPr b="0" lang="en-US" sz="1200" strike="noStrike" u="none">
                 <a:solidFill>
                   <a:srgbClr val="000000"/>
@@ -2613,7 +2613,7 @@
               </a:rPr>
               <a:t>&lt;number&gt;</a:t>
             </a:fld>
-            <a:endParaRPr b="0" lang="en-MY" sz="1200" strike="noStrike" u="none">
+            <a:endParaRPr b="0" lang="en-US" sz="1200" strike="noStrike" u="none">
               <a:solidFill>
                 <a:srgbClr val="000000"/>
               </a:solidFill>
@@ -2774,7 +2774,7 @@
                 <a:tab algn="l" pos="10058400"/>
               </a:tabLst>
             </a:pPr>
-            <a:fld id="{045F0B38-1E86-4126-8CCE-7764058B388E}" type="slidenum">
+            <a:fld id="{06C0A35E-BB6B-4A92-900D-04A422AFACEA}" type="slidenum">
               <a:rPr b="0" lang="en-US" sz="1200" strike="noStrike" u="none">
                 <a:solidFill>
                   <a:srgbClr val="000000"/>
@@ -2785,7 +2785,7 @@
               </a:rPr>
               <a:t>&lt;number&gt;</a:t>
             </a:fld>
-            <a:endParaRPr b="0" lang="en-MY" sz="1200" strike="noStrike" u="none">
+            <a:endParaRPr b="0" lang="en-US" sz="1200" strike="noStrike" u="none">
               <a:solidFill>
                 <a:srgbClr val="000000"/>
               </a:solidFill>
@@ -2946,7 +2946,7 @@
                 <a:tab algn="l" pos="10058400"/>
               </a:tabLst>
             </a:pPr>
-            <a:fld id="{0843574F-3112-4801-916A-6FE13C443AC9}" type="slidenum">
+            <a:fld id="{2AAE066C-B82F-48D5-A1B3-4E5B9038D213}" type="slidenum">
               <a:rPr b="0" lang="en-US" sz="1200" strike="noStrike" u="none">
                 <a:solidFill>
                   <a:srgbClr val="000000"/>
@@ -2957,7 +2957,7 @@
               </a:rPr>
               <a:t>&lt;number&gt;</a:t>
             </a:fld>
-            <a:endParaRPr b="0" lang="en-MY" sz="1200" strike="noStrike" u="none">
+            <a:endParaRPr b="0" lang="en-US" sz="1200" strike="noStrike" u="none">
               <a:solidFill>
                 <a:srgbClr val="000000"/>
               </a:solidFill>
@@ -3118,7 +3118,7 @@
                 <a:tab algn="l" pos="10058400"/>
               </a:tabLst>
             </a:pPr>
-            <a:fld id="{4B14FC48-CBB5-464A-9229-DD62867430FB}" type="slidenum">
+            <a:fld id="{25EE5D81-1569-4650-8E1C-B3491AA64FB0}" type="slidenum">
               <a:rPr b="0" lang="en-US" sz="1200" strike="noStrike" u="none">
                 <a:solidFill>
                   <a:srgbClr val="000000"/>
@@ -3129,7 +3129,7 @@
               </a:rPr>
               <a:t>&lt;number&gt;</a:t>
             </a:fld>
-            <a:endParaRPr b="0" lang="en-MY" sz="1200" strike="noStrike" u="none">
+            <a:endParaRPr b="0" lang="en-US" sz="1200" strike="noStrike" u="none">
               <a:solidFill>
                 <a:srgbClr val="000000"/>
               </a:solidFill>
@@ -3290,7 +3290,7 @@
                 <a:tab algn="l" pos="10058400"/>
               </a:tabLst>
             </a:pPr>
-            <a:fld id="{78F04B71-6E49-440C-8C7C-9C246E55C0D2}" type="slidenum">
+            <a:fld id="{AC8B3305-576A-4CFE-B9D5-E3E39956A9E4}" type="slidenum">
               <a:rPr b="0" lang="en-US" sz="1200" strike="noStrike" u="none">
                 <a:solidFill>
                   <a:srgbClr val="000000"/>
@@ -3301,7 +3301,7 @@
               </a:rPr>
               <a:t>&lt;number&gt;</a:t>
             </a:fld>
-            <a:endParaRPr b="0" lang="en-MY" sz="1200" strike="noStrike" u="none">
+            <a:endParaRPr b="0" lang="en-US" sz="1200" strike="noStrike" u="none">
               <a:solidFill>
                 <a:srgbClr val="000000"/>
               </a:solidFill>
@@ -3462,7 +3462,7 @@
                 <a:tab algn="l" pos="10058400"/>
               </a:tabLst>
             </a:pPr>
-            <a:fld id="{630AABEF-93B1-474E-8707-403C0B39E93E}" type="slidenum">
+            <a:fld id="{954B67A7-D59A-44D1-B21C-AAACEAD8B557}" type="slidenum">
               <a:rPr b="0" lang="en-US" sz="1200" strike="noStrike" u="none">
                 <a:solidFill>
                   <a:srgbClr val="000000"/>
@@ -3473,7 +3473,7 @@
               </a:rPr>
               <a:t>&lt;number&gt;</a:t>
             </a:fld>
-            <a:endParaRPr b="0" lang="en-MY" sz="1200" strike="noStrike" u="none">
+            <a:endParaRPr b="0" lang="en-US" sz="1200" strike="noStrike" u="none">
               <a:solidFill>
                 <a:srgbClr val="000000"/>
               </a:solidFill>
@@ -3634,7 +3634,7 @@
                 <a:tab algn="l" pos="10058400"/>
               </a:tabLst>
             </a:pPr>
-            <a:fld id="{33FEC69D-52DA-4A20-B49A-67D6951E70BC}" type="slidenum">
+            <a:fld id="{630CCCAC-4581-4716-BC0F-E1F825329764}" type="slidenum">
               <a:rPr b="0" lang="en-US" sz="1200" strike="noStrike" u="none">
                 <a:solidFill>
                   <a:srgbClr val="000000"/>
@@ -3645,7 +3645,7 @@
               </a:rPr>
               <a:t>&lt;number&gt;</a:t>
             </a:fld>
-            <a:endParaRPr b="0" lang="en-MY" sz="1200" strike="noStrike" u="none">
+            <a:endParaRPr b="0" lang="en-US" sz="1200" strike="noStrike" u="none">
               <a:solidFill>
                 <a:srgbClr val="000000"/>
               </a:solidFill>
@@ -3806,7 +3806,7 @@
                 <a:tab algn="l" pos="10058400"/>
               </a:tabLst>
             </a:pPr>
-            <a:fld id="{89495B73-CD1F-472C-BD6C-E8A95CE479DA}" type="slidenum">
+            <a:fld id="{0EDDA877-D45E-4340-B994-68C145DC78CD}" type="slidenum">
               <a:rPr b="0" lang="en-US" sz="1200" strike="noStrike" u="none">
                 <a:solidFill>
                   <a:srgbClr val="000000"/>
@@ -3817,7 +3817,7 @@
               </a:rPr>
               <a:t>&lt;number&gt;</a:t>
             </a:fld>
-            <a:endParaRPr b="0" lang="en-MY" sz="1200" strike="noStrike" u="none">
+            <a:endParaRPr b="0" lang="en-US" sz="1200" strike="noStrike" u="none">
               <a:solidFill>
                 <a:srgbClr val="000000"/>
               </a:solidFill>
@@ -3978,7 +3978,7 @@
                 <a:tab algn="l" pos="10058400"/>
               </a:tabLst>
             </a:pPr>
-            <a:fld id="{7E03834A-644A-4D38-8525-ED634B4D604A}" type="slidenum">
+            <a:fld id="{5E0DC9E7-4668-4471-A0E8-AC22481FDA94}" type="slidenum">
               <a:rPr b="0" lang="en-US" sz="1200" strike="noStrike" u="none">
                 <a:solidFill>
                   <a:srgbClr val="000000"/>
@@ -3989,7 +3989,7 @@
               </a:rPr>
               <a:t>&lt;number&gt;</a:t>
             </a:fld>
-            <a:endParaRPr b="0" lang="en-MY" sz="1200" strike="noStrike" u="none">
+            <a:endParaRPr b="0" lang="en-US" sz="1200" strike="noStrike" u="none">
               <a:solidFill>
                 <a:srgbClr val="000000"/>
               </a:solidFill>
@@ -4150,7 +4150,7 @@
                 <a:tab algn="l" pos="10058400"/>
               </a:tabLst>
             </a:pPr>
-            <a:fld id="{0E476D10-62B1-4E65-9112-55BA5499CB10}" type="slidenum">
+            <a:fld id="{2EC377E9-A706-4470-AE40-CC2634F3DC3A}" type="slidenum">
               <a:rPr b="0" lang="en-US" sz="1200" strike="noStrike" u="none">
                 <a:solidFill>
                   <a:srgbClr val="000000"/>
@@ -4161,7 +4161,7 @@
               </a:rPr>
               <a:t>&lt;number&gt;</a:t>
             </a:fld>
-            <a:endParaRPr b="0" lang="en-MY" sz="1200" strike="noStrike" u="none">
+            <a:endParaRPr b="0" lang="en-US" sz="1200" strike="noStrike" u="none">
               <a:solidFill>
                 <a:srgbClr val="000000"/>
               </a:solidFill>
@@ -4322,7 +4322,7 @@
                 <a:tab algn="l" pos="10058400"/>
               </a:tabLst>
             </a:pPr>
-            <a:fld id="{96194D62-1CCC-4237-AD99-5BB56F2D5302}" type="slidenum">
+            <a:fld id="{BC224A8C-C97F-4F4C-883C-27A04BF54A62}" type="slidenum">
               <a:rPr b="0" lang="en-US" sz="1200" strike="noStrike" u="none">
                 <a:solidFill>
                   <a:srgbClr val="000000"/>
@@ -4333,7 +4333,7 @@
               </a:rPr>
               <a:t>&lt;number&gt;</a:t>
             </a:fld>
-            <a:endParaRPr b="0" lang="en-MY" sz="1200" strike="noStrike" u="none">
+            <a:endParaRPr b="0" lang="en-US" sz="1200" strike="noStrike" u="none">
               <a:solidFill>
                 <a:srgbClr val="000000"/>
               </a:solidFill>
@@ -4494,7 +4494,7 @@
                 <a:tab algn="l" pos="10058400"/>
               </a:tabLst>
             </a:pPr>
-            <a:fld id="{5CF799C0-6675-4D91-9D45-4BC65C5CC909}" type="slidenum">
+            <a:fld id="{16DC37F4-0A6E-44E9-AB82-A65CA475837A}" type="slidenum">
               <a:rPr b="0" lang="en-US" sz="1200" strike="noStrike" u="none">
                 <a:solidFill>
                   <a:srgbClr val="000000"/>
@@ -4505,7 +4505,7 @@
               </a:rPr>
               <a:t>&lt;number&gt;</a:t>
             </a:fld>
-            <a:endParaRPr b="0" lang="en-MY" sz="1200" strike="noStrike" u="none">
+            <a:endParaRPr b="0" lang="en-US" sz="1200" strike="noStrike" u="none">
               <a:solidFill>
                 <a:srgbClr val="000000"/>
               </a:solidFill>
@@ -4666,7 +4666,7 @@
                 <a:tab algn="l" pos="10058400"/>
               </a:tabLst>
             </a:pPr>
-            <a:fld id="{A7917FFA-8638-44AB-A3A8-F274991242D3}" type="slidenum">
+            <a:fld id="{E9CBEAFC-3BE4-4C04-8401-77FC852A6AF8}" type="slidenum">
               <a:rPr b="0" lang="en-US" sz="1200" strike="noStrike" u="none">
                 <a:solidFill>
                   <a:srgbClr val="000000"/>
@@ -4677,7 +4677,7 @@
               </a:rPr>
               <a:t>&lt;number&gt;</a:t>
             </a:fld>
-            <a:endParaRPr b="0" lang="en-MY" sz="1200" strike="noStrike" u="none">
+            <a:endParaRPr b="0" lang="en-US" sz="1200" strike="noStrike" u="none">
               <a:solidFill>
                 <a:srgbClr val="000000"/>
               </a:solidFill>
@@ -4838,7 +4838,7 @@
                 <a:tab algn="l" pos="10058400"/>
               </a:tabLst>
             </a:pPr>
-            <a:fld id="{A2A8E5F8-63F1-4C05-A31B-7E14ED5418A3}" type="slidenum">
+            <a:fld id="{7CE51986-078B-415C-B051-F6D388437FC8}" type="slidenum">
               <a:rPr b="0" lang="en-US" sz="1200" strike="noStrike" u="none">
                 <a:solidFill>
                   <a:srgbClr val="000000"/>
@@ -4849,7 +4849,7 @@
               </a:rPr>
               <a:t>&lt;number&gt;</a:t>
             </a:fld>
-            <a:endParaRPr b="0" lang="en-MY" sz="1200" strike="noStrike" u="none">
+            <a:endParaRPr b="0" lang="en-US" sz="1200" strike="noStrike" u="none">
               <a:solidFill>
                 <a:srgbClr val="000000"/>
               </a:solidFill>
@@ -5010,7 +5010,7 @@
                 <a:tab algn="l" pos="10058400"/>
               </a:tabLst>
             </a:pPr>
-            <a:fld id="{ADF3F831-C3A9-492B-A4BA-6D9382CEC464}" type="slidenum">
+            <a:fld id="{E6777DD6-9FE9-4AEB-8380-0E2DD27043B6}" type="slidenum">
               <a:rPr b="0" lang="en-US" sz="1200" strike="noStrike" u="none">
                 <a:solidFill>
                   <a:srgbClr val="000000"/>
@@ -5021,7 +5021,7 @@
               </a:rPr>
               <a:t>&lt;number&gt;</a:t>
             </a:fld>
-            <a:endParaRPr b="0" lang="en-MY" sz="1200" strike="noStrike" u="none">
+            <a:endParaRPr b="0" lang="en-US" sz="1200" strike="noStrike" u="none">
               <a:solidFill>
                 <a:srgbClr val="000000"/>
               </a:solidFill>
@@ -5182,7 +5182,7 @@
                 <a:tab algn="l" pos="10058400"/>
               </a:tabLst>
             </a:pPr>
-            <a:fld id="{3F70F193-7B5A-45F8-890C-896FA2F3FE42}" type="slidenum">
+            <a:fld id="{D2C05919-D04A-46E9-BFB4-451DE985F92F}" type="slidenum">
               <a:rPr b="0" lang="en-US" sz="1200" strike="noStrike" u="none">
                 <a:solidFill>
                   <a:srgbClr val="000000"/>
@@ -5193,7 +5193,7 @@
               </a:rPr>
               <a:t>&lt;number&gt;</a:t>
             </a:fld>
-            <a:endParaRPr b="0" lang="en-MY" sz="1200" strike="noStrike" u="none">
+            <a:endParaRPr b="0" lang="en-US" sz="1200" strike="noStrike" u="none">
               <a:solidFill>
                 <a:srgbClr val="000000"/>
               </a:solidFill>
@@ -5354,7 +5354,7 @@
                 <a:tab algn="l" pos="10058400"/>
               </a:tabLst>
             </a:pPr>
-            <a:fld id="{3BCB7EA9-4726-40E7-802C-C252712660C3}" type="slidenum">
+            <a:fld id="{C08C4B96-8FE4-46EA-9955-A70979A67B7D}" type="slidenum">
               <a:rPr b="0" lang="en-US" sz="1200" strike="noStrike" u="none">
                 <a:solidFill>
                   <a:srgbClr val="000000"/>
@@ -5365,7 +5365,7 @@
               </a:rPr>
               <a:t>&lt;number&gt;</a:t>
             </a:fld>
-            <a:endParaRPr b="0" lang="en-MY" sz="1200" strike="noStrike" u="none">
+            <a:endParaRPr b="0" lang="en-US" sz="1200" strike="noStrike" u="none">
               <a:solidFill>
                 <a:srgbClr val="000000"/>
               </a:solidFill>
@@ -5526,7 +5526,7 @@
                 <a:tab algn="l" pos="10058400"/>
               </a:tabLst>
             </a:pPr>
-            <a:fld id="{487EB382-1FE0-4E3A-A960-6C3078EDBDB7}" type="slidenum">
+            <a:fld id="{1C9BFB89-B619-4ACE-9D25-E982ECD85DB7}" type="slidenum">
               <a:rPr b="0" lang="en-US" sz="1200" strike="noStrike" u="none">
                 <a:solidFill>
                   <a:srgbClr val="000000"/>
@@ -5537,7 +5537,7 @@
               </a:rPr>
               <a:t>&lt;number&gt;</a:t>
             </a:fld>
-            <a:endParaRPr b="0" lang="en-MY" sz="1200" strike="noStrike" u="none">
+            <a:endParaRPr b="0" lang="en-US" sz="1200" strike="noStrike" u="none">
               <a:solidFill>
                 <a:srgbClr val="000000"/>
               </a:solidFill>
@@ -5698,7 +5698,7 @@
                 <a:tab algn="l" pos="10058400"/>
               </a:tabLst>
             </a:pPr>
-            <a:fld id="{4A5F283B-D987-4BA5-A6F3-1571CD19B8AD}" type="slidenum">
+            <a:fld id="{7A2F73D6-FB7F-463D-B531-45B79985BC8A}" type="slidenum">
               <a:rPr b="0" lang="en-US" sz="1200" strike="noStrike" u="none">
                 <a:solidFill>
                   <a:srgbClr val="000000"/>
@@ -5709,7 +5709,7 @@
               </a:rPr>
               <a:t>&lt;number&gt;</a:t>
             </a:fld>
-            <a:endParaRPr b="0" lang="en-MY" sz="1200" strike="noStrike" u="none">
+            <a:endParaRPr b="0" lang="en-US" sz="1200" strike="noStrike" u="none">
               <a:solidFill>
                 <a:srgbClr val="000000"/>
               </a:solidFill>
@@ -5870,7 +5870,7 @@
                 <a:tab algn="l" pos="10058400"/>
               </a:tabLst>
             </a:pPr>
-            <a:fld id="{23A98EA5-4B5A-4F2D-A586-88EAC79C3091}" type="slidenum">
+            <a:fld id="{F81F9AE2-DFA2-4119-8AD8-1416C3AF5C14}" type="slidenum">
               <a:rPr b="0" lang="en-US" sz="1200" strike="noStrike" u="none">
                 <a:solidFill>
                   <a:srgbClr val="000000"/>
@@ -5881,7 +5881,7 @@
               </a:rPr>
               <a:t>&lt;number&gt;</a:t>
             </a:fld>
-            <a:endParaRPr b="0" lang="en-MY" sz="1200" strike="noStrike" u="none">
+            <a:endParaRPr b="0" lang="en-US" sz="1200" strike="noStrike" u="none">
               <a:solidFill>
                 <a:srgbClr val="000000"/>
               </a:solidFill>
@@ -6042,7 +6042,7 @@
                 <a:tab algn="l" pos="10058400"/>
               </a:tabLst>
             </a:pPr>
-            <a:fld id="{3A4A833B-3DF2-4649-BADA-04356946EDEE}" type="slidenum">
+            <a:fld id="{EEB6DC85-2EE4-4EF7-8000-AEFFC5F35FAD}" type="slidenum">
               <a:rPr b="0" lang="en-US" sz="1200" strike="noStrike" u="none">
                 <a:solidFill>
                   <a:srgbClr val="000000"/>
@@ -6053,7 +6053,7 @@
               </a:rPr>
               <a:t>&lt;number&gt;</a:t>
             </a:fld>
-            <a:endParaRPr b="0" lang="en-MY" sz="1200" strike="noStrike" u="none">
+            <a:endParaRPr b="0" lang="en-US" sz="1200" strike="noStrike" u="none">
               <a:solidFill>
                 <a:srgbClr val="000000"/>
               </a:solidFill>
@@ -6214,7 +6214,7 @@
                 <a:tab algn="l" pos="10058400"/>
               </a:tabLst>
             </a:pPr>
-            <a:fld id="{7ED14F9B-2F03-4809-A7A2-8117CD0A2260}" type="slidenum">
+            <a:fld id="{823D5A12-92BC-491F-9C52-F491C2AD0A55}" type="slidenum">
               <a:rPr b="0" lang="en-US" sz="1200" strike="noStrike" u="none">
                 <a:solidFill>
                   <a:srgbClr val="000000"/>
@@ -6225,7 +6225,7 @@
               </a:rPr>
               <a:t>&lt;number&gt;</a:t>
             </a:fld>
-            <a:endParaRPr b="0" lang="en-MY" sz="1200" strike="noStrike" u="none">
+            <a:endParaRPr b="0" lang="en-US" sz="1200" strike="noStrike" u="none">
               <a:solidFill>
                 <a:srgbClr val="000000"/>
               </a:solidFill>
@@ -6386,7 +6386,7 @@
                 <a:tab algn="l" pos="10058400"/>
               </a:tabLst>
             </a:pPr>
-            <a:fld id="{2168B832-6288-4D45-A4B3-AB01916257C7}" type="slidenum">
+            <a:fld id="{9BEBFF38-6115-4447-AB90-EB748E1C73BD}" type="slidenum">
               <a:rPr b="0" lang="en-US" sz="1200" strike="noStrike" u="none">
                 <a:solidFill>
                   <a:srgbClr val="000000"/>
@@ -6397,7 +6397,7 @@
               </a:rPr>
               <a:t>&lt;number&gt;</a:t>
             </a:fld>
-            <a:endParaRPr b="0" lang="en-MY" sz="1200" strike="noStrike" u="none">
+            <a:endParaRPr b="0" lang="en-US" sz="1200" strike="noStrike" u="none">
               <a:solidFill>
                 <a:srgbClr val="000000"/>
               </a:solidFill>
@@ -6558,7 +6558,7 @@
                 <a:tab algn="l" pos="10058400"/>
               </a:tabLst>
             </a:pPr>
-            <a:fld id="{25291C13-1F49-43EC-AC62-EF258F4186F4}" type="slidenum">
+            <a:fld id="{42F1F940-A531-497F-9073-71B6DBB9F996}" type="slidenum">
               <a:rPr b="0" lang="en-US" sz="1200" strike="noStrike" u="none">
                 <a:solidFill>
                   <a:srgbClr val="000000"/>
@@ -6569,7 +6569,7 @@
               </a:rPr>
               <a:t>&lt;number&gt;</a:t>
             </a:fld>
-            <a:endParaRPr b="0" lang="en-MY" sz="1200" strike="noStrike" u="none">
+            <a:endParaRPr b="0" lang="en-US" sz="1200" strike="noStrike" u="none">
               <a:solidFill>
                 <a:srgbClr val="000000"/>
               </a:solidFill>
@@ -6730,7 +6730,7 @@
                 <a:tab algn="l" pos="10058400"/>
               </a:tabLst>
             </a:pPr>
-            <a:fld id="{8D00002F-A021-4E8D-8811-ED7D0A48A284}" type="slidenum">
+            <a:fld id="{1B3BE655-1309-454C-9DD8-1083FAE55810}" type="slidenum">
               <a:rPr b="0" lang="en-US" sz="1200" strike="noStrike" u="none">
                 <a:solidFill>
                   <a:srgbClr val="000000"/>
@@ -6741,7 +6741,7 @@
               </a:rPr>
               <a:t>&lt;number&gt;</a:t>
             </a:fld>
-            <a:endParaRPr b="0" lang="en-MY" sz="1200" strike="noStrike" u="none">
+            <a:endParaRPr b="0" lang="en-US" sz="1200" strike="noStrike" u="none">
               <a:solidFill>
                 <a:srgbClr val="000000"/>
               </a:solidFill>
@@ -6902,7 +6902,7 @@
                 <a:tab algn="l" pos="10058400"/>
               </a:tabLst>
             </a:pPr>
-            <a:fld id="{331EDD4C-BD5C-46CF-BDC9-47BBB5751E4A}" type="slidenum">
+            <a:fld id="{550319D3-3793-47BF-A66B-EBF399ECEF56}" type="slidenum">
               <a:rPr b="0" lang="en-US" sz="1200" strike="noStrike" u="none">
                 <a:solidFill>
                   <a:srgbClr val="000000"/>
@@ -6913,7 +6913,7 @@
               </a:rPr>
               <a:t>&lt;number&gt;</a:t>
             </a:fld>
-            <a:endParaRPr b="0" lang="en-MY" sz="1200" strike="noStrike" u="none">
+            <a:endParaRPr b="0" lang="en-US" sz="1200" strike="noStrike" u="none">
               <a:solidFill>
                 <a:srgbClr val="000000"/>
               </a:solidFill>
@@ -7074,7 +7074,7 @@
                 <a:tab algn="l" pos="10058400"/>
               </a:tabLst>
             </a:pPr>
-            <a:fld id="{6FE17BBD-2620-4238-8C28-4EADF13E6E8D}" type="slidenum">
+            <a:fld id="{78D5CF14-0C34-43A3-8DBC-175074764532}" type="slidenum">
               <a:rPr b="0" lang="en-US" sz="1200" strike="noStrike" u="none">
                 <a:solidFill>
                   <a:srgbClr val="000000"/>
@@ -7085,7 +7085,7 @@
               </a:rPr>
               <a:t>&lt;number&gt;</a:t>
             </a:fld>
-            <a:endParaRPr b="0" lang="en-MY" sz="1200" strike="noStrike" u="none">
+            <a:endParaRPr b="0" lang="en-US" sz="1200" strike="noStrike" u="none">
               <a:solidFill>
                 <a:srgbClr val="000000"/>
               </a:solidFill>
@@ -7255,7 +7255,7 @@
                 <a:tab algn="l" pos="10058400"/>
               </a:tabLst>
             </a:pPr>
-            <a:endParaRPr b="0" lang="en-MY" sz="1800" strike="noStrike" u="none">
+            <a:endParaRPr b="0" lang="en-US" sz="1800" strike="noStrike" u="none">
               <a:solidFill>
                 <a:srgbClr val="000000"/>
               </a:solidFill>
@@ -7323,7 +7323,7 @@
               </a:rPr>
               <a:t>Object Oriented Programming</a:t>
             </a:r>
-            <a:endParaRPr b="0" lang="en-MY" sz="800" strike="noStrike" u="none">
+            <a:endParaRPr b="0" lang="en-US" sz="800" strike="noStrike" u="none">
               <a:solidFill>
                 <a:srgbClr val="000000"/>
               </a:solidFill>
@@ -7380,7 +7380,7 @@
               </a:tabLst>
             </a:pPr>
             <a:r>
-              <a:rPr b="0" lang="en-MY" sz="4400" strike="noStrike" u="none">
+              <a:rPr b="0" lang="en-US" sz="4400" strike="noStrike" u="none">
                 <a:solidFill>
                   <a:srgbClr val="000000"/>
                 </a:solidFill>
@@ -7390,7 +7390,7 @@
               </a:rPr>
               <a:t>Click to edit the title text format</a:t>
             </a:r>
-            <a:endParaRPr b="0" lang="en-MY" sz="4400" strike="noStrike" u="none">
+            <a:endParaRPr b="0" lang="en-US" sz="4400" strike="noStrike" u="none">
               <a:solidFill>
                 <a:srgbClr val="000000"/>
               </a:solidFill>
@@ -7453,7 +7453,7 @@
               </a:tabLst>
             </a:pPr>
             <a:r>
-              <a:rPr b="0" lang="en-MY" sz="3200" strike="noStrike" u="none">
+              <a:rPr b="0" lang="en-US" sz="3200" strike="noStrike" u="none">
                 <a:solidFill>
                   <a:srgbClr val="000000"/>
                 </a:solidFill>
@@ -7463,7 +7463,7 @@
               </a:rPr>
               <a:t>Click to edit the outline text format</a:t>
             </a:r>
-            <a:endParaRPr b="0" lang="en-MY" sz="3200" strike="noStrike" u="none">
+            <a:endParaRPr b="0" lang="en-US" sz="3200" strike="noStrike" u="none">
               <a:solidFill>
                 <a:srgbClr val="000000"/>
               </a:solidFill>
@@ -7497,7 +7497,7 @@
               </a:tabLst>
             </a:pPr>
             <a:r>
-              <a:rPr b="0" lang="en-MY" sz="3200" strike="noStrike" u="none">
+              <a:rPr b="0" lang="en-US" sz="3200" strike="noStrike" u="none">
                 <a:solidFill>
                   <a:srgbClr val="000000"/>
                 </a:solidFill>
@@ -7507,7 +7507,7 @@
               </a:rPr>
               <a:t>Second Outline Level</a:t>
             </a:r>
-            <a:endParaRPr b="0" lang="en-MY" sz="3200" strike="noStrike" u="none">
+            <a:endParaRPr b="0" lang="en-US" sz="3200" strike="noStrike" u="none">
               <a:solidFill>
                 <a:srgbClr val="000000"/>
               </a:solidFill>
@@ -7541,7 +7541,7 @@
               </a:tabLst>
             </a:pPr>
             <a:r>
-              <a:rPr b="0" lang="en-MY" sz="3200" strike="noStrike" u="none">
+              <a:rPr b="0" lang="en-US" sz="3200" strike="noStrike" u="none">
                 <a:solidFill>
                   <a:srgbClr val="000000"/>
                 </a:solidFill>
@@ -7551,7 +7551,7 @@
               </a:rPr>
               <a:t>Third Outline Level</a:t>
             </a:r>
-            <a:endParaRPr b="0" lang="en-MY" sz="3200" strike="noStrike" u="none">
+            <a:endParaRPr b="0" lang="en-US" sz="3200" strike="noStrike" u="none">
               <a:solidFill>
                 <a:srgbClr val="000000"/>
               </a:solidFill>
@@ -7585,7 +7585,7 @@
               </a:tabLst>
             </a:pPr>
             <a:r>
-              <a:rPr b="0" lang="en-MY" sz="3200" strike="noStrike" u="none">
+              <a:rPr b="0" lang="en-US" sz="3200" strike="noStrike" u="none">
                 <a:solidFill>
                   <a:srgbClr val="000000"/>
                 </a:solidFill>
@@ -7595,7 +7595,7 @@
               </a:rPr>
               <a:t>Fourth Outline Level</a:t>
             </a:r>
-            <a:endParaRPr b="0" lang="en-MY" sz="3200" strike="noStrike" u="none">
+            <a:endParaRPr b="0" lang="en-US" sz="3200" strike="noStrike" u="none">
               <a:solidFill>
                 <a:srgbClr val="000000"/>
               </a:solidFill>
@@ -7629,7 +7629,7 @@
               </a:tabLst>
             </a:pPr>
             <a:r>
-              <a:rPr b="0" lang="en-MY" sz="3200" strike="noStrike" u="none">
+              <a:rPr b="0" lang="en-US" sz="3200" strike="noStrike" u="none">
                 <a:solidFill>
                   <a:srgbClr val="000000"/>
                 </a:solidFill>
@@ -7639,7 +7639,7 @@
               </a:rPr>
               <a:t>Fifth Outline Level</a:t>
             </a:r>
-            <a:endParaRPr b="0" lang="en-MY" sz="3200" strike="noStrike" u="none">
+            <a:endParaRPr b="0" lang="en-US" sz="3200" strike="noStrike" u="none">
               <a:solidFill>
                 <a:srgbClr val="000000"/>
               </a:solidFill>
@@ -7673,7 +7673,7 @@
               </a:tabLst>
             </a:pPr>
             <a:r>
-              <a:rPr b="0" lang="en-MY" sz="3200" strike="noStrike" u="none">
+              <a:rPr b="0" lang="en-US" sz="3200" strike="noStrike" u="none">
                 <a:solidFill>
                   <a:srgbClr val="000000"/>
                 </a:solidFill>
@@ -7683,7 +7683,7 @@
               </a:rPr>
               <a:t>Sixth Outline Level</a:t>
             </a:r>
-            <a:endParaRPr b="0" lang="en-MY" sz="3200" strike="noStrike" u="none">
+            <a:endParaRPr b="0" lang="en-US" sz="3200" strike="noStrike" u="none">
               <a:solidFill>
                 <a:srgbClr val="000000"/>
               </a:solidFill>
@@ -7717,7 +7717,7 @@
               </a:tabLst>
             </a:pPr>
             <a:r>
-              <a:rPr b="0" lang="en-MY" sz="3200" strike="noStrike" u="none">
+              <a:rPr b="0" lang="en-US" sz="3200" strike="noStrike" u="none">
                 <a:solidFill>
                   <a:srgbClr val="000000"/>
                 </a:solidFill>
@@ -7727,7 +7727,7 @@
               </a:rPr>
               <a:t>Seventh Outline Level</a:t>
             </a:r>
-            <a:endParaRPr b="0" lang="en-MY" sz="3200" strike="noStrike" u="none">
+            <a:endParaRPr b="0" lang="en-US" sz="3200" strike="noStrike" u="none">
               <a:solidFill>
                 <a:srgbClr val="000000"/>
               </a:solidFill>
@@ -7821,7 +7821,7 @@
               </a:rPr>
               <a:t>Slide </a:t>
             </a:r>
-            <a:fld id="{1ABE8D19-4F2B-4A3E-BB4D-879B7CBA3434}" type="slidenum">
+            <a:fld id="{9657AC9C-D676-46D7-B99D-182336CDA0CB}" type="slidenum">
               <a:rPr b="1" lang="en-US" sz="800" strike="noStrike" u="none">
                 <a:solidFill>
                   <a:srgbClr val="ffffff"/>
@@ -7843,7 +7843,7 @@
               </a:rPr>
               <a:t> of 46</a:t>
             </a:r>
-            <a:endParaRPr b="0" lang="en-MY" sz="800" strike="noStrike" u="none">
+            <a:endParaRPr b="0" lang="en-US" sz="800" strike="noStrike" u="none">
               <a:solidFill>
                 <a:srgbClr val="000000"/>
               </a:solidFill>
@@ -7911,7 +7911,7 @@
                 <a:tab algn="l" pos="10058400"/>
               </a:tabLst>
             </a:pPr>
-            <a:endParaRPr b="0" lang="en-MY" sz="1800" strike="noStrike" u="none">
+            <a:endParaRPr b="0" lang="en-US" sz="1800" strike="noStrike" u="none">
               <a:solidFill>
                 <a:srgbClr val="000000"/>
               </a:solidFill>
@@ -7981,7 +7981,7 @@
             <a:noAutofit/>
           </a:bodyPr>
           <a:p>
-            <a:endParaRPr b="0" lang="en-MY" sz="1800" strike="noStrike" u="none">
+            <a:endParaRPr b="0" lang="en-US" sz="1800" strike="noStrike" u="none">
               <a:solidFill>
                 <a:srgbClr val="000000"/>
               </a:solidFill>
@@ -8049,7 +8049,7 @@
               </a:rPr>
               <a:t>Introduction to Java &amp; OOP</a:t>
             </a:r>
-            <a:endParaRPr b="0" lang="en-MY" sz="1800" strike="noStrike" u="none">
+            <a:endParaRPr b="0" lang="en-US" sz="1800" strike="noStrike" u="none">
               <a:solidFill>
                 <a:srgbClr val="000000"/>
               </a:solidFill>
@@ -8190,7 +8190,7 @@
                 <a:tab algn="l" pos="10058400"/>
               </a:tabLst>
             </a:pPr>
-            <a:endParaRPr b="0" lang="en-MY" sz="1800" strike="noStrike" u="none">
+            <a:endParaRPr b="0" lang="en-US" sz="1800" strike="noStrike" u="none">
               <a:solidFill>
                 <a:srgbClr val="000000"/>
               </a:solidFill>
@@ -8298,7 +8298,7 @@
               </a:tabLst>
             </a:pPr>
             <a:r>
-              <a:rPr b="0" lang="en-MY" sz="4400" strike="noStrike" u="none">
+              <a:rPr b="0" lang="en-US" sz="4400" strike="noStrike" u="none">
                 <a:solidFill>
                   <a:srgbClr val="000000"/>
                 </a:solidFill>
@@ -8308,7 +8308,7 @@
               </a:rPr>
               <a:t>Click to edit the title text format</a:t>
             </a:r>
-            <a:endParaRPr b="0" lang="en-MY" sz="4400" strike="noStrike" u="none">
+            <a:endParaRPr b="0" lang="en-US" sz="4400" strike="noStrike" u="none">
               <a:solidFill>
                 <a:srgbClr val="000000"/>
               </a:solidFill>
@@ -8371,7 +8371,7 @@
               </a:tabLst>
             </a:pPr>
             <a:r>
-              <a:rPr b="0" lang="en-MY" sz="3200" strike="noStrike" u="none">
+              <a:rPr b="0" lang="en-US" sz="3200" strike="noStrike" u="none">
                 <a:solidFill>
                   <a:srgbClr val="000000"/>
                 </a:solidFill>
@@ -8381,7 +8381,7 @@
               </a:rPr>
               <a:t>Click to edit the outline text format</a:t>
             </a:r>
-            <a:endParaRPr b="0" lang="en-MY" sz="3200" strike="noStrike" u="none">
+            <a:endParaRPr b="0" lang="en-US" sz="3200" strike="noStrike" u="none">
               <a:solidFill>
                 <a:srgbClr val="000000"/>
               </a:solidFill>
@@ -8415,7 +8415,7 @@
               </a:tabLst>
             </a:pPr>
             <a:r>
-              <a:rPr b="0" lang="en-MY" sz="3200" strike="noStrike" u="none">
+              <a:rPr b="0" lang="en-US" sz="3200" strike="noStrike" u="none">
                 <a:solidFill>
                   <a:srgbClr val="000000"/>
                 </a:solidFill>
@@ -8425,7 +8425,7 @@
               </a:rPr>
               <a:t>Second Outline Level</a:t>
             </a:r>
-            <a:endParaRPr b="0" lang="en-MY" sz="3200" strike="noStrike" u="none">
+            <a:endParaRPr b="0" lang="en-US" sz="3200" strike="noStrike" u="none">
               <a:solidFill>
                 <a:srgbClr val="000000"/>
               </a:solidFill>
@@ -8459,7 +8459,7 @@
               </a:tabLst>
             </a:pPr>
             <a:r>
-              <a:rPr b="0" lang="en-MY" sz="3200" strike="noStrike" u="none">
+              <a:rPr b="0" lang="en-US" sz="3200" strike="noStrike" u="none">
                 <a:solidFill>
                   <a:srgbClr val="000000"/>
                 </a:solidFill>
@@ -8469,7 +8469,7 @@
               </a:rPr>
               <a:t>Third Outline Level</a:t>
             </a:r>
-            <a:endParaRPr b="0" lang="en-MY" sz="3200" strike="noStrike" u="none">
+            <a:endParaRPr b="0" lang="en-US" sz="3200" strike="noStrike" u="none">
               <a:solidFill>
                 <a:srgbClr val="000000"/>
               </a:solidFill>
@@ -8503,7 +8503,7 @@
               </a:tabLst>
             </a:pPr>
             <a:r>
-              <a:rPr b="0" lang="en-MY" sz="3200" strike="noStrike" u="none">
+              <a:rPr b="0" lang="en-US" sz="3200" strike="noStrike" u="none">
                 <a:solidFill>
                   <a:srgbClr val="000000"/>
                 </a:solidFill>
@@ -8513,7 +8513,7 @@
               </a:rPr>
               <a:t>Fourth Outline Level</a:t>
             </a:r>
-            <a:endParaRPr b="0" lang="en-MY" sz="3200" strike="noStrike" u="none">
+            <a:endParaRPr b="0" lang="en-US" sz="3200" strike="noStrike" u="none">
               <a:solidFill>
                 <a:srgbClr val="000000"/>
               </a:solidFill>
@@ -8547,7 +8547,7 @@
               </a:tabLst>
             </a:pPr>
             <a:r>
-              <a:rPr b="0" lang="en-MY" sz="3200" strike="noStrike" u="none">
+              <a:rPr b="0" lang="en-US" sz="3200" strike="noStrike" u="none">
                 <a:solidFill>
                   <a:srgbClr val="000000"/>
                 </a:solidFill>
@@ -8557,7 +8557,7 @@
               </a:rPr>
               <a:t>Fifth Outline Level</a:t>
             </a:r>
-            <a:endParaRPr b="0" lang="en-MY" sz="3200" strike="noStrike" u="none">
+            <a:endParaRPr b="0" lang="en-US" sz="3200" strike="noStrike" u="none">
               <a:solidFill>
                 <a:srgbClr val="000000"/>
               </a:solidFill>
@@ -8591,7 +8591,7 @@
               </a:tabLst>
             </a:pPr>
             <a:r>
-              <a:rPr b="0" lang="en-MY" sz="3200" strike="noStrike" u="none">
+              <a:rPr b="0" lang="en-US" sz="3200" strike="noStrike" u="none">
                 <a:solidFill>
                   <a:srgbClr val="000000"/>
                 </a:solidFill>
@@ -8601,7 +8601,7 @@
               </a:rPr>
               <a:t>Sixth Outline Level</a:t>
             </a:r>
-            <a:endParaRPr b="0" lang="en-MY" sz="3200" strike="noStrike" u="none">
+            <a:endParaRPr b="0" lang="en-US" sz="3200" strike="noStrike" u="none">
               <a:solidFill>
                 <a:srgbClr val="000000"/>
               </a:solidFill>
@@ -8635,7 +8635,7 @@
               </a:tabLst>
             </a:pPr>
             <a:r>
-              <a:rPr b="0" lang="en-MY" sz="3200" strike="noStrike" u="none">
+              <a:rPr b="0" lang="en-US" sz="3200" strike="noStrike" u="none">
                 <a:solidFill>
                   <a:srgbClr val="000000"/>
                 </a:solidFill>
@@ -8645,7 +8645,7 @@
               </a:rPr>
               <a:t>Seventh Outline Level</a:t>
             </a:r>
-            <a:endParaRPr b="0" lang="en-MY" sz="3200" strike="noStrike" u="none">
+            <a:endParaRPr b="0" lang="en-US" sz="3200" strike="noStrike" u="none">
               <a:solidFill>
                 <a:srgbClr val="000000"/>
               </a:solidFill>
@@ -8701,7 +8701,7 @@
                 <a:tab algn="l" pos="10058400"/>
               </a:tabLst>
             </a:pPr>
-            <a:endParaRPr b="0" lang="en-MY" sz="1800" strike="noStrike" u="none">
+            <a:endParaRPr b="0" lang="en-US" sz="1800" strike="noStrike" u="none">
               <a:solidFill>
                 <a:srgbClr val="000000"/>
               </a:solidFill>
@@ -8817,7 +8817,7 @@
               </a:rPr>
               <a:t>Introduction to Java Programming</a:t>
             </a:r>
-            <a:endParaRPr b="0" lang="en-MY" sz="3200" strike="noStrike" u="none">
+            <a:endParaRPr b="0" lang="en-US" sz="3200" strike="noStrike" u="none">
               <a:solidFill>
                 <a:srgbClr val="000000"/>
               </a:solidFill>
@@ -8885,7 +8885,7 @@
               </a:rPr>
               <a:t>Copyright 2016 Asia Pacific Institute of Information Technology</a:t>
             </a:r>
-            <a:endParaRPr b="0" lang="en-MY" sz="900" strike="noStrike" u="none">
+            <a:endParaRPr b="0" lang="en-US" sz="900" strike="noStrike" u="none">
               <a:solidFill>
                 <a:srgbClr val="000000"/>
               </a:solidFill>
@@ -8953,7 +8953,7 @@
               </a:rPr>
               <a:t>Object Oriented Programming</a:t>
             </a:r>
-            <a:endParaRPr b="0" lang="en-MY" sz="4400" strike="noStrike" u="none">
+            <a:endParaRPr b="0" lang="en-US" sz="4400" strike="noStrike" u="none">
               <a:solidFill>
                 <a:srgbClr val="000000"/>
               </a:solidFill>
@@ -8990,7 +8990,7 @@
               </a:rPr>
               <a:t>AAPP013-4-2</a:t>
             </a:r>
-            <a:endParaRPr b="0" lang="en-MY" sz="1400" strike="noStrike" u="none">
+            <a:endParaRPr b="0" lang="en-US" sz="1400" strike="noStrike" u="none">
               <a:solidFill>
                 <a:srgbClr val="000000"/>
               </a:solidFill>
@@ -9088,7 +9088,7 @@
               </a:rPr>
               <a:t>What is Java?</a:t>
             </a:r>
-            <a:endParaRPr b="0" lang="en-MY" sz="3200" strike="noStrike" u="none">
+            <a:endParaRPr b="0" lang="en-US" sz="3200" strike="noStrike" u="none">
               <a:solidFill>
                 <a:srgbClr val="000000"/>
               </a:solidFill>
@@ -9164,7 +9164,7 @@
               </a:rPr>
               <a:t>Language features</a:t>
             </a:r>
-            <a:endParaRPr b="0" lang="en-MY" sz="2400" strike="noStrike" u="none">
+            <a:endParaRPr b="0" lang="en-US" sz="2400" strike="noStrike" u="none">
               <a:solidFill>
                 <a:srgbClr val="000000"/>
               </a:solidFill>
@@ -9226,7 +9226,7 @@
               </a:rPr>
               <a:t> that is :</a:t>
             </a:r>
-            <a:endParaRPr b="0" lang="en-MY" sz="2400" strike="noStrike" u="none">
+            <a:endParaRPr b="0" lang="en-US" sz="2400" strike="noStrike" u="none">
               <a:solidFill>
                 <a:srgbClr val="000000"/>
               </a:solidFill>
@@ -9297,7 +9297,7 @@
               </a:rPr>
               <a:t>Simple</a:t>
             </a:r>
-            <a:endParaRPr b="0" lang="en-MY" sz="2400" strike="noStrike" u="none">
+            <a:endParaRPr b="0" lang="en-US" sz="2400" strike="noStrike" u="none">
               <a:solidFill>
                 <a:srgbClr val="000000"/>
               </a:solidFill>
@@ -9354,7 +9354,7 @@
               </a:rPr>
               <a:t>   pointers)</a:t>
             </a:r>
-            <a:endParaRPr b="0" lang="en-MY" sz="2400" strike="noStrike" u="none">
+            <a:endParaRPr b="0" lang="en-US" sz="2400" strike="noStrike" u="none">
               <a:solidFill>
                 <a:srgbClr val="000000"/>
               </a:solidFill>
@@ -9397,7 +9397,7 @@
               </a:rPr>
               <a:t>     - reduce 50 % of the bugs</a:t>
             </a:r>
-            <a:endParaRPr b="0" lang="en-MY" sz="2400" strike="noStrike" u="none">
+            <a:endParaRPr b="0" lang="en-US" sz="2400" strike="noStrike" u="none">
               <a:solidFill>
                 <a:srgbClr val="000000"/>
               </a:solidFill>
@@ -9429,7 +9429,7 @@
                 <a:tab algn="l" pos="10058400"/>
               </a:tabLst>
             </a:pPr>
-            <a:endParaRPr b="0" lang="en-MY" sz="2400" strike="noStrike" u="none">
+            <a:endParaRPr b="0" lang="en-US" sz="2400" strike="noStrike" u="none">
               <a:solidFill>
                 <a:srgbClr val="000000"/>
               </a:solidFill>
@@ -9469,7 +9469,7 @@
               </a:rPr>
               <a:t>Objected oriented</a:t>
             </a:r>
-            <a:endParaRPr b="0" lang="en-MY" sz="2400" strike="noStrike" u="none">
+            <a:endParaRPr b="0" lang="en-US" sz="2400" strike="noStrike" u="none">
               <a:solidFill>
                 <a:srgbClr val="000000"/>
               </a:solidFill>
@@ -9526,7 +9526,7 @@
               </a:rPr>
               <a:t>     enhancement</a:t>
             </a:r>
-            <a:endParaRPr b="0" lang="en-MY" sz="2400" strike="noStrike" u="none">
+            <a:endParaRPr b="0" lang="en-US" sz="2400" strike="noStrike" u="none">
               <a:solidFill>
                 <a:srgbClr val="000000"/>
               </a:solidFill>
@@ -9558,7 +9558,7 @@
                 <a:tab algn="l" pos="10058400"/>
               </a:tabLst>
             </a:pPr>
-            <a:endParaRPr b="0" lang="en-MY" sz="2400" strike="noStrike" u="none">
+            <a:endParaRPr b="0" lang="en-US" sz="2400" strike="noStrike" u="none">
               <a:solidFill>
                 <a:srgbClr val="000000"/>
               </a:solidFill>
@@ -9598,7 +9598,7 @@
               </a:rPr>
               <a:t>Distributed</a:t>
             </a:r>
-            <a:endParaRPr b="0" lang="en-MY" sz="2400" strike="noStrike" u="none">
+            <a:endParaRPr b="0" lang="en-US" sz="2400" strike="noStrike" u="none">
               <a:solidFill>
                 <a:srgbClr val="000000"/>
               </a:solidFill>
@@ -9641,7 +9641,7 @@
               </a:rPr>
               <a:t>      - built-in extensive TCP/IP networking capabilities</a:t>
             </a:r>
-            <a:endParaRPr b="0" lang="en-MY" sz="2400" strike="noStrike" u="none">
+            <a:endParaRPr b="0" lang="en-US" sz="2400" strike="noStrike" u="none">
               <a:solidFill>
                 <a:srgbClr val="000000"/>
               </a:solidFill>
@@ -10157,7 +10157,7 @@
               </a:rPr>
               <a:t>What is Java?</a:t>
             </a:r>
-            <a:endParaRPr b="0" lang="en-MY" sz="3200" strike="noStrike" u="none">
+            <a:endParaRPr b="0" lang="en-US" sz="3200" strike="noStrike" u="none">
               <a:solidFill>
                 <a:srgbClr val="000000"/>
               </a:solidFill>
@@ -10228,7 +10228,7 @@
               </a:rPr>
               <a:t>Robust</a:t>
             </a:r>
-            <a:endParaRPr b="0" lang="en-MY" sz="2400" strike="noStrike" u="none">
+            <a:endParaRPr b="0" lang="en-US" sz="2400" strike="noStrike" u="none">
               <a:solidFill>
                 <a:srgbClr val="000000"/>
               </a:solidFill>
@@ -10285,7 +10285,7 @@
               </a:rPr>
               <a:t>   catch the bugs at the early stage of development</a:t>
             </a:r>
-            <a:endParaRPr b="0" lang="en-MY" sz="2400" strike="noStrike" u="none">
+            <a:endParaRPr b="0" lang="en-US" sz="2400" strike="noStrike" u="none">
               <a:solidFill>
                 <a:srgbClr val="000000"/>
               </a:solidFill>
@@ -10342,7 +10342,7 @@
               </a:rPr>
               <a:t>    corrupting memory</a:t>
             </a:r>
-            <a:endParaRPr b="0" lang="en-MY" sz="2400" strike="noStrike" u="none">
+            <a:endParaRPr b="0" lang="en-US" sz="2400" strike="noStrike" u="none">
               <a:solidFill>
                 <a:srgbClr val="000000"/>
               </a:solidFill>
@@ -10385,7 +10385,7 @@
               </a:rPr>
               <a:t>- reduce development time</a:t>
             </a:r>
-            <a:endParaRPr b="0" lang="en-MY" sz="2400" strike="noStrike" u="none">
+            <a:endParaRPr b="0" lang="en-US" sz="2400" strike="noStrike" u="none">
               <a:solidFill>
                 <a:srgbClr val="000000"/>
               </a:solidFill>
@@ -10417,7 +10417,7 @@
                 <a:tab algn="l" pos="10058400"/>
               </a:tabLst>
             </a:pPr>
-            <a:endParaRPr b="0" lang="en-MY" sz="2400" strike="noStrike" u="none">
+            <a:endParaRPr b="0" lang="en-US" sz="2400" strike="noStrike" u="none">
               <a:solidFill>
                 <a:srgbClr val="000000"/>
               </a:solidFill>
@@ -10457,7 +10457,7 @@
               </a:rPr>
               <a:t>Secure</a:t>
             </a:r>
-            <a:endParaRPr b="0" lang="en-MY" sz="2400" strike="noStrike" u="none">
+            <a:endParaRPr b="0" lang="en-US" sz="2400" strike="noStrike" u="none">
               <a:solidFill>
                 <a:srgbClr val="000000"/>
               </a:solidFill>
@@ -10514,7 +10514,7 @@
               </a:rPr>
               <a:t>   on machine</a:t>
             </a:r>
-            <a:endParaRPr b="0" lang="en-MY" sz="2400" strike="noStrike" u="none">
+            <a:endParaRPr b="0" lang="en-US" sz="2400" strike="noStrike" u="none">
               <a:solidFill>
                 <a:srgbClr val="000000"/>
               </a:solidFill>
@@ -10557,7 +10557,7 @@
               </a:rPr>
               <a:t>    -  eg. Byte-code verifier, class loader</a:t>
             </a:r>
-            <a:endParaRPr b="0" lang="en-MY" sz="2400" strike="noStrike" u="none">
+            <a:endParaRPr b="0" lang="en-US" sz="2400" strike="noStrike" u="none">
               <a:solidFill>
                 <a:srgbClr val="000000"/>
               </a:solidFill>
@@ -10589,7 +10589,7 @@
                 <a:tab algn="l" pos="10058400"/>
               </a:tabLst>
             </a:pPr>
-            <a:endParaRPr b="0" lang="en-MY" sz="2400" strike="noStrike" u="none">
+            <a:endParaRPr b="0" lang="en-US" sz="2400" strike="noStrike" u="none">
               <a:solidFill>
                 <a:srgbClr val="000000"/>
               </a:solidFill>
@@ -10621,7 +10621,7 @@
                 <a:tab algn="l" pos="10058400"/>
               </a:tabLst>
             </a:pPr>
-            <a:endParaRPr b="0" lang="en-MY" sz="2400" strike="noStrike" u="none">
+            <a:endParaRPr b="0" lang="en-US" sz="2400" strike="noStrike" u="none">
               <a:solidFill>
                 <a:srgbClr val="000000"/>
               </a:solidFill>
@@ -10697,7 +10697,7 @@
               </a:rPr>
               <a:t>Language features</a:t>
             </a:r>
-            <a:endParaRPr b="0" lang="en-MY" sz="2400" strike="noStrike" u="none">
+            <a:endParaRPr b="0" lang="en-US" sz="2400" strike="noStrike" u="none">
               <a:solidFill>
                 <a:srgbClr val="000000"/>
               </a:solidFill>
@@ -10759,7 +10759,7 @@
               </a:rPr>
               <a:t> that is :</a:t>
             </a:r>
-            <a:endParaRPr b="0" lang="en-MY" sz="2400" strike="noStrike" u="none">
+            <a:endParaRPr b="0" lang="en-US" sz="2400" strike="noStrike" u="none">
               <a:solidFill>
                 <a:srgbClr val="000000"/>
               </a:solidFill>
@@ -11257,7 +11257,7 @@
               </a:rPr>
               <a:t>What is Java?</a:t>
             </a:r>
-            <a:endParaRPr b="0" lang="en-MY" sz="3200" strike="noStrike" u="none">
+            <a:endParaRPr b="0" lang="en-US" sz="3200" strike="noStrike" u="none">
               <a:solidFill>
                 <a:srgbClr val="000000"/>
               </a:solidFill>
@@ -11328,7 +11328,7 @@
               </a:rPr>
               <a:t>Multithreaded</a:t>
             </a:r>
-            <a:endParaRPr b="0" lang="en-MY" sz="2400" strike="noStrike" u="none">
+            <a:endParaRPr b="0" lang="en-US" sz="2400" strike="noStrike" u="none">
               <a:solidFill>
                 <a:srgbClr val="000000"/>
               </a:solidFill>
@@ -11371,7 +11371,7 @@
               </a:rPr>
               <a:t>      -  threads - light-weighted processes</a:t>
             </a:r>
-            <a:endParaRPr b="0" lang="en-MY" sz="2400" strike="noStrike" u="none">
+            <a:endParaRPr b="0" lang="en-US" sz="2400" strike="noStrike" u="none">
               <a:solidFill>
                 <a:srgbClr val="000000"/>
               </a:solidFill>
@@ -11414,7 +11414,7 @@
               </a:rPr>
               <a:t>      -  allows many simultaneous activities in 1 program</a:t>
             </a:r>
-            <a:endParaRPr b="0" lang="en-MY" sz="2400" strike="noStrike" u="none">
+            <a:endParaRPr b="0" lang="en-US" sz="2400" strike="noStrike" u="none">
               <a:solidFill>
                 <a:srgbClr val="000000"/>
               </a:solidFill>
@@ -11457,7 +11457,7 @@
               </a:rPr>
               <a:t>      -  better interactive performance and real-time behaviour</a:t>
             </a:r>
-            <a:endParaRPr b="0" lang="en-MY" sz="2400" strike="noStrike" u="none">
+            <a:endParaRPr b="0" lang="en-US" sz="2400" strike="noStrike" u="none">
               <a:solidFill>
                 <a:srgbClr val="000000"/>
               </a:solidFill>
@@ -11489,7 +11489,7 @@
                 <a:tab algn="l" pos="10058400"/>
               </a:tabLst>
             </a:pPr>
-            <a:endParaRPr b="0" lang="en-MY" sz="2400" strike="noStrike" u="none">
+            <a:endParaRPr b="0" lang="en-US" sz="2400" strike="noStrike" u="none">
               <a:solidFill>
                 <a:srgbClr val="000000"/>
               </a:solidFill>
@@ -11529,7 +11529,7 @@
               </a:rPr>
               <a:t>Portable</a:t>
             </a:r>
-            <a:endParaRPr b="0" lang="en-MY" sz="2400" strike="noStrike" u="none">
+            <a:endParaRPr b="0" lang="en-US" sz="2400" strike="noStrike" u="none">
               <a:solidFill>
                 <a:srgbClr val="000000"/>
               </a:solidFill>
@@ -11572,7 +11572,7 @@
               </a:rPr>
               <a:t>      -  basic portability of being architecture neutral / independent</a:t>
             </a:r>
-            <a:endParaRPr b="0" lang="en-MY" sz="2400" strike="noStrike" u="none">
+            <a:endParaRPr b="0" lang="en-US" sz="2400" strike="noStrike" u="none">
               <a:solidFill>
                 <a:srgbClr val="000000"/>
               </a:solidFill>
@@ -11643,7 +11643,7 @@
               </a:rPr>
               <a:t>     &amp; MAC environments         </a:t>
             </a:r>
-            <a:endParaRPr b="0" lang="en-MY" sz="2400" strike="noStrike" u="none">
+            <a:endParaRPr b="0" lang="en-US" sz="2400" strike="noStrike" u="none">
               <a:solidFill>
                 <a:srgbClr val="000000"/>
               </a:solidFill>
@@ -11719,7 +11719,7 @@
               </a:rPr>
               <a:t>Language features</a:t>
             </a:r>
-            <a:endParaRPr b="0" lang="en-MY" sz="2400" strike="noStrike" u="none">
+            <a:endParaRPr b="0" lang="en-US" sz="2400" strike="noStrike" u="none">
               <a:solidFill>
                 <a:srgbClr val="000000"/>
               </a:solidFill>
@@ -11781,7 +11781,7 @@
               </a:rPr>
               <a:t> that is :</a:t>
             </a:r>
-            <a:endParaRPr b="0" lang="en-MY" sz="2400" strike="noStrike" u="none">
+            <a:endParaRPr b="0" lang="en-US" sz="2400" strike="noStrike" u="none">
               <a:solidFill>
                 <a:srgbClr val="000000"/>
               </a:solidFill>
@@ -12297,7 +12297,7 @@
               </a:rPr>
               <a:t>What is Java?</a:t>
             </a:r>
-            <a:endParaRPr b="0" lang="en-MY" sz="3200" strike="noStrike" u="none">
+            <a:endParaRPr b="0" lang="en-US" sz="3200" strike="noStrike" u="none">
               <a:solidFill>
                 <a:srgbClr val="000000"/>
               </a:solidFill>
@@ -12422,7 +12422,7 @@
               </a:rPr>
               <a:t> </a:t>
             </a:r>
-            <a:endParaRPr b="0" lang="en-MY" sz="2400" strike="noStrike" u="none">
+            <a:endParaRPr b="0" lang="en-US" sz="2400" strike="noStrike" u="none">
               <a:solidFill>
                 <a:srgbClr val="000000"/>
               </a:solidFill>
@@ -12483,7 +12483,7 @@
               </a:rPr>
               <a:t> </a:t>
             </a:r>
-            <a:endParaRPr b="0" lang="en-MY" sz="2400" strike="noStrike" u="none">
+            <a:endParaRPr b="0" lang="en-US" sz="2400" strike="noStrike" u="none">
               <a:solidFill>
                 <a:srgbClr val="000000"/>
               </a:solidFill>
@@ -12530,7 +12530,7 @@
               </a:rPr>
               <a:t>with interpreter,each Java bytecode instruction is parsed and run on computers</a:t>
             </a:r>
-            <a:endParaRPr b="0" lang="en-MY" sz="2400" strike="noStrike" u="none">
+            <a:endParaRPr b="0" lang="en-US" sz="2400" strike="noStrike" u="none">
               <a:solidFill>
                 <a:srgbClr val="000000"/>
               </a:solidFill>
@@ -12562,7 +12562,7 @@
                 <a:tab algn="l" pos="10058400"/>
               </a:tabLst>
             </a:pPr>
-            <a:endParaRPr b="0" lang="en-MY" sz="2400" strike="noStrike" u="none">
+            <a:endParaRPr b="0" lang="en-US" sz="2400" strike="noStrike" u="none">
               <a:solidFill>
                 <a:srgbClr val="000000"/>
               </a:solidFill>
@@ -12644,7 +12644,7 @@
               </a:rPr>
               <a:t> (Special Feature)</a:t>
             </a:r>
-            <a:endParaRPr b="0" lang="en-MY" sz="2400" strike="noStrike" u="none">
+            <a:endParaRPr b="0" lang="en-US" sz="2400" strike="noStrike" u="none">
               <a:solidFill>
                 <a:srgbClr val="000000"/>
               </a:solidFill>
@@ -12720,7 +12720,7 @@
               </a:rPr>
               <a:t>Language features</a:t>
             </a:r>
-            <a:endParaRPr b="0" lang="en-MY" sz="2400" strike="noStrike" u="none">
+            <a:endParaRPr b="0" lang="en-US" sz="2400" strike="noStrike" u="none">
               <a:solidFill>
                 <a:srgbClr val="000000"/>
               </a:solidFill>
@@ -12782,7 +12782,7 @@
               </a:rPr>
               <a:t> that is :</a:t>
             </a:r>
-            <a:endParaRPr b="0" lang="en-MY" sz="2400" strike="noStrike" u="none">
+            <a:endParaRPr b="0" lang="en-US" sz="2400" strike="noStrike" u="none">
               <a:solidFill>
                 <a:srgbClr val="000000"/>
               </a:solidFill>
@@ -13053,7 +13053,7 @@
               </a:rPr>
               <a:t>What is Java?</a:t>
             </a:r>
-            <a:endParaRPr b="0" lang="en-MY" sz="3200" strike="noStrike" u="none">
+            <a:endParaRPr b="0" lang="en-US" sz="3200" strike="noStrike" u="none">
               <a:solidFill>
                 <a:srgbClr val="000000"/>
               </a:solidFill>
@@ -13206,7 +13206,7 @@
                 </a:rPr>
                 <a:t> </a:t>
               </a:r>
-              <a:endParaRPr b="0" lang="en-MY" sz="2400" strike="noStrike" u="none">
+              <a:endParaRPr b="0" lang="en-US" sz="2400" strike="noStrike" u="none">
                 <a:solidFill>
                   <a:srgbClr val="000000"/>
                 </a:solidFill>
@@ -13289,7 +13289,7 @@
               </a:rPr>
               <a:t> (Special Feature)</a:t>
             </a:r>
-            <a:endParaRPr b="0" lang="en-MY" sz="2400" strike="noStrike" u="none">
+            <a:endParaRPr b="0" lang="en-US" sz="2400" strike="noStrike" u="none">
               <a:solidFill>
                 <a:srgbClr val="000000"/>
               </a:solidFill>
@@ -13462,7 +13462,7 @@
               </a:rPr>
               <a:t>What is Java?</a:t>
             </a:r>
-            <a:endParaRPr b="0" lang="en-MY" sz="3200" strike="noStrike" u="none">
+            <a:endParaRPr b="0" lang="en-US" sz="3200" strike="noStrike" u="none">
               <a:solidFill>
                 <a:srgbClr val="000000"/>
               </a:solidFill>
@@ -13552,7 +13552,7 @@
                 </a:rPr>
                 <a:t>Architectural Neutral</a:t>
               </a:r>
-              <a:endParaRPr b="0" lang="en-MY" sz="2400" strike="noStrike" u="none">
+              <a:endParaRPr b="0" lang="en-US" sz="2400" strike="noStrike" u="none">
                 <a:solidFill>
                   <a:srgbClr val="000000"/>
                 </a:solidFill>
@@ -13628,7 +13628,7 @@
                 </a:rPr>
                 <a:t>Portable (abstract window)</a:t>
               </a:r>
-              <a:endParaRPr b="0" lang="en-MY" sz="2400" strike="noStrike" u="none">
+              <a:endParaRPr b="0" lang="en-US" sz="2400" strike="noStrike" u="none">
                 <a:solidFill>
                   <a:srgbClr val="000000"/>
                 </a:solidFill>
@@ -13718,7 +13718,7 @@
                 </a:rPr>
                 <a:t>+</a:t>
               </a:r>
-              <a:endParaRPr b="0" lang="en-MY" sz="2400" strike="noStrike" u="none">
+              <a:endParaRPr b="0" lang="en-US" sz="2400" strike="noStrike" u="none">
                 <a:solidFill>
                   <a:srgbClr val="000000"/>
                 </a:solidFill>
@@ -13762,7 +13762,7 @@
               <a:noAutofit/>
             </a:bodyPr>
             <a:p>
-              <a:endParaRPr b="0" lang="en-MY" sz="1800" strike="noStrike" u="none">
+              <a:endParaRPr b="0" lang="en-US" sz="1800" strike="noStrike" u="none">
                 <a:solidFill>
                   <a:srgbClr val="000000"/>
                 </a:solidFill>
@@ -13806,7 +13806,7 @@
               <a:noAutofit/>
             </a:bodyPr>
             <a:p>
-              <a:endParaRPr b="0" lang="en-MY" sz="1800" strike="noStrike" u="none">
+              <a:endParaRPr b="0" lang="en-US" sz="1800" strike="noStrike" u="none">
                 <a:solidFill>
                   <a:srgbClr val="000000"/>
                 </a:solidFill>
@@ -13850,7 +13850,7 @@
               <a:noAutofit/>
             </a:bodyPr>
             <a:p>
-              <a:endParaRPr b="0" lang="en-MY" sz="1800" strike="noStrike" u="none">
+              <a:endParaRPr b="0" lang="en-US" sz="1800" strike="noStrike" u="none">
                 <a:solidFill>
                   <a:srgbClr val="000000"/>
                 </a:solidFill>
@@ -13894,7 +13894,7 @@
               <a:noAutofit/>
             </a:bodyPr>
             <a:p>
-              <a:endParaRPr b="0" lang="en-MY" sz="1800" strike="noStrike" u="none">
+              <a:endParaRPr b="0" lang="en-US" sz="1800" strike="noStrike" u="none">
                 <a:solidFill>
                   <a:srgbClr val="000000"/>
                 </a:solidFill>
@@ -13938,7 +13938,7 @@
               <a:noAutofit/>
             </a:bodyPr>
             <a:p>
-              <a:endParaRPr b="0" lang="en-MY" sz="1800" strike="noStrike" u="none">
+              <a:endParaRPr b="0" lang="en-US" sz="1800" strike="noStrike" u="none">
                 <a:solidFill>
                   <a:srgbClr val="000000"/>
                 </a:solidFill>
@@ -14029,7 +14029,7 @@
                 </a:rPr>
                 <a:t>”Write Once, Run Anywhere - Platform Independent”</a:t>
               </a:r>
-              <a:endParaRPr b="0" lang="en-MY" sz="2400" strike="noStrike" u="none">
+              <a:endParaRPr b="0" lang="en-US" sz="2400" strike="noStrike" u="none">
                 <a:solidFill>
                   <a:srgbClr val="000000"/>
                 </a:solidFill>
@@ -14152,7 +14152,7 @@
               </a:rPr>
               <a:t>What is Java?</a:t>
             </a:r>
-            <a:endParaRPr b="0" lang="en-MY" sz="3200" strike="noStrike" u="none">
+            <a:endParaRPr b="0" lang="en-US" sz="3200" strike="noStrike" u="none">
               <a:solidFill>
                 <a:srgbClr val="000000"/>
               </a:solidFill>
@@ -14231,7 +14231,7 @@
               </a:rPr>
               <a:t> - the hardware / software environment in which a program runs.</a:t>
             </a:r>
-            <a:endParaRPr b="0" lang="en-MY" sz="2400" strike="noStrike" u="none">
+            <a:endParaRPr b="0" lang="en-US" sz="2400" strike="noStrike" u="none">
               <a:solidFill>
                 <a:srgbClr val="000000"/>
               </a:solidFill>
@@ -14257,7 +14257,7 @@
                 <a:tab algn="l" pos="10058400"/>
               </a:tabLst>
             </a:pPr>
-            <a:endParaRPr b="0" lang="en-MY" sz="2400" strike="noStrike" u="none">
+            <a:endParaRPr b="0" lang="en-US" sz="2400" strike="noStrike" u="none">
               <a:solidFill>
                 <a:srgbClr val="000000"/>
               </a:solidFill>
@@ -14327,7 +14327,7 @@
               </a:rPr>
               <a:t> that runs on top of other, hardware-based platforms.</a:t>
             </a:r>
-            <a:endParaRPr b="0" lang="en-MY" sz="2400" strike="noStrike" u="none">
+            <a:endParaRPr b="0" lang="en-US" sz="2400" strike="noStrike" u="none">
               <a:solidFill>
                 <a:srgbClr val="000000"/>
               </a:solidFill>
@@ -14421,7 +14421,7 @@
               </a:rPr>
               <a:t> (Java VM)</a:t>
             </a:r>
-            <a:endParaRPr b="0" lang="en-MY" sz="2400" strike="noStrike" u="none">
+            <a:endParaRPr b="0" lang="en-US" sz="2400" strike="noStrike" u="none">
               <a:solidFill>
                 <a:srgbClr val="000000"/>
               </a:solidFill>
@@ -14484,7 +14484,7 @@
               </a:rPr>
               <a:t> (Java API)</a:t>
             </a:r>
-            <a:endParaRPr b="0" lang="en-MY" sz="2400" strike="noStrike" u="none">
+            <a:endParaRPr b="0" lang="en-US" sz="2400" strike="noStrike" u="none">
               <a:solidFill>
                 <a:srgbClr val="000000"/>
               </a:solidFill>
@@ -14574,7 +14574,7 @@
               </a:rPr>
               <a:t> has 2 components :</a:t>
             </a:r>
-            <a:endParaRPr b="0" lang="en-MY" sz="2400" strike="noStrike" u="none">
+            <a:endParaRPr b="0" lang="en-US" sz="2400" strike="noStrike" u="none">
               <a:solidFill>
                 <a:srgbClr val="000000"/>
               </a:solidFill>
@@ -14938,7 +14938,7 @@
               </a:rPr>
               <a:t>What is Java?</a:t>
             </a:r>
-            <a:endParaRPr b="0" lang="en-MY" sz="3200" strike="noStrike" u="none">
+            <a:endParaRPr b="0" lang="en-US" sz="3200" strike="noStrike" u="none">
               <a:solidFill>
                 <a:srgbClr val="000000"/>
               </a:solidFill>
@@ -15012,7 +15012,7 @@
               </a:rPr>
               <a:t>Java Virtual Machine (Java VM)</a:t>
             </a:r>
-            <a:endParaRPr b="0" lang="en-MY" sz="2400" strike="noStrike" u="none">
+            <a:endParaRPr b="0" lang="en-US" sz="2400" strike="noStrike" u="none">
               <a:solidFill>
                 <a:srgbClr val="000000"/>
               </a:solidFill>
@@ -15081,7 +15081,7 @@
               </a:rPr>
               <a:t> including instruction set, register set, class file format, stack, garbage collected memory heap &amp; memory area</a:t>
             </a:r>
-            <a:endParaRPr b="0" lang="en-MY" sz="2400" strike="noStrike" u="none">
+            <a:endParaRPr b="0" lang="en-US" sz="2400" strike="noStrike" u="none">
               <a:solidFill>
                 <a:srgbClr val="000000"/>
               </a:solidFill>
@@ -15172,7 +15172,7 @@
               </a:rPr>
               <a:t> that can run Java applets is an implementation of Java VM.</a:t>
             </a:r>
-            <a:endParaRPr b="0" lang="en-MY" sz="2400" strike="noStrike" u="none">
+            <a:endParaRPr b="0" lang="en-US" sz="2400" strike="noStrike" u="none">
               <a:solidFill>
                 <a:srgbClr val="000000"/>
               </a:solidFill>
@@ -15208,7 +15208,7 @@
                 <a:tab algn="l" pos="10058400"/>
               </a:tabLst>
             </a:pPr>
-            <a:endParaRPr b="0" lang="en-MY" sz="2400" strike="noStrike" u="none">
+            <a:endParaRPr b="0" lang="en-US" sz="2400" strike="noStrike" u="none">
               <a:solidFill>
                 <a:srgbClr val="000000"/>
               </a:solidFill>
@@ -15306,7 +15306,7 @@
               </a:rPr>
               <a:t>What is Java?</a:t>
             </a:r>
-            <a:endParaRPr b="0" lang="en-MY" sz="3200" strike="noStrike" u="none">
+            <a:endParaRPr b="0" lang="en-US" sz="3200" strike="noStrike" u="none">
               <a:solidFill>
                 <a:srgbClr val="000000"/>
               </a:solidFill>
@@ -15369,7 +15369,7 @@
                 <a:tab algn="l" pos="10058400"/>
               </a:tabLst>
             </a:pPr>
-            <a:endParaRPr b="0" lang="en-MY" sz="2400" strike="noStrike" u="none">
+            <a:endParaRPr b="0" lang="en-US" sz="2400" strike="noStrike" u="none">
               <a:solidFill>
                 <a:srgbClr val="000000"/>
               </a:solidFill>
@@ -15412,7 +15412,7 @@
               </a:rPr>
               <a:t>Java Application Programming Interface (Java API)</a:t>
             </a:r>
-            <a:endParaRPr b="0" lang="en-MY" sz="2400" strike="noStrike" u="none">
+            <a:endParaRPr b="0" lang="en-US" sz="2400" strike="noStrike" u="none">
               <a:solidFill>
                 <a:srgbClr val="000000"/>
               </a:solidFill>
@@ -15459,7 +15459,7 @@
               </a:rPr>
               <a:t>A large collection of ready-made software components that provide many useful capabilities such as graphical user interface (GUI) widgets.</a:t>
             </a:r>
-            <a:endParaRPr b="0" lang="en-MY" sz="2400" strike="noStrike" u="none">
+            <a:endParaRPr b="0" lang="en-US" sz="2400" strike="noStrike" u="none">
               <a:solidFill>
                 <a:srgbClr val="000000"/>
               </a:solidFill>
@@ -15528,7 +15528,7 @@
               </a:rPr>
               <a:t> of related components</a:t>
             </a:r>
-            <a:endParaRPr b="0" lang="en-MY" sz="2400" strike="noStrike" u="none">
+            <a:endParaRPr b="0" lang="en-US" sz="2400" strike="noStrike" u="none">
               <a:solidFill>
                 <a:srgbClr val="000000"/>
               </a:solidFill>
@@ -15564,7 +15564,7 @@
                 <a:tab algn="l" pos="10058400"/>
               </a:tabLst>
             </a:pPr>
-            <a:endParaRPr b="0" lang="en-MY" sz="2400" strike="noStrike" u="none">
+            <a:endParaRPr b="0" lang="en-US" sz="2400" strike="noStrike" u="none">
               <a:solidFill>
                 <a:srgbClr val="000000"/>
               </a:solidFill>
@@ -15662,7 +15662,7 @@
               </a:rPr>
               <a:t>Quick Review Question</a:t>
             </a:r>
-            <a:endParaRPr b="0" lang="en-MY" sz="3200" strike="noStrike" u="none">
+            <a:endParaRPr b="0" lang="en-US" sz="3200" strike="noStrike" u="none">
               <a:solidFill>
                 <a:srgbClr val="000000"/>
               </a:solidFill>
@@ -15734,7 +15734,7 @@
               </a:rPr>
               <a:t>Name 2 OOP languages</a:t>
             </a:r>
-            <a:endParaRPr b="0" lang="en-MY" sz="2400" strike="noStrike" u="none">
+            <a:endParaRPr b="0" lang="en-US" sz="2400" strike="noStrike" u="none">
               <a:solidFill>
                 <a:srgbClr val="000000"/>
               </a:solidFill>
@@ -15764,7 +15764,7 @@
                 <a:tab algn="l" pos="10058400"/>
               </a:tabLst>
             </a:pPr>
-            <a:endParaRPr b="0" lang="en-MY" sz="2400" strike="noStrike" u="none">
+            <a:endParaRPr b="0" lang="en-US" sz="2400" strike="noStrike" u="none">
               <a:solidFill>
                 <a:srgbClr val="000000"/>
               </a:solidFill>
@@ -15805,7 +15805,7 @@
               </a:rPr>
               <a:t>Is Java a language or a platform?</a:t>
             </a:r>
-            <a:endParaRPr b="0" lang="en-MY" sz="2400" strike="noStrike" u="none">
+            <a:endParaRPr b="0" lang="en-US" sz="2400" strike="noStrike" u="none">
               <a:solidFill>
                 <a:srgbClr val="000000"/>
               </a:solidFill>
@@ -15835,7 +15835,7 @@
                 <a:tab algn="l" pos="10058400"/>
               </a:tabLst>
             </a:pPr>
-            <a:endParaRPr b="0" lang="en-MY" sz="2400" strike="noStrike" u="none">
+            <a:endParaRPr b="0" lang="en-US" sz="2400" strike="noStrike" u="none">
               <a:solidFill>
                 <a:srgbClr val="000000"/>
               </a:solidFill>
@@ -15876,7 +15876,7 @@
               </a:rPr>
               <a:t>Give 3 features of the Java Programming language</a:t>
             </a:r>
-            <a:endParaRPr b="0" lang="en-MY" sz="2400" strike="noStrike" u="none">
+            <a:endParaRPr b="0" lang="en-US" sz="2400" strike="noStrike" u="none">
               <a:solidFill>
                 <a:srgbClr val="000000"/>
               </a:solidFill>
@@ -15906,7 +15906,7 @@
                 <a:tab algn="l" pos="10058400"/>
               </a:tabLst>
             </a:pPr>
-            <a:endParaRPr b="0" lang="en-MY" sz="2400" strike="noStrike" u="none">
+            <a:endParaRPr b="0" lang="en-US" sz="2400" strike="noStrike" u="none">
               <a:solidFill>
                 <a:srgbClr val="000000"/>
               </a:solidFill>
@@ -15947,7 +15947,7 @@
               </a:rPr>
               <a:t>Is a Java program compiled or interpreted?</a:t>
             </a:r>
-            <a:endParaRPr b="0" lang="en-MY" sz="2400" strike="noStrike" u="none">
+            <a:endParaRPr b="0" lang="en-US" sz="2400" strike="noStrike" u="none">
               <a:solidFill>
                 <a:srgbClr val="000000"/>
               </a:solidFill>
@@ -15977,7 +15977,7 @@
                 <a:tab algn="l" pos="10058400"/>
               </a:tabLst>
             </a:pPr>
-            <a:endParaRPr b="0" lang="en-MY" sz="2400" strike="noStrike" u="none">
+            <a:endParaRPr b="0" lang="en-US" sz="2400" strike="noStrike" u="none">
               <a:solidFill>
                 <a:srgbClr val="000000"/>
               </a:solidFill>
@@ -16018,7 +16018,7 @@
               </a:rPr>
               <a:t>What is the JVM</a:t>
             </a:r>
-            <a:endParaRPr b="0" lang="en-MY" sz="2400" strike="noStrike" u="none">
+            <a:endParaRPr b="0" lang="en-US" sz="2400" strike="noStrike" u="none">
               <a:solidFill>
                 <a:srgbClr val="000000"/>
               </a:solidFill>
@@ -16048,7 +16048,7 @@
                 <a:tab algn="l" pos="10058400"/>
               </a:tabLst>
             </a:pPr>
-            <a:endParaRPr b="0" lang="en-MY" sz="2400" strike="noStrike" u="none">
+            <a:endParaRPr b="0" lang="en-US" sz="2400" strike="noStrike" u="none">
               <a:solidFill>
                 <a:srgbClr val="000000"/>
               </a:solidFill>
@@ -16089,7 +16089,7 @@
               </a:rPr>
               <a:t>How does Java achieve platform independence?</a:t>
             </a:r>
-            <a:endParaRPr b="0" lang="en-MY" sz="2400" strike="noStrike" u="none">
+            <a:endParaRPr b="0" lang="en-US" sz="2400" strike="noStrike" u="none">
               <a:solidFill>
                 <a:srgbClr val="000000"/>
               </a:solidFill>
@@ -16511,7 +16511,7 @@
               </a:rPr>
               <a:t>Topic &amp; Structure of the lesson</a:t>
             </a:r>
-            <a:endParaRPr b="0" lang="en-MY" sz="3200" strike="noStrike" u="none">
+            <a:endParaRPr b="0" lang="en-US" sz="3200" strike="noStrike" u="none">
               <a:solidFill>
                 <a:srgbClr val="000000"/>
               </a:solidFill>
@@ -16586,7 +16586,7 @@
               </a:rPr>
               <a:t>What is Java ?</a:t>
             </a:r>
-            <a:endParaRPr b="0" lang="en-MY" sz="2800" strike="noStrike" u="none">
+            <a:endParaRPr b="0" lang="en-US" sz="2800" strike="noStrike" u="none">
               <a:solidFill>
                 <a:srgbClr val="000000"/>
               </a:solidFill>
@@ -16630,7 +16630,7 @@
               </a:rPr>
               <a:t>Java and The Internet</a:t>
             </a:r>
-            <a:endParaRPr b="0" lang="en-MY" sz="2800" strike="noStrike" u="none">
+            <a:endParaRPr b="0" lang="en-US" sz="2800" strike="noStrike" u="none">
               <a:solidFill>
                 <a:srgbClr val="000000"/>
               </a:solidFill>
@@ -16674,7 +16674,7 @@
               </a:rPr>
               <a:t>How Java differs from the C language</a:t>
             </a:r>
-            <a:endParaRPr b="0" lang="en-MY" sz="2800" strike="noStrike" u="none">
+            <a:endParaRPr b="0" lang="en-US" sz="2800" strike="noStrike" u="none">
               <a:solidFill>
                 <a:srgbClr val="000000"/>
               </a:solidFill>
@@ -16718,7 +16718,7 @@
               </a:rPr>
               <a:t>Applets and Applications</a:t>
             </a:r>
-            <a:endParaRPr b="0" lang="en-MY" sz="2800" strike="noStrike" u="none">
+            <a:endParaRPr b="0" lang="en-US" sz="2800" strike="noStrike" u="none">
               <a:solidFill>
                 <a:srgbClr val="000000"/>
               </a:solidFill>
@@ -16762,7 +16762,7 @@
               </a:rPr>
               <a:t>The Java Development Kit (JDK)</a:t>
             </a:r>
-            <a:endParaRPr b="0" lang="en-MY" sz="2800" strike="noStrike" u="none">
+            <a:endParaRPr b="0" lang="en-US" sz="2800" strike="noStrike" u="none">
               <a:solidFill>
                 <a:srgbClr val="000000"/>
               </a:solidFill>
@@ -16806,7 +16806,7 @@
               </a:rPr>
               <a:t>A Simple Java Program</a:t>
             </a:r>
-            <a:endParaRPr b="0" lang="en-MY" sz="2800" strike="noStrike" u="none">
+            <a:endParaRPr b="0" lang="en-US" sz="2800" strike="noStrike" u="none">
               <a:solidFill>
                 <a:srgbClr val="000000"/>
               </a:solidFill>
@@ -16850,7 +16850,7 @@
               </a:rPr>
               <a:t>API documentation</a:t>
             </a:r>
-            <a:endParaRPr b="0" lang="en-MY" sz="2800" strike="noStrike" u="none">
+            <a:endParaRPr b="0" lang="en-US" sz="2800" strike="noStrike" u="none">
               <a:solidFill>
                 <a:srgbClr val="000000"/>
               </a:solidFill>
@@ -16883,7 +16883,7 @@
                 <a:tab algn="l" pos="10058400"/>
               </a:tabLst>
             </a:pPr>
-            <a:endParaRPr b="0" lang="en-MY" sz="2800" strike="noStrike" u="none">
+            <a:endParaRPr b="0" lang="en-US" sz="2800" strike="noStrike" u="none">
               <a:solidFill>
                 <a:srgbClr val="000000"/>
               </a:solidFill>
@@ -17438,7 +17438,7 @@
               </a:rPr>
               <a:t>Java and The Internet</a:t>
             </a:r>
-            <a:endParaRPr b="0" lang="en-MY" sz="3200" strike="noStrike" u="none">
+            <a:endParaRPr b="0" lang="en-US" sz="3200" strike="noStrike" u="none">
               <a:solidFill>
                 <a:srgbClr val="000000"/>
               </a:solidFill>
@@ -17564,7 +17564,7 @@
               </a:rPr>
               <a:t> </a:t>
             </a:r>
-            <a:endParaRPr b="0" lang="en-MY" sz="2400" strike="noStrike" u="none">
+            <a:endParaRPr b="0" lang="en-US" sz="2400" strike="noStrike" u="none">
               <a:solidFill>
                 <a:srgbClr val="000000"/>
               </a:solidFill>
@@ -17633,7 +17633,7 @@
               </a:rPr>
               <a:t>   platform</a:t>
             </a:r>
-            <a:endParaRPr b="0" lang="en-MY" sz="2400" strike="noStrike" u="none">
+            <a:endParaRPr b="0" lang="en-US" sz="2400" strike="noStrike" u="none">
               <a:solidFill>
                 <a:srgbClr val="000000"/>
               </a:solidFill>
@@ -17743,7 +17743,7 @@
               </a:rPr>
               <a:t>   management, databases, human resources and sales</a:t>
             </a:r>
-            <a:endParaRPr b="0" lang="en-MY" sz="2400" strike="noStrike" u="none">
+            <a:endParaRPr b="0" lang="en-US" sz="2400" strike="noStrike" u="none">
               <a:solidFill>
                 <a:srgbClr val="000000"/>
               </a:solidFill>
@@ -17776,7 +17776,7 @@
                 <a:tab algn="l" pos="10058400"/>
               </a:tabLst>
             </a:pPr>
-            <a:endParaRPr b="0" lang="en-MY" sz="2400" strike="noStrike" u="none">
+            <a:endParaRPr b="0" lang="en-US" sz="2400" strike="noStrike" u="none">
               <a:solidFill>
                 <a:srgbClr val="000000"/>
               </a:solidFill>
@@ -18087,7 +18087,7 @@
               </a:rPr>
               <a:t>How Java differs from C</a:t>
             </a:r>
-            <a:endParaRPr b="0" lang="en-MY" sz="3200" strike="noStrike" u="none">
+            <a:endParaRPr b="0" lang="en-US" sz="3200" strike="noStrike" u="none">
               <a:solidFill>
                 <a:srgbClr val="000000"/>
               </a:solidFill>
@@ -18256,7 +18256,7 @@
               </a:rPr>
               <a:t>#ifdef</a:t>
             </a:r>
-            <a:endParaRPr b="0" lang="en-MY" sz="2400" strike="noStrike" u="none">
+            <a:endParaRPr b="0" lang="en-US" sz="2400" strike="noStrike" u="none">
               <a:solidFill>
                 <a:srgbClr val="000000"/>
               </a:solidFill>
@@ -18414,7 +18414,7 @@
               </a:rPr>
               <a:t>   (Latin-1) characters</a:t>
             </a:r>
-            <a:endParaRPr b="0" lang="en-MY" sz="2400" strike="noStrike" u="none">
+            <a:endParaRPr b="0" lang="en-US" sz="2400" strike="noStrike" u="none">
               <a:solidFill>
                 <a:srgbClr val="000000"/>
               </a:solidFill>
@@ -18550,7 +18550,7 @@
               </a:rPr>
               <a:t> by JAVA</a:t>
             </a:r>
-            <a:endParaRPr b="0" lang="en-MY" sz="2400" strike="noStrike" u="none">
+            <a:endParaRPr b="0" lang="en-US" sz="2400" strike="noStrike" u="none">
               <a:solidFill>
                 <a:srgbClr val="000000"/>
               </a:solidFill>
@@ -18817,7 +18817,7 @@
               </a:rPr>
               <a:t>How Java differs from C</a:t>
             </a:r>
-            <a:endParaRPr b="0" lang="en-MY" sz="3200" strike="noStrike" u="none">
+            <a:endParaRPr b="0" lang="en-US" sz="3200" strike="noStrike" u="none">
               <a:solidFill>
                 <a:srgbClr val="000000"/>
               </a:solidFill>
@@ -18945,7 +18945,7 @@
               </a:rPr>
               <a:t>   interfaces</a:t>
             </a:r>
-            <a:endParaRPr b="0" lang="en-MY" sz="2400" strike="noStrike" u="none">
+            <a:endParaRPr b="0" lang="en-US" sz="2400" strike="noStrike" u="none">
               <a:solidFill>
                 <a:srgbClr val="000000"/>
               </a:solidFill>
@@ -19167,7 +19167,7 @@
               </a:rPr>
               <a:t>  no longer needed. </a:t>
             </a:r>
-            <a:endParaRPr b="0" lang="en-MY" sz="2400" strike="noStrike" u="none">
+            <a:endParaRPr b="0" lang="en-US" sz="2400" strike="noStrike" u="none">
               <a:solidFill>
                 <a:srgbClr val="000000"/>
               </a:solidFill>
@@ -19238,7 +19238,7 @@
               </a:rPr>
               <a:t>Note :  There are many more differences between JAVA and C</a:t>
             </a:r>
-            <a:endParaRPr b="0" lang="en-MY" sz="2400" strike="noStrike" u="none">
+            <a:endParaRPr b="0" lang="en-US" sz="2400" strike="noStrike" u="none">
               <a:solidFill>
                 <a:srgbClr val="000000"/>
               </a:solidFill>
@@ -19501,7 +19501,7 @@
               </a:rPr>
               <a:t>Quick Review Question</a:t>
             </a:r>
-            <a:endParaRPr b="0" lang="en-MY" sz="3200" strike="noStrike" u="none">
+            <a:endParaRPr b="0" lang="en-US" sz="3200" strike="noStrike" u="none">
               <a:solidFill>
                 <a:srgbClr val="000000"/>
               </a:solidFill>
@@ -19562,7 +19562,7 @@
                 <a:tab algn="l" pos="10058400"/>
               </a:tabLst>
             </a:pPr>
-            <a:endParaRPr b="0" lang="en-MY" sz="2400" strike="noStrike" u="none">
+            <a:endParaRPr b="0" lang="en-US" sz="2400" strike="noStrike" u="none">
               <a:solidFill>
                 <a:srgbClr val="000000"/>
               </a:solidFill>
@@ -19603,7 +19603,7 @@
               </a:rPr>
               <a:t>List the 5 differences between Java and C/C++</a:t>
             </a:r>
-            <a:endParaRPr b="0" lang="en-MY" sz="2400" strike="noStrike" u="none">
+            <a:endParaRPr b="0" lang="en-US" sz="2400" strike="noStrike" u="none">
               <a:solidFill>
                 <a:srgbClr val="000000"/>
               </a:solidFill>
@@ -19633,7 +19633,7 @@
                 <a:tab algn="l" pos="10058400"/>
               </a:tabLst>
             </a:pPr>
-            <a:endParaRPr b="0" lang="en-MY" sz="2400" strike="noStrike" u="none">
+            <a:endParaRPr b="0" lang="en-US" sz="2400" strike="noStrike" u="none">
               <a:solidFill>
                 <a:srgbClr val="000000"/>
               </a:solidFill>
@@ -19674,7 +19674,7 @@
               </a:rPr>
               <a:t>Which of these differences are between C and Java?</a:t>
             </a:r>
-            <a:endParaRPr b="0" lang="en-MY" sz="2400" strike="noStrike" u="none">
+            <a:endParaRPr b="0" lang="en-US" sz="2400" strike="noStrike" u="none">
               <a:solidFill>
                 <a:srgbClr val="000000"/>
               </a:solidFill>
@@ -19704,7 +19704,7 @@
                 <a:tab algn="l" pos="10058400"/>
               </a:tabLst>
             </a:pPr>
-            <a:endParaRPr b="0" lang="en-MY" sz="2400" strike="noStrike" u="none">
+            <a:endParaRPr b="0" lang="en-US" sz="2400" strike="noStrike" u="none">
               <a:solidFill>
                 <a:srgbClr val="000000"/>
               </a:solidFill>
@@ -19745,7 +19745,7 @@
               </a:rPr>
               <a:t>Which are between C++ and Java?</a:t>
             </a:r>
-            <a:endParaRPr b="0" lang="en-MY" sz="2400" strike="noStrike" u="none">
+            <a:endParaRPr b="0" lang="en-US" sz="2400" strike="noStrike" u="none">
               <a:solidFill>
                 <a:srgbClr val="000000"/>
               </a:solidFill>
@@ -19775,7 +19775,7 @@
                 <a:tab algn="l" pos="10058400"/>
               </a:tabLst>
             </a:pPr>
-            <a:endParaRPr b="0" lang="en-MY" sz="2400" strike="noStrike" u="none">
+            <a:endParaRPr b="0" lang="en-US" sz="2400" strike="noStrike" u="none">
               <a:solidFill>
                 <a:srgbClr val="000000"/>
               </a:solidFill>
@@ -19805,7 +19805,7 @@
                 <a:tab algn="l" pos="10058400"/>
               </a:tabLst>
             </a:pPr>
-            <a:endParaRPr b="0" lang="en-MY" sz="2400" strike="noStrike" u="none">
+            <a:endParaRPr b="0" lang="en-US" sz="2400" strike="noStrike" u="none">
               <a:solidFill>
                 <a:srgbClr val="000000"/>
               </a:solidFill>
@@ -20092,7 +20092,7 @@
               </a:rPr>
               <a:t>Applets and Applcations</a:t>
             </a:r>
-            <a:endParaRPr b="0" lang="en-MY" sz="3200" strike="noStrike" u="none">
+            <a:endParaRPr b="0" lang="en-US" sz="3200" strike="noStrike" u="none">
               <a:solidFill>
                 <a:srgbClr val="000000"/>
               </a:solidFill>
@@ -20168,7 +20168,7 @@
               </a:rPr>
               <a:t>The most common types of Java programs are :</a:t>
             </a:r>
-            <a:endParaRPr b="0" lang="en-MY" sz="2400" strike="noStrike" u="none">
+            <a:endParaRPr b="0" lang="en-US" sz="2400" strike="noStrike" u="none">
               <a:solidFill>
                 <a:srgbClr val="000000"/>
               </a:solidFill>
@@ -20240,7 +20240,7 @@
               </a:rPr>
               <a:t>   Applets</a:t>
             </a:r>
-            <a:endParaRPr b="0" lang="en-MY" sz="2400" strike="noStrike" u="none">
+            <a:endParaRPr b="0" lang="en-US" sz="2400" strike="noStrike" u="none">
               <a:solidFill>
                 <a:srgbClr val="000000"/>
               </a:solidFill>
@@ -20349,7 +20349,7 @@
               </a:rPr>
               <a:t>.</a:t>
             </a:r>
-            <a:endParaRPr b="0" lang="en-MY" sz="2400" strike="noStrike" u="none">
+            <a:endParaRPr b="0" lang="en-US" sz="2400" strike="noStrike" u="none">
               <a:solidFill>
                 <a:srgbClr val="000000"/>
               </a:solidFill>
@@ -20421,7 +20421,7 @@
               </a:rPr>
               <a:t>   Applications</a:t>
             </a:r>
-            <a:endParaRPr b="0" lang="en-MY" sz="2400" strike="noStrike" u="none">
+            <a:endParaRPr b="0" lang="en-US" sz="2400" strike="noStrike" u="none">
               <a:solidFill>
                 <a:srgbClr val="000000"/>
               </a:solidFill>
@@ -20516,7 +20516,7 @@
               </a:rPr>
               <a:t>        platform. </a:t>
             </a:r>
-            <a:endParaRPr b="0" lang="en-MY" sz="2400" strike="noStrike" u="none">
+            <a:endParaRPr b="0" lang="en-US" sz="2400" strike="noStrike" u="none">
               <a:solidFill>
                 <a:srgbClr val="000000"/>
               </a:solidFill>
@@ -20553,7 +20553,7 @@
               </a:rPr>
               <a:t>     -  As Java is a general purpose, high-level programming </a:t>
             </a:r>
-            <a:endParaRPr b="0" lang="en-MY" sz="2400" strike="noStrike" u="none">
+            <a:endParaRPr b="0" lang="en-US" sz="2400" strike="noStrike" u="none">
               <a:solidFill>
                 <a:srgbClr val="000000"/>
               </a:solidFill>
@@ -20604,7 +20604,7 @@
               </a:rPr>
               <a:t>        write many types of programs. </a:t>
             </a:r>
-            <a:endParaRPr b="0" lang="en-MY" sz="2400" strike="noStrike" u="none">
+            <a:endParaRPr b="0" lang="en-US" sz="2400" strike="noStrike" u="none">
               <a:solidFill>
                 <a:srgbClr val="000000"/>
               </a:solidFill>
@@ -20871,7 +20871,7 @@
               </a:rPr>
               <a:t>The Java Development Kit (JDK)</a:t>
             </a:r>
-            <a:endParaRPr b="0" lang="en-MY" sz="3200" strike="noStrike" u="none">
+            <a:endParaRPr b="0" lang="en-US" sz="3200" strike="noStrike" u="none">
               <a:solidFill>
                 <a:srgbClr val="000000"/>
               </a:solidFill>
@@ -20942,7 +20942,7 @@
               </a:rPr>
               <a:t>The JDK contains what one needs to start building and executing JAVA applications and applets.</a:t>
             </a:r>
-            <a:endParaRPr b="0" lang="en-MY" sz="2400" strike="noStrike" u="none">
+            <a:endParaRPr b="0" lang="en-US" sz="2400" strike="noStrike" u="none">
               <a:solidFill>
                 <a:srgbClr val="000000"/>
               </a:solidFill>
@@ -21115,7 +21115,7 @@
               </a:rPr>
               <a:t>The Java Development Kit (JDK)</a:t>
             </a:r>
-            <a:endParaRPr b="0" lang="en-MY" sz="3200" strike="noStrike" u="none">
+            <a:endParaRPr b="0" lang="en-US" sz="3200" strike="noStrike" u="none">
               <a:solidFill>
                 <a:srgbClr val="000000"/>
               </a:solidFill>
@@ -21186,7 +21186,7 @@
               </a:rPr>
               <a:t>Here is how you can set up and program in Java</a:t>
             </a:r>
-            <a:endParaRPr b="0" lang="en-MY" sz="2400" strike="noStrike" u="none">
+            <a:endParaRPr b="0" lang="en-US" sz="2400" strike="noStrike" u="none">
               <a:solidFill>
                 <a:srgbClr val="000000"/>
               </a:solidFill>
@@ -21288,7 +21288,7 @@
               </a:rPr>
               <a:t>	</a:t>
             </a:r>
-            <a:endParaRPr b="0" lang="en-MY" sz="2400" strike="noStrike" u="none">
+            <a:endParaRPr b="0" lang="en-US" sz="2400" strike="noStrike" u="none">
               <a:solidFill>
                 <a:srgbClr val="000000"/>
               </a:solidFill>
@@ -21386,7 +21386,7 @@
               </a:rPr>
               <a:t>The Java Development Kit (JDK)</a:t>
             </a:r>
-            <a:endParaRPr b="0" lang="en-MY" sz="3200" strike="noStrike" u="none">
+            <a:endParaRPr b="0" lang="en-US" sz="3200" strike="noStrike" u="none">
               <a:solidFill>
                 <a:srgbClr val="000000"/>
               </a:solidFill>
@@ -21487,7 +21487,7 @@
               </a:rPr>
               <a:t>). </a:t>
             </a:r>
-            <a:endParaRPr b="0" lang="en-MY" sz="2400" strike="noStrike" u="none">
+            <a:endParaRPr b="0" lang="en-US" sz="2400" strike="noStrike" u="none">
               <a:solidFill>
                 <a:srgbClr val="000000"/>
               </a:solidFill>
@@ -21523,7 +21523,7 @@
                 <a:tab algn="l" pos="10058400"/>
               </a:tabLst>
             </a:pPr>
-            <a:endParaRPr b="0" lang="en-MY" sz="2400" strike="noStrike" u="none">
+            <a:endParaRPr b="0" lang="en-US" sz="2400" strike="noStrike" u="none">
               <a:solidFill>
                 <a:srgbClr val="000000"/>
               </a:solidFill>
@@ -21720,7 +21720,7 @@
               </a:rPr>
               <a:t>The Java Development Kit (JDK)</a:t>
             </a:r>
-            <a:endParaRPr b="0" lang="en-MY" sz="3200" strike="noStrike" u="none">
+            <a:endParaRPr b="0" lang="en-US" sz="3200" strike="noStrike" u="none">
               <a:solidFill>
                 <a:srgbClr val="000000"/>
               </a:solidFill>
@@ -21801,7 +21801,7 @@
               <a:noAutofit/>
             </a:bodyPr>
             <a:p>
-              <a:endParaRPr b="0" lang="en-MY" sz="1800" strike="noStrike" u="none">
+              <a:endParaRPr b="0" lang="en-US" sz="1800" strike="noStrike" u="none">
                 <a:solidFill>
                   <a:srgbClr val="000000"/>
                 </a:solidFill>
@@ -21844,7 +21844,7 @@
               <a:noAutofit/>
             </a:bodyPr>
             <a:p>
-              <a:endParaRPr b="0" lang="en-MY" sz="1800" strike="noStrike" u="none">
+              <a:endParaRPr b="0" lang="en-US" sz="1800" strike="noStrike" u="none">
                 <a:solidFill>
                   <a:srgbClr val="000000"/>
                 </a:solidFill>
@@ -21887,7 +21887,7 @@
               <a:noAutofit/>
             </a:bodyPr>
             <a:p>
-              <a:endParaRPr b="0" lang="en-MY" sz="1800" strike="noStrike" u="none">
+              <a:endParaRPr b="0" lang="en-US" sz="1800" strike="noStrike" u="none">
                 <a:solidFill>
                   <a:srgbClr val="000000"/>
                 </a:solidFill>
@@ -21958,7 +21958,7 @@
                 </a:rPr>
                 <a:t>Packages</a:t>
               </a:r>
-              <a:endParaRPr b="0" lang="en-MY" sz="1400" strike="noStrike" u="none">
+              <a:endParaRPr b="0" lang="en-US" sz="1400" strike="noStrike" u="none">
                 <a:solidFill>
                   <a:srgbClr val="000000"/>
                 </a:solidFill>
@@ -22029,7 +22029,7 @@
                 </a:rPr>
                 <a:t>Classes/ Interfaces</a:t>
               </a:r>
-              <a:endParaRPr b="0" lang="en-MY" sz="1400" strike="noStrike" u="none">
+              <a:endParaRPr b="0" lang="en-US" sz="1400" strike="noStrike" u="none">
                 <a:solidFill>
                   <a:srgbClr val="000000"/>
                 </a:solidFill>
@@ -22100,7 +22100,7 @@
                 </a:rPr>
                 <a:t>Detail of Classes/ Interfaces</a:t>
               </a:r>
-              <a:endParaRPr b="0" lang="en-MY" sz="1400" strike="noStrike" u="none">
+              <a:endParaRPr b="0" lang="en-US" sz="1400" strike="noStrike" u="none">
                 <a:solidFill>
                   <a:srgbClr val="000000"/>
                 </a:solidFill>
@@ -22140,7 +22140,7 @@
                 </a:rPr>
                 <a:t>- Methods /Variables</a:t>
               </a:r>
-              <a:endParaRPr b="0" lang="en-MY" sz="1400" strike="noStrike" u="none">
+              <a:endParaRPr b="0" lang="en-US" sz="1400" strike="noStrike" u="none">
                 <a:solidFill>
                   <a:srgbClr val="000000"/>
                 </a:solidFill>
@@ -22239,7 +22239,7 @@
               </a:rPr>
               <a:t>Quick Review Question</a:t>
             </a:r>
-            <a:endParaRPr b="0" lang="en-MY" sz="3200" strike="noStrike" u="none">
+            <a:endParaRPr b="0" lang="en-US" sz="3200" strike="noStrike" u="none">
               <a:solidFill>
                 <a:srgbClr val="000000"/>
               </a:solidFill>
@@ -22300,7 +22300,7 @@
                 <a:tab algn="l" pos="10058400"/>
               </a:tabLst>
             </a:pPr>
-            <a:endParaRPr b="0" lang="en-MY" sz="2400" strike="noStrike" u="none">
+            <a:endParaRPr b="0" lang="en-US" sz="2400" strike="noStrike" u="none">
               <a:solidFill>
                 <a:srgbClr val="000000"/>
               </a:solidFill>
@@ -22337,7 +22337,7 @@
               </a:rPr>
               <a:t>Here are a couple quick questions before we plunge into our </a:t>
             </a:r>
-            <a:endParaRPr b="0" lang="en-MY" sz="2400" strike="noStrike" u="none">
+            <a:endParaRPr b="0" lang="en-US" sz="2400" strike="noStrike" u="none">
               <a:solidFill>
                 <a:srgbClr val="000000"/>
               </a:solidFill>
@@ -22374,7 +22374,7 @@
               </a:rPr>
               <a:t>first Java program.</a:t>
             </a:r>
-            <a:endParaRPr b="0" lang="en-MY" sz="2400" strike="noStrike" u="none">
+            <a:endParaRPr b="0" lang="en-US" sz="2400" strike="noStrike" u="none">
               <a:solidFill>
                 <a:srgbClr val="000000"/>
               </a:solidFill>
@@ -22404,7 +22404,7 @@
                 <a:tab algn="l" pos="10058400"/>
               </a:tabLst>
             </a:pPr>
-            <a:endParaRPr b="0" lang="en-MY" sz="2400" strike="noStrike" u="none">
+            <a:endParaRPr b="0" lang="en-US" sz="2400" strike="noStrike" u="none">
               <a:solidFill>
                 <a:srgbClr val="000000"/>
               </a:solidFill>
@@ -22445,7 +22445,7 @@
               </a:rPr>
               <a:t>What is the difference between an applet and an application?</a:t>
             </a:r>
-            <a:endParaRPr b="0" lang="en-MY" sz="2400" strike="noStrike" u="none">
+            <a:endParaRPr b="0" lang="en-US" sz="2400" strike="noStrike" u="none">
               <a:solidFill>
                 <a:srgbClr val="000000"/>
               </a:solidFill>
@@ -22475,7 +22475,7 @@
                 <a:tab algn="l" pos="10058400"/>
               </a:tabLst>
             </a:pPr>
-            <a:endParaRPr b="0" lang="en-MY" sz="2400" strike="noStrike" u="none">
+            <a:endParaRPr b="0" lang="en-US" sz="2400" strike="noStrike" u="none">
               <a:solidFill>
                 <a:srgbClr val="000000"/>
               </a:solidFill>
@@ -22516,7 +22516,7 @@
               </a:rPr>
               <a:t>Does an application need the JVM for execution?</a:t>
             </a:r>
-            <a:endParaRPr b="0" lang="en-MY" sz="2400" strike="noStrike" u="none">
+            <a:endParaRPr b="0" lang="en-US" sz="2400" strike="noStrike" u="none">
               <a:solidFill>
                 <a:srgbClr val="000000"/>
               </a:solidFill>
@@ -22546,7 +22546,7 @@
                 <a:tab algn="l" pos="10058400"/>
               </a:tabLst>
             </a:pPr>
-            <a:endParaRPr b="0" lang="en-MY" sz="2400" strike="noStrike" u="none">
+            <a:endParaRPr b="0" lang="en-US" sz="2400" strike="noStrike" u="none">
               <a:solidFill>
                 <a:srgbClr val="000000"/>
               </a:solidFill>
@@ -22587,7 +22587,7 @@
               </a:rPr>
               <a:t>Does an applet need the JVM for execution?</a:t>
             </a:r>
-            <a:endParaRPr b="0" lang="en-MY" sz="2400" strike="noStrike" u="none">
+            <a:endParaRPr b="0" lang="en-US" sz="2400" strike="noStrike" u="none">
               <a:solidFill>
                 <a:srgbClr val="000000"/>
               </a:solidFill>
@@ -22617,7 +22617,7 @@
                 <a:tab algn="l" pos="10058400"/>
               </a:tabLst>
             </a:pPr>
-            <a:endParaRPr b="0" lang="en-MY" sz="2400" strike="noStrike" u="none">
+            <a:endParaRPr b="0" lang="en-US" sz="2400" strike="noStrike" u="none">
               <a:solidFill>
                 <a:srgbClr val="000000"/>
               </a:solidFill>
@@ -22658,7 +22658,7 @@
               </a:rPr>
               <a:t>Does a browser need the JVM for executing Java applets?</a:t>
             </a:r>
-            <a:endParaRPr b="0" lang="en-MY" sz="2400" strike="noStrike" u="none">
+            <a:endParaRPr b="0" lang="en-US" sz="2400" strike="noStrike" u="none">
               <a:solidFill>
                 <a:srgbClr val="000000"/>
               </a:solidFill>
@@ -22688,7 +22688,7 @@
                 <a:tab algn="l" pos="10058400"/>
               </a:tabLst>
             </a:pPr>
-            <a:endParaRPr b="0" lang="en-MY" sz="2400" strike="noStrike" u="none">
+            <a:endParaRPr b="0" lang="en-US" sz="2400" strike="noStrike" u="none">
               <a:solidFill>
                 <a:srgbClr val="000000"/>
               </a:solidFill>
@@ -22729,7 +22729,7 @@
               </a:rPr>
               <a:t>How does the JVM get embedded/installed in a browser </a:t>
             </a:r>
-            <a:endParaRPr b="0" lang="en-MY" sz="2400" strike="noStrike" u="none">
+            <a:endParaRPr b="0" lang="en-US" sz="2400" strike="noStrike" u="none">
               <a:solidFill>
                 <a:srgbClr val="000000"/>
               </a:solidFill>
@@ -22766,7 +22766,7 @@
               </a:rPr>
               <a:t>    or CPU? </a:t>
             </a:r>
-            <a:endParaRPr b="0" lang="en-MY" sz="2400" strike="noStrike" u="none">
+            <a:endParaRPr b="0" lang="en-US" sz="2400" strike="noStrike" u="none">
               <a:solidFill>
                 <a:srgbClr val="000000"/>
               </a:solidFill>
@@ -23382,7 +23382,7 @@
               </a:rPr>
               <a:t>Learning Outcomes</a:t>
             </a:r>
-            <a:endParaRPr b="0" lang="en-MY" sz="3200" strike="noStrike" u="none">
+            <a:endParaRPr b="0" lang="en-US" sz="3200" strike="noStrike" u="none">
               <a:solidFill>
                 <a:srgbClr val="000000"/>
               </a:solidFill>
@@ -23453,7 +23453,7 @@
               </a:rPr>
               <a:t>At the end of this topic, you should be able to:</a:t>
             </a:r>
-            <a:endParaRPr b="0" lang="en-MY" sz="2800" strike="noStrike" u="none">
+            <a:endParaRPr b="0" lang="en-US" sz="2800" strike="noStrike" u="none">
               <a:solidFill>
                 <a:srgbClr val="000000"/>
               </a:solidFill>
@@ -23497,7 +23497,7 @@
               </a:rPr>
               <a:t>Explain what Java means</a:t>
             </a:r>
-            <a:endParaRPr b="0" lang="en-MY" sz="2800" strike="noStrike" u="none">
+            <a:endParaRPr b="0" lang="en-US" sz="2800" strike="noStrike" u="none">
               <a:solidFill>
                 <a:srgbClr val="000000"/>
               </a:solidFill>
@@ -23541,7 +23541,7 @@
               </a:rPr>
               <a:t>List the differences between Java and C</a:t>
             </a:r>
-            <a:endParaRPr b="0" lang="en-MY" sz="2800" strike="noStrike" u="none">
+            <a:endParaRPr b="0" lang="en-US" sz="2800" strike="noStrike" u="none">
               <a:solidFill>
                 <a:srgbClr val="000000"/>
               </a:solidFill>
@@ -23585,7 +23585,7 @@
               </a:rPr>
               <a:t>Explain the differences between an applet and an application</a:t>
             </a:r>
-            <a:endParaRPr b="0" lang="en-MY" sz="2800" strike="noStrike" u="none">
+            <a:endParaRPr b="0" lang="en-US" sz="2800" strike="noStrike" u="none">
               <a:solidFill>
                 <a:srgbClr val="000000"/>
               </a:solidFill>
@@ -23629,7 +23629,7 @@
               </a:rPr>
               <a:t>Explain the definition of the various Java commands listed in the JDK</a:t>
             </a:r>
-            <a:endParaRPr b="0" lang="en-MY" sz="2800" strike="noStrike" u="none">
+            <a:endParaRPr b="0" lang="en-US" sz="2800" strike="noStrike" u="none">
               <a:solidFill>
                 <a:srgbClr val="000000"/>
               </a:solidFill>
@@ -23673,7 +23673,7 @@
               </a:rPr>
               <a:t>Write simple Java programs</a:t>
             </a:r>
-            <a:endParaRPr b="0" lang="en-MY" sz="2800" strike="noStrike" u="none">
+            <a:endParaRPr b="0" lang="en-US" sz="2800" strike="noStrike" u="none">
               <a:solidFill>
                 <a:srgbClr val="000000"/>
               </a:solidFill>
@@ -24095,7 +24095,7 @@
               </a:rPr>
               <a:t>A simple Java program</a:t>
             </a:r>
-            <a:endParaRPr b="0" lang="en-MY" sz="3200" strike="noStrike" u="none">
+            <a:endParaRPr b="0" lang="en-US" sz="3200" strike="noStrike" u="none">
               <a:solidFill>
                 <a:srgbClr val="000000"/>
               </a:solidFill>
@@ -24188,7 +24188,7 @@
               </a:rPr>
               <a:t>Create a Java Source File </a:t>
             </a:r>
-            <a:endParaRPr b="0" lang="en-MY" sz="2400" strike="noStrike" u="none">
+            <a:endParaRPr b="0" lang="en-US" sz="2400" strike="noStrike" u="none">
               <a:solidFill>
                 <a:srgbClr val="000000"/>
               </a:solidFill>
@@ -24217,7 +24217,7 @@
                 <a:tab algn="l" pos="10058400"/>
               </a:tabLst>
             </a:pPr>
-            <a:endParaRPr b="0" lang="en-MY" sz="2400" strike="noStrike" u="none">
+            <a:endParaRPr b="0" lang="en-US" sz="2400" strike="noStrike" u="none">
               <a:solidFill>
                 <a:srgbClr val="000000"/>
               </a:solidFill>
@@ -24257,7 +24257,7 @@
               </a:rPr>
               <a:t>Using a text editor (eg. Notepad), create a file named</a:t>
             </a:r>
-            <a:endParaRPr b="0" lang="en-MY" sz="2400" strike="noStrike" u="none">
+            <a:endParaRPr b="0" lang="en-US" sz="2400" strike="noStrike" u="none">
               <a:solidFill>
                 <a:srgbClr val="000000"/>
               </a:solidFill>
@@ -24297,7 +24297,7 @@
               </a:rPr>
               <a:t>HelloWorldApp.java with the following Java code:  </a:t>
             </a:r>
-            <a:endParaRPr b="0" lang="en-MY" sz="2400" strike="noStrike" u="none">
+            <a:endParaRPr b="0" lang="en-US" sz="2400" strike="noStrike" u="none">
               <a:solidFill>
                 <a:srgbClr val="000000"/>
               </a:solidFill>
@@ -24326,7 +24326,7 @@
                 <a:tab algn="l" pos="10058400"/>
               </a:tabLst>
             </a:pPr>
-            <a:endParaRPr b="0" lang="en-MY" sz="2400" strike="noStrike" u="none">
+            <a:endParaRPr b="0" lang="en-US" sz="2400" strike="noStrike" u="none">
               <a:solidFill>
                 <a:srgbClr val="000000"/>
               </a:solidFill>
@@ -24366,7 +24366,7 @@
               </a:rPr>
               <a:t>        </a:t>
             </a:r>
-            <a:endParaRPr b="0" lang="en-MY" sz="2400" strike="noStrike" u="none">
+            <a:endParaRPr b="0" lang="en-US" sz="2400" strike="noStrike" u="none">
               <a:solidFill>
                 <a:srgbClr val="000000"/>
               </a:solidFill>
@@ -24464,7 +24464,7 @@
               </a:rPr>
               <a:t>A simple Java program</a:t>
             </a:r>
-            <a:endParaRPr b="0" lang="en-MY" sz="3200" strike="noStrike" u="none">
+            <a:endParaRPr b="0" lang="en-US" sz="3200" strike="noStrike" u="none">
               <a:solidFill>
                 <a:srgbClr val="000000"/>
               </a:solidFill>
@@ -24546,7 +24546,7 @@
               </a:rPr>
               <a:t>/*Sample_01</a:t>
             </a:r>
-            <a:endParaRPr b="0" lang="en-MY" sz="2400" strike="noStrike" u="none">
+            <a:endParaRPr b="0" lang="en-US" sz="2400" strike="noStrike" u="none">
               <a:solidFill>
                 <a:srgbClr val="000000"/>
               </a:solidFill>
@@ -24586,7 +24586,7 @@
               </a:rPr>
               <a:t> * The HelloWorldApp class implements an application</a:t>
             </a:r>
-            <a:endParaRPr b="0" lang="en-MY" sz="2400" strike="noStrike" u="none">
+            <a:endParaRPr b="0" lang="en-US" sz="2400" strike="noStrike" u="none">
               <a:solidFill>
                 <a:srgbClr val="000000"/>
               </a:solidFill>
@@ -24626,7 +24626,7 @@
               </a:rPr>
               <a:t> * that simply displays "Hello World!" to the standard</a:t>
             </a:r>
-            <a:endParaRPr b="0" lang="en-MY" sz="2400" strike="noStrike" u="none">
+            <a:endParaRPr b="0" lang="en-US" sz="2400" strike="noStrike" u="none">
               <a:solidFill>
                 <a:srgbClr val="000000"/>
               </a:solidFill>
@@ -24666,7 +24666,7 @@
               </a:rPr>
               <a:t> * output. </a:t>
             </a:r>
-            <a:endParaRPr b="0" lang="en-MY" sz="2400" strike="noStrike" u="none">
+            <a:endParaRPr b="0" lang="en-US" sz="2400" strike="noStrike" u="none">
               <a:solidFill>
                 <a:srgbClr val="000000"/>
               </a:solidFill>
@@ -24706,7 +24706,7 @@
               </a:rPr>
               <a:t> */ </a:t>
             </a:r>
-            <a:endParaRPr b="0" lang="en-MY" sz="2400" strike="noStrike" u="none">
+            <a:endParaRPr b="0" lang="en-US" sz="2400" strike="noStrike" u="none">
               <a:solidFill>
                 <a:srgbClr val="000000"/>
               </a:solidFill>
@@ -24746,7 +24746,7 @@
               </a:rPr>
               <a:t> class HelloWorldApp { </a:t>
             </a:r>
-            <a:endParaRPr b="0" lang="en-MY" sz="2400" strike="noStrike" u="none">
+            <a:endParaRPr b="0" lang="en-US" sz="2400" strike="noStrike" u="none">
               <a:solidFill>
                 <a:srgbClr val="000000"/>
               </a:solidFill>
@@ -24786,7 +24786,7 @@
               </a:rPr>
               <a:t>    public static void main(String[] args) { </a:t>
             </a:r>
-            <a:endParaRPr b="0" lang="en-MY" sz="2400" strike="noStrike" u="none">
+            <a:endParaRPr b="0" lang="en-US" sz="2400" strike="noStrike" u="none">
               <a:solidFill>
                 <a:srgbClr val="000000"/>
               </a:solidFill>
@@ -24826,7 +24826,7 @@
               </a:rPr>
               <a:t>       System.out.println("Hello World!"); //Display the string. </a:t>
             </a:r>
-            <a:endParaRPr b="0" lang="en-MY" sz="2400" strike="noStrike" u="none">
+            <a:endParaRPr b="0" lang="en-US" sz="2400" strike="noStrike" u="none">
               <a:solidFill>
                 <a:srgbClr val="000000"/>
               </a:solidFill>
@@ -24866,7 +24866,7 @@
               </a:rPr>
               <a:t>           } </a:t>
             </a:r>
-            <a:endParaRPr b="0" lang="en-MY" sz="2400" strike="noStrike" u="none">
+            <a:endParaRPr b="0" lang="en-US" sz="2400" strike="noStrike" u="none">
               <a:solidFill>
                 <a:srgbClr val="000000"/>
               </a:solidFill>
@@ -24906,7 +24906,7 @@
               </a:rPr>
               <a:t>        }</a:t>
             </a:r>
-            <a:endParaRPr b="0" lang="en-MY" sz="2400" strike="noStrike" u="none">
+            <a:endParaRPr b="0" lang="en-US" sz="2400" strike="noStrike" u="none">
               <a:solidFill>
                 <a:srgbClr val="000000"/>
               </a:solidFill>
@@ -25004,7 +25004,7 @@
               </a:rPr>
               <a:t>A simple Java program</a:t>
             </a:r>
-            <a:endParaRPr b="0" lang="en-MY" sz="3200" strike="noStrike" u="none">
+            <a:endParaRPr b="0" lang="en-US" sz="3200" strike="noStrike" u="none">
               <a:solidFill>
                 <a:srgbClr val="000000"/>
               </a:solidFill>
@@ -25078,7 +25078,7 @@
               </a:rPr>
               <a:t>If you use the NoteTab Light editor to type Java </a:t>
             </a:r>
-            <a:endParaRPr b="0" lang="en-MY" sz="2400" strike="noStrike" u="none">
+            <a:endParaRPr b="0" lang="en-US" sz="2400" strike="noStrike" u="none">
               <a:solidFill>
                 <a:srgbClr val="000000"/>
               </a:solidFill>
@@ -25132,7 +25132,7 @@
               </a:rPr>
               <a:t> </a:t>
             </a:r>
-            <a:endParaRPr b="0" lang="en-MY" sz="2400" strike="noStrike" u="none">
+            <a:endParaRPr b="0" lang="en-US" sz="2400" strike="noStrike" u="none">
               <a:solidFill>
                 <a:srgbClr val="000000"/>
               </a:solidFill>
@@ -25175,7 +25175,7 @@
               </a:rPr>
               <a:t>        </a:t>
             </a:r>
-            <a:endParaRPr b="0" lang="en-MY" sz="2400" strike="noStrike" u="none">
+            <a:endParaRPr b="0" lang="en-US" sz="2400" strike="noStrike" u="none">
               <a:solidFill>
                 <a:srgbClr val="000000"/>
               </a:solidFill>
@@ -25297,7 +25297,7 @@
               </a:rPr>
               <a:t>A simple Java program</a:t>
             </a:r>
-            <a:endParaRPr b="0" lang="en-MY" sz="3200" strike="noStrike" u="none">
+            <a:endParaRPr b="0" lang="en-US" sz="3200" strike="noStrike" u="none">
               <a:solidFill>
                 <a:srgbClr val="000000"/>
               </a:solidFill>
@@ -25371,7 +25371,7 @@
               </a:rPr>
               <a:t>2.  Compile the Source File </a:t>
             </a:r>
-            <a:endParaRPr b="0" lang="en-MY" sz="2400" strike="noStrike" u="none">
+            <a:endParaRPr b="0" lang="en-US" sz="2400" strike="noStrike" u="none">
               <a:solidFill>
                 <a:srgbClr val="000000"/>
               </a:solidFill>
@@ -25414,7 +25414,7 @@
               </a:rPr>
               <a:t>    Compile the source file using the Java compiler like this; </a:t>
             </a:r>
-            <a:endParaRPr b="0" lang="en-MY" sz="2400" strike="noStrike" u="none">
+            <a:endParaRPr b="0" lang="en-US" sz="2400" strike="noStrike" u="none">
               <a:solidFill>
                 <a:srgbClr val="000000"/>
               </a:solidFill>
@@ -25490,7 +25490,7 @@
               </a:rPr>
               <a:t>     </a:t>
             </a:r>
-            <a:endParaRPr b="0" lang="en-MY" sz="2400" strike="noStrike" u="none">
+            <a:endParaRPr b="0" lang="en-US" sz="2400" strike="noStrike" u="none">
               <a:solidFill>
                 <a:srgbClr val="000000"/>
               </a:solidFill>
@@ -25566,7 +25566,7 @@
               </a:rPr>
               <a:t>javac HelloWorldApp.java </a:t>
             </a:r>
-            <a:endParaRPr b="0" lang="en-MY" sz="2400" strike="noStrike" u="none">
+            <a:endParaRPr b="0" lang="en-US" sz="2400" strike="noStrike" u="none">
               <a:solidFill>
                 <a:srgbClr val="000000"/>
               </a:solidFill>
@@ -25598,7 +25598,7 @@
                 <a:tab algn="l" pos="10058400"/>
               </a:tabLst>
             </a:pPr>
-            <a:endParaRPr b="0" lang="en-MY" sz="2400" strike="noStrike" u="none">
+            <a:endParaRPr b="0" lang="en-US" sz="2400" strike="noStrike" u="none">
               <a:solidFill>
                 <a:srgbClr val="000000"/>
               </a:solidFill>
@@ -25641,7 +25641,7 @@
               </a:rPr>
               <a:t>   </a:t>
             </a:r>
-            <a:endParaRPr b="0" lang="en-MY" sz="2400" strike="noStrike" u="none">
+            <a:endParaRPr b="0" lang="en-US" sz="2400" strike="noStrike" u="none">
               <a:solidFill>
                 <a:srgbClr val="000000"/>
               </a:solidFill>
@@ -25739,7 +25739,7 @@
               </a:rPr>
               <a:t>A simple Java program</a:t>
             </a:r>
-            <a:endParaRPr b="0" lang="en-MY" sz="3200" strike="noStrike" u="none">
+            <a:endParaRPr b="0" lang="en-US" sz="3200" strike="noStrike" u="none">
               <a:solidFill>
                 <a:srgbClr val="000000"/>
               </a:solidFill>
@@ -25884,7 +25884,7 @@
               </a:rPr>
               <a:t>). This class file contains Java bytecodes, which are platform-independent codes interpreted by the Java runtime system.  </a:t>
             </a:r>
-            <a:endParaRPr b="0" lang="en-MY" sz="2400" strike="noStrike" u="none">
+            <a:endParaRPr b="0" lang="en-US" sz="2400" strike="noStrike" u="none">
               <a:solidFill>
                 <a:srgbClr val="000000"/>
               </a:solidFill>
@@ -25910,7 +25910,7 @@
                 <a:tab algn="l" pos="10058400"/>
               </a:tabLst>
             </a:pPr>
-            <a:endParaRPr b="0" lang="en-MY" sz="2400" strike="noStrike" u="none">
+            <a:endParaRPr b="0" lang="en-US" sz="2400" strike="noStrike" u="none">
               <a:solidFill>
                 <a:srgbClr val="000000"/>
               </a:solidFill>
@@ -25980,7 +25980,7 @@
               </a:rPr>
               <a:t>.</a:t>
             </a:r>
-            <a:endParaRPr b="0" lang="en-MY" sz="2400" strike="noStrike" u="none">
+            <a:endParaRPr b="0" lang="en-US" sz="2400" strike="noStrike" u="none">
               <a:solidFill>
                 <a:srgbClr val="000000"/>
               </a:solidFill>
@@ -26078,7 +26078,7 @@
               </a:rPr>
               <a:t>A simple Java program</a:t>
             </a:r>
-            <a:endParaRPr b="0" lang="en-MY" sz="3200" strike="noStrike" u="none">
+            <a:endParaRPr b="0" lang="en-US" sz="3200" strike="noStrike" u="none">
               <a:solidFill>
                 <a:srgbClr val="000000"/>
               </a:solidFill>
@@ -26152,7 +26152,7 @@
               </a:rPr>
               <a:t>3.  Run The Application</a:t>
             </a:r>
-            <a:endParaRPr b="0" lang="en-MY" sz="2400" strike="noStrike" u="none">
+            <a:endParaRPr b="0" lang="en-US" sz="2400" strike="noStrike" u="none">
               <a:solidFill>
                 <a:srgbClr val="000000"/>
               </a:solidFill>
@@ -26195,7 +26195,7 @@
               </a:rPr>
               <a:t>        Run the application using the command like this; </a:t>
             </a:r>
-            <a:endParaRPr b="0" lang="en-MY" sz="2400" strike="noStrike" u="none">
+            <a:endParaRPr b="0" lang="en-US" sz="2400" strike="noStrike" u="none">
               <a:solidFill>
                 <a:srgbClr val="000000"/>
               </a:solidFill>
@@ -26282,7 +26282,7 @@
               </a:rPr>
               <a:t>java HelloWorldApp</a:t>
             </a:r>
-            <a:endParaRPr b="0" lang="en-MY" sz="2400" strike="noStrike" u="none">
+            <a:endParaRPr b="0" lang="en-US" sz="2400" strike="noStrike" u="none">
               <a:solidFill>
                 <a:srgbClr val="000000"/>
               </a:solidFill>
@@ -26325,7 +26325,7 @@
               </a:rPr>
               <a:t>   </a:t>
             </a:r>
-            <a:endParaRPr b="0" lang="en-MY" sz="2400" strike="noStrike" u="none">
+            <a:endParaRPr b="0" lang="en-US" sz="2400" strike="noStrike" u="none">
               <a:solidFill>
                 <a:srgbClr val="000000"/>
               </a:solidFill>
@@ -26447,7 +26447,7 @@
               </a:rPr>
               <a:t>Follow Up Assignment</a:t>
             </a:r>
-            <a:endParaRPr b="0" lang="en-MY" sz="3200" strike="noStrike" u="none">
+            <a:endParaRPr b="0" lang="en-US" sz="3200" strike="noStrike" u="none">
               <a:solidFill>
                 <a:srgbClr val="000000"/>
               </a:solidFill>
@@ -26533,7 +26533,7 @@
               </a:rPr>
               <a:t>  display the message </a:t>
             </a:r>
-            <a:endParaRPr b="0" lang="en-MY" sz="2400" strike="noStrike" u="none">
+            <a:endParaRPr b="0" lang="en-US" sz="2400" strike="noStrike" u="none">
               <a:solidFill>
                 <a:srgbClr val="000000"/>
               </a:solidFill>
@@ -26559,7 +26559,7 @@
                 <a:tab algn="l" pos="10058400"/>
               </a:tabLst>
             </a:pPr>
-            <a:endParaRPr b="0" lang="en-MY" sz="2400" strike="noStrike" u="none">
+            <a:endParaRPr b="0" lang="en-US" sz="2400" strike="noStrike" u="none">
               <a:solidFill>
                 <a:srgbClr val="000000"/>
               </a:solidFill>
@@ -26607,7 +26607,7 @@
               </a:rPr>
               <a:t>Surely the best Java programmers come from Java!</a:t>
             </a:r>
-            <a:endParaRPr b="0" lang="en-MY" sz="2400" strike="noStrike" u="none">
+            <a:endParaRPr b="0" lang="en-US" sz="2400" strike="noStrike" u="none">
               <a:solidFill>
                 <a:srgbClr val="000000"/>
               </a:solidFill>
@@ -26637,7 +26637,7 @@
                 <a:tab algn="l" pos="10058400"/>
               </a:tabLst>
             </a:pPr>
-            <a:endParaRPr b="0" lang="en-MY" sz="2400" strike="noStrike" u="none">
+            <a:endParaRPr b="0" lang="en-US" sz="2400" strike="noStrike" u="none">
               <a:solidFill>
                 <a:srgbClr val="000000"/>
               </a:solidFill>
@@ -26678,7 +26678,7 @@
               </a:rPr>
               <a:t> Test your application</a:t>
             </a:r>
-            <a:endParaRPr b="0" lang="en-MY" sz="2400" strike="noStrike" u="none">
+            <a:endParaRPr b="0" lang="en-US" sz="2400" strike="noStrike" u="none">
               <a:solidFill>
                 <a:srgbClr val="000000"/>
               </a:solidFill>
@@ -26708,7 +26708,7 @@
                 <a:tab algn="l" pos="10058400"/>
               </a:tabLst>
             </a:pPr>
-            <a:endParaRPr b="0" lang="en-MY" sz="2400" strike="noStrike" u="none">
+            <a:endParaRPr b="0" lang="en-US" sz="2400" strike="noStrike" u="none">
               <a:solidFill>
                 <a:srgbClr val="000000"/>
               </a:solidFill>
@@ -26763,7 +26763,7 @@
               </a:rPr>
               <a:t>  next lesson</a:t>
             </a:r>
-            <a:endParaRPr b="0" lang="en-MY" sz="2400" strike="noStrike" u="none">
+            <a:endParaRPr b="0" lang="en-US" sz="2400" strike="noStrike" u="none">
               <a:solidFill>
                 <a:srgbClr val="000000"/>
               </a:solidFill>
@@ -26793,7 +26793,7 @@
                 <a:tab algn="l" pos="10058400"/>
               </a:tabLst>
             </a:pPr>
-            <a:endParaRPr b="0" lang="en-MY" sz="2400" strike="noStrike" u="none">
+            <a:endParaRPr b="0" lang="en-US" sz="2400" strike="noStrike" u="none">
               <a:solidFill>
                 <a:srgbClr val="000000"/>
               </a:solidFill>
@@ -26819,7 +26819,7 @@
                 <a:tab algn="l" pos="10058400"/>
               </a:tabLst>
             </a:pPr>
-            <a:endParaRPr b="0" lang="en-MY" sz="2400" strike="noStrike" u="none">
+            <a:endParaRPr b="0" lang="en-US" sz="2400" strike="noStrike" u="none">
               <a:solidFill>
                 <a:srgbClr val="000000"/>
               </a:solidFill>
@@ -26909,7 +26909,7 @@
               </a:rPr>
               <a:t>Summary of Main Teaching Points</a:t>
             </a:r>
-            <a:endParaRPr b="0" lang="en-MY" sz="3200" strike="noStrike" u="none">
+            <a:endParaRPr b="0" lang="en-US" sz="3200" strike="noStrike" u="none">
               <a:solidFill>
                 <a:srgbClr val="000000"/>
               </a:solidFill>
@@ -26984,7 +26984,7 @@
               </a:rPr>
               <a:t>What is Java?</a:t>
             </a:r>
-            <a:endParaRPr b="0" lang="en-MY" sz="2800" strike="noStrike" u="none">
+            <a:endParaRPr b="0" lang="en-US" sz="2800" strike="noStrike" u="none">
               <a:solidFill>
                 <a:srgbClr val="000000"/>
               </a:solidFill>
@@ -27027,7 +27027,7 @@
               </a:rPr>
               <a:t>Language comparison</a:t>
             </a:r>
-            <a:endParaRPr b="0" lang="en-MY" sz="1800" strike="noStrike" u="none">
+            <a:endParaRPr b="0" lang="en-US" sz="1800" strike="noStrike" u="none">
               <a:solidFill>
                 <a:srgbClr val="000000"/>
               </a:solidFill>
@@ -27070,7 +27070,7 @@
               </a:rPr>
               <a:t>Platform independence</a:t>
             </a:r>
-            <a:endParaRPr b="0" lang="en-MY" sz="1800" strike="noStrike" u="none">
+            <a:endParaRPr b="0" lang="en-US" sz="1800" strike="noStrike" u="none">
               <a:solidFill>
                 <a:srgbClr val="000000"/>
               </a:solidFill>
@@ -27113,7 +27113,7 @@
               </a:rPr>
               <a:t>Language features</a:t>
             </a:r>
-            <a:endParaRPr b="0" lang="en-MY" sz="1800" strike="noStrike" u="none">
+            <a:endParaRPr b="0" lang="en-US" sz="1800" strike="noStrike" u="none">
               <a:solidFill>
                 <a:srgbClr val="000000"/>
               </a:solidFill>
@@ -27163,7 +27163,7 @@
               </a:rPr>
               <a:t>Simple, secure, muti-threaded, …</a:t>
             </a:r>
-            <a:endParaRPr b="0" lang="en-MY" sz="1800" strike="noStrike" u="none">
+            <a:endParaRPr b="0" lang="en-US" sz="1800" strike="noStrike" u="none">
               <a:solidFill>
                 <a:srgbClr val="000000"/>
               </a:solidFill>
@@ -27207,7 +27207,7 @@
               </a:rPr>
               <a:t>Java and The Internet</a:t>
             </a:r>
-            <a:endParaRPr b="0" lang="en-MY" sz="2800" strike="noStrike" u="none">
+            <a:endParaRPr b="0" lang="en-US" sz="2800" strike="noStrike" u="none">
               <a:solidFill>
                 <a:srgbClr val="000000"/>
               </a:solidFill>
@@ -27246,7 +27246,7 @@
               </a:rPr>
               <a:t>Computing platform base, …</a:t>
             </a:r>
-            <a:endParaRPr b="0" lang="en-MY" sz="1800" strike="noStrike" u="none">
+            <a:endParaRPr b="0" lang="en-US" sz="1800" strike="noStrike" u="none">
               <a:solidFill>
                 <a:srgbClr val="000000"/>
               </a:solidFill>
@@ -27290,7 +27290,7 @@
               </a:rPr>
               <a:t>How Java differs from the C language</a:t>
             </a:r>
-            <a:endParaRPr b="0" lang="en-MY" sz="2800" strike="noStrike" u="none">
+            <a:endParaRPr b="0" lang="en-US" sz="2800" strike="noStrike" u="none">
               <a:solidFill>
                 <a:srgbClr val="000000"/>
               </a:solidFill>
@@ -27329,7 +27329,7 @@
               </a:rPr>
               <a:t>No pointers, no multiple inheritence (C++), …</a:t>
             </a:r>
-            <a:endParaRPr b="0" lang="en-MY" sz="1800" strike="noStrike" u="none">
+            <a:endParaRPr b="0" lang="en-US" sz="1800" strike="noStrike" u="none">
               <a:solidFill>
                 <a:srgbClr val="000000"/>
               </a:solidFill>
@@ -27905,7 +27905,7 @@
               </a:rPr>
               <a:t>Applets and Applications</a:t>
             </a:r>
-            <a:endParaRPr b="0" lang="en-MY" sz="2800" strike="noStrike" u="none">
+            <a:endParaRPr b="0" lang="en-US" sz="2800" strike="noStrike" u="none">
               <a:solidFill>
                 <a:srgbClr val="000000"/>
               </a:solidFill>
@@ -27938,7 +27938,7 @@
                 <a:tab algn="l" pos="10058400"/>
               </a:tabLst>
             </a:pPr>
-            <a:endParaRPr b="0" lang="en-MY" sz="2800" strike="noStrike" u="none">
+            <a:endParaRPr b="0" lang="en-US" sz="2800" strike="noStrike" u="none">
               <a:solidFill>
                 <a:srgbClr val="000000"/>
               </a:solidFill>
@@ -27982,7 +27982,7 @@
               </a:rPr>
               <a:t>The Java Development Kit (JDK)</a:t>
             </a:r>
-            <a:endParaRPr b="0" lang="en-MY" sz="2800" strike="noStrike" u="none">
+            <a:endParaRPr b="0" lang="en-US" sz="2800" strike="noStrike" u="none">
               <a:solidFill>
                 <a:srgbClr val="000000"/>
               </a:solidFill>
@@ -28015,7 +28015,7 @@
                 <a:tab algn="l" pos="10058400"/>
               </a:tabLst>
             </a:pPr>
-            <a:endParaRPr b="0" lang="en-MY" sz="2800" strike="noStrike" u="none">
+            <a:endParaRPr b="0" lang="en-US" sz="2800" strike="noStrike" u="none">
               <a:solidFill>
                 <a:srgbClr val="000000"/>
               </a:solidFill>
@@ -28059,7 +28059,7 @@
               </a:rPr>
               <a:t>A Simple Java Program</a:t>
             </a:r>
-            <a:endParaRPr b="0" lang="en-MY" sz="2800" strike="noStrike" u="none">
+            <a:endParaRPr b="0" lang="en-US" sz="2800" strike="noStrike" u="none">
               <a:solidFill>
                 <a:srgbClr val="000000"/>
               </a:solidFill>
@@ -28092,7 +28092,7 @@
                 <a:tab algn="l" pos="10058400"/>
               </a:tabLst>
             </a:pPr>
-            <a:endParaRPr b="0" lang="en-MY" sz="2800" strike="noStrike" u="none">
+            <a:endParaRPr b="0" lang="en-US" sz="2800" strike="noStrike" u="none">
               <a:solidFill>
                 <a:srgbClr val="000000"/>
               </a:solidFill>
@@ -28136,7 +28136,7 @@
               </a:rPr>
               <a:t>API documentation</a:t>
             </a:r>
-            <a:endParaRPr b="0" lang="en-MY" sz="2800" strike="noStrike" u="none">
+            <a:endParaRPr b="0" lang="en-US" sz="2800" strike="noStrike" u="none">
               <a:solidFill>
                 <a:srgbClr val="000000"/>
               </a:solidFill>
@@ -28169,7 +28169,7 @@
                 <a:tab algn="l" pos="10058400"/>
               </a:tabLst>
             </a:pPr>
-            <a:endParaRPr b="0" lang="en-MY" sz="2800" strike="noStrike" u="none">
+            <a:endParaRPr b="0" lang="en-US" sz="2800" strike="noStrike" u="none">
               <a:solidFill>
                 <a:srgbClr val="000000"/>
               </a:solidFill>
@@ -28237,7 +28237,7 @@
               </a:rPr>
               <a:t>Summary of Main Teaching Points</a:t>
             </a:r>
-            <a:endParaRPr b="0" lang="en-MY" sz="3200" strike="noStrike" u="none">
+            <a:endParaRPr b="0" lang="en-US" sz="3200" strike="noStrike" u="none">
               <a:solidFill>
                 <a:srgbClr val="000000"/>
               </a:solidFill>
@@ -28335,7 +28335,7 @@
               </a:rPr>
               <a:t>Learning Outcomes</a:t>
             </a:r>
-            <a:endParaRPr b="0" lang="en-MY" sz="3200" strike="noStrike" u="none">
+            <a:endParaRPr b="0" lang="en-US" sz="3200" strike="noStrike" u="none">
               <a:solidFill>
                 <a:srgbClr val="000000"/>
               </a:solidFill>
@@ -28406,7 +28406,7 @@
               </a:rPr>
               <a:t>At the end of this topic, you should be able to:</a:t>
             </a:r>
-            <a:endParaRPr b="0" lang="en-MY" sz="2800" strike="noStrike" u="none">
+            <a:endParaRPr b="0" lang="en-US" sz="2800" strike="noStrike" u="none">
               <a:solidFill>
                 <a:srgbClr val="000000"/>
               </a:solidFill>
@@ -28450,7 +28450,7 @@
               </a:rPr>
               <a:t>Explain what Java means</a:t>
             </a:r>
-            <a:endParaRPr b="0" lang="en-MY" sz="2800" strike="noStrike" u="none">
+            <a:endParaRPr b="0" lang="en-US" sz="2800" strike="noStrike" u="none">
               <a:solidFill>
                 <a:srgbClr val="000000"/>
               </a:solidFill>
@@ -28494,7 +28494,7 @@
               </a:rPr>
               <a:t>List the differences between Java and C</a:t>
             </a:r>
-            <a:endParaRPr b="0" lang="en-MY" sz="2800" strike="noStrike" u="none">
+            <a:endParaRPr b="0" lang="en-US" sz="2800" strike="noStrike" u="none">
               <a:solidFill>
                 <a:srgbClr val="000000"/>
               </a:solidFill>
@@ -28538,7 +28538,7 @@
               </a:rPr>
               <a:t>Explain the differences between an applet and an application</a:t>
             </a:r>
-            <a:endParaRPr b="0" lang="en-MY" sz="2800" strike="noStrike" u="none">
+            <a:endParaRPr b="0" lang="en-US" sz="2800" strike="noStrike" u="none">
               <a:solidFill>
                 <a:srgbClr val="000000"/>
               </a:solidFill>
@@ -28582,7 +28582,7 @@
               </a:rPr>
               <a:t>Explain the definition of the various Java commands listed in the JDK</a:t>
             </a:r>
-            <a:endParaRPr b="0" lang="en-MY" sz="2800" strike="noStrike" u="none">
+            <a:endParaRPr b="0" lang="en-US" sz="2800" strike="noStrike" u="none">
               <a:solidFill>
                 <a:srgbClr val="000000"/>
               </a:solidFill>
@@ -28626,7 +28626,7 @@
               </a:rPr>
               <a:t>Write simple Java programs</a:t>
             </a:r>
-            <a:endParaRPr b="0" lang="en-MY" sz="2800" strike="noStrike" u="none">
+            <a:endParaRPr b="0" lang="en-US" sz="2800" strike="noStrike" u="none">
               <a:solidFill>
                 <a:srgbClr val="000000"/>
               </a:solidFill>
@@ -29048,7 +29048,7 @@
               </a:rPr>
               <a:t>Key Terms you must be able to use</a:t>
             </a:r>
-            <a:endParaRPr b="0" lang="en-MY" sz="3200" strike="noStrike" u="none">
+            <a:endParaRPr b="0" lang="en-US" sz="3200" strike="noStrike" u="none">
               <a:solidFill>
                 <a:srgbClr val="000000"/>
               </a:solidFill>
@@ -29138,7 +29138,7 @@
               </a:rPr>
               <a:t>:</a:t>
             </a:r>
-            <a:endParaRPr b="0" lang="en-MY" sz="2400" strike="noStrike" u="none">
+            <a:endParaRPr b="0" lang="en-US" sz="2400" strike="noStrike" u="none">
               <a:solidFill>
                 <a:srgbClr val="000000"/>
               </a:solidFill>
@@ -29164,7 +29164,7 @@
                 <a:tab algn="l" pos="10058400"/>
               </a:tabLst>
             </a:pPr>
-            <a:endParaRPr b="0" lang="en-MY" sz="2400" strike="noStrike" u="none">
+            <a:endParaRPr b="0" lang="en-US" sz="2400" strike="noStrike" u="none">
               <a:solidFill>
                 <a:srgbClr val="000000"/>
               </a:solidFill>
@@ -29234,7 +29234,7 @@
               </a:rPr>
               <a:t>A complete, self-contained program that performs a specific function directly for the user. </a:t>
             </a:r>
-            <a:endParaRPr b="0" lang="en-MY" sz="2400" strike="noStrike" u="none">
+            <a:endParaRPr b="0" lang="en-US" sz="2400" strike="noStrike" u="none">
               <a:solidFill>
                 <a:srgbClr val="000000"/>
               </a:solidFill>
@@ -29260,7 +29260,7 @@
                 <a:tab algn="l" pos="10058400"/>
               </a:tabLst>
             </a:pPr>
-            <a:endParaRPr b="0" lang="en-MY" sz="2400" strike="noStrike" u="none">
+            <a:endParaRPr b="0" lang="en-US" sz="2400" strike="noStrike" u="none">
               <a:solidFill>
                 <a:srgbClr val="000000"/>
               </a:solidFill>
@@ -29399,7 +29399,7 @@
               </a:rPr>
               <a:t>. </a:t>
             </a:r>
-            <a:endParaRPr b="0" lang="en-MY" sz="2400" strike="noStrike" u="none">
+            <a:endParaRPr b="0" lang="en-US" sz="2400" strike="noStrike" u="none">
               <a:solidFill>
                 <a:srgbClr val="000000"/>
               </a:solidFill>
@@ -29425,7 +29425,7 @@
                 <a:tab algn="l" pos="10058400"/>
               </a:tabLst>
             </a:pPr>
-            <a:endParaRPr b="0" lang="en-MY" sz="2400" strike="noStrike" u="none">
+            <a:endParaRPr b="0" lang="en-US" sz="2400" strike="noStrike" u="none">
               <a:solidFill>
                 <a:srgbClr val="000000"/>
               </a:solidFill>
@@ -29790,7 +29790,7 @@
               </a:rPr>
               <a:t>Q &amp; A</a:t>
             </a:r>
-            <a:endParaRPr b="0" lang="en-MY" sz="9600" strike="noStrike" u="none">
+            <a:endParaRPr b="0" lang="en-US" sz="9600" strike="noStrike" u="none">
               <a:solidFill>
                 <a:srgbClr val="000000"/>
               </a:solidFill>
@@ -29858,7 +29858,7 @@
               </a:rPr>
               <a:t>Question and Answer Session</a:t>
             </a:r>
-            <a:endParaRPr b="0" lang="en-MY" sz="3200" strike="noStrike" u="none">
+            <a:endParaRPr b="0" lang="en-US" sz="3200" strike="noStrike" u="none">
               <a:solidFill>
                 <a:srgbClr val="000000"/>
               </a:solidFill>
@@ -29956,7 +29956,7 @@
               </a:rPr>
               <a:t>Next Session</a:t>
             </a:r>
-            <a:endParaRPr b="0" lang="en-MY" sz="3200" strike="noStrike" u="none">
+            <a:endParaRPr b="0" lang="en-US" sz="3200" strike="noStrike" u="none">
               <a:solidFill>
                 <a:srgbClr val="000000"/>
               </a:solidFill>
@@ -30031,7 +30031,7 @@
               </a:rPr>
               <a:t>Overview of</a:t>
             </a:r>
-            <a:endParaRPr b="0" lang="en-MY" sz="2000" strike="noStrike" u="none">
+            <a:endParaRPr b="0" lang="en-US" sz="2000" strike="noStrike" u="none">
               <a:solidFill>
                 <a:srgbClr val="000000"/>
               </a:solidFill>
@@ -30075,7 +30075,7 @@
               </a:rPr>
               <a:t>Identifiers</a:t>
             </a:r>
-            <a:endParaRPr b="0" lang="en-MY" sz="2000" strike="noStrike" u="none">
+            <a:endParaRPr b="0" lang="en-US" sz="2000" strike="noStrike" u="none">
               <a:solidFill>
                 <a:srgbClr val="000000"/>
               </a:solidFill>
@@ -30119,7 +30119,7 @@
               </a:rPr>
               <a:t>Data types</a:t>
             </a:r>
-            <a:endParaRPr b="0" lang="en-MY" sz="2000" strike="noStrike" u="none">
+            <a:endParaRPr b="0" lang="en-US" sz="2000" strike="noStrike" u="none">
               <a:solidFill>
                 <a:srgbClr val="000000"/>
               </a:solidFill>
@@ -30163,7 +30163,7 @@
               </a:rPr>
               <a:t>Operators</a:t>
             </a:r>
-            <a:endParaRPr b="0" lang="en-MY" sz="2000" strike="noStrike" u="none">
+            <a:endParaRPr b="0" lang="en-US" sz="2000" strike="noStrike" u="none">
               <a:solidFill>
                 <a:srgbClr val="000000"/>
               </a:solidFill>
@@ -30207,7 +30207,7 @@
               </a:rPr>
               <a:t>Expressions</a:t>
             </a:r>
-            <a:endParaRPr b="0" lang="en-MY" sz="2000" strike="noStrike" u="none">
+            <a:endParaRPr b="0" lang="en-US" sz="2000" strike="noStrike" u="none">
               <a:solidFill>
                 <a:srgbClr val="000000"/>
               </a:solidFill>
@@ -30236,7 +30236,7 @@
                 <a:tab algn="l" pos="10058400"/>
               </a:tabLst>
             </a:pPr>
-            <a:endParaRPr b="0" lang="en-MY" sz="2000" strike="noStrike" u="none">
+            <a:endParaRPr b="0" lang="en-US" sz="2000" strike="noStrike" u="none">
               <a:solidFill>
                 <a:srgbClr val="000000"/>
               </a:solidFill>
@@ -30269,7 +30269,7 @@
                 <a:tab algn="l" pos="10058400"/>
               </a:tabLst>
             </a:pPr>
-            <a:endParaRPr b="0" lang="en-MY" sz="2000" strike="noStrike" u="none">
+            <a:endParaRPr b="0" lang="en-US" sz="2000" strike="noStrike" u="none">
               <a:solidFill>
                 <a:srgbClr val="000000"/>
               </a:solidFill>
@@ -30302,7 +30302,7 @@
                 <a:tab algn="l" pos="10058400"/>
               </a:tabLst>
             </a:pPr>
-            <a:endParaRPr b="0" lang="en-MY" sz="2000" strike="noStrike" u="none">
+            <a:endParaRPr b="0" lang="en-US" sz="2000" strike="noStrike" u="none">
               <a:solidFill>
                 <a:srgbClr val="000000"/>
               </a:solidFill>
@@ -30392,7 +30392,7 @@
               </a:rPr>
               <a:t>Key Terms you must be able to use</a:t>
             </a:r>
-            <a:endParaRPr b="0" lang="en-MY" sz="3200" strike="noStrike" u="none">
+            <a:endParaRPr b="0" lang="en-US" sz="3200" strike="noStrike" u="none">
               <a:solidFill>
                 <a:srgbClr val="000000"/>
               </a:solidFill>
@@ -30482,7 +30482,7 @@
               </a:rPr>
               <a:t>:</a:t>
             </a:r>
-            <a:endParaRPr b="0" lang="en-MY" sz="2400" strike="noStrike" u="none">
+            <a:endParaRPr b="0" lang="en-US" sz="2400" strike="noStrike" u="none">
               <a:solidFill>
                 <a:srgbClr val="000000"/>
               </a:solidFill>
@@ -30508,7 +30508,7 @@
                 <a:tab algn="l" pos="10058400"/>
               </a:tabLst>
             </a:pPr>
-            <a:endParaRPr b="0" lang="en-MY" sz="2400" strike="noStrike" u="none">
+            <a:endParaRPr b="0" lang="en-US" sz="2400" strike="noStrike" u="none">
               <a:solidFill>
                 <a:srgbClr val="000000"/>
               </a:solidFill>
@@ -30556,7 +30556,7 @@
               </a:rPr>
               <a:t> - the hardware / software environment in which a program runs.</a:t>
             </a:r>
-            <a:endParaRPr b="0" lang="en-MY" sz="2400" strike="noStrike" u="none">
+            <a:endParaRPr b="0" lang="en-US" sz="2400" strike="noStrike" u="none">
               <a:solidFill>
                 <a:srgbClr val="000000"/>
               </a:solidFill>
@@ -30582,7 +30582,7 @@
                 <a:tab algn="l" pos="10058400"/>
               </a:tabLst>
             </a:pPr>
-            <a:endParaRPr b="0" lang="en-MY" sz="2400" strike="noStrike" u="none">
+            <a:endParaRPr b="0" lang="en-US" sz="2400" strike="noStrike" u="none">
               <a:solidFill>
                 <a:srgbClr val="000000"/>
               </a:solidFill>
@@ -30652,7 +30652,7 @@
               </a:rPr>
               <a:t> that runs on top of other, hardware-based platforms.</a:t>
             </a:r>
-            <a:endParaRPr b="0" lang="en-MY" sz="2400" strike="noStrike" u="none">
+            <a:endParaRPr b="0" lang="en-US" sz="2400" strike="noStrike" u="none">
               <a:solidFill>
                 <a:srgbClr val="000000"/>
               </a:solidFill>
@@ -30963,7 +30963,7 @@
               </a:rPr>
               <a:t>Key Terms you must be able to use</a:t>
             </a:r>
-            <a:endParaRPr b="0" lang="en-MY" sz="3200" strike="noStrike" u="none">
+            <a:endParaRPr b="0" lang="en-US" sz="3200" strike="noStrike" u="none">
               <a:solidFill>
                 <a:srgbClr val="000000"/>
               </a:solidFill>
@@ -31037,7 +31037,7 @@
               </a:rPr>
               <a:t>Java Virtual Machine (Java VM)</a:t>
             </a:r>
-            <a:endParaRPr b="0" lang="en-MY" sz="2400" strike="noStrike" u="none">
+            <a:endParaRPr b="0" lang="en-US" sz="2400" strike="noStrike" u="none">
               <a:solidFill>
                 <a:srgbClr val="000000"/>
               </a:solidFill>
@@ -31073,7 +31073,7 @@
                 <a:tab algn="l" pos="10058400"/>
               </a:tabLst>
             </a:pPr>
-            <a:endParaRPr b="0" lang="en-MY" sz="2400" strike="noStrike" u="none">
+            <a:endParaRPr b="0" lang="en-US" sz="2400" strike="noStrike" u="none">
               <a:solidFill>
                 <a:srgbClr val="000000"/>
               </a:solidFill>
@@ -31142,7 +31142,7 @@
               </a:rPr>
               <a:t> including instruction set, register set, class file format, stack, garbage collected memory heap &amp; memory area</a:t>
             </a:r>
-            <a:endParaRPr b="0" lang="en-MY" sz="2400" strike="noStrike" u="none">
+            <a:endParaRPr b="0" lang="en-US" sz="2400" strike="noStrike" u="none">
               <a:solidFill>
                 <a:srgbClr val="000000"/>
               </a:solidFill>
@@ -31178,7 +31178,7 @@
                 <a:tab algn="l" pos="10058400"/>
               </a:tabLst>
             </a:pPr>
-            <a:endParaRPr b="0" lang="en-MY" sz="2400" strike="noStrike" u="none">
+            <a:endParaRPr b="0" lang="en-US" sz="2400" strike="noStrike" u="none">
               <a:solidFill>
                 <a:srgbClr val="000000"/>
               </a:solidFill>
@@ -31269,7 +31269,7 @@
               </a:rPr>
               <a:t> that can run Java applets is an implementation of Java VM.</a:t>
             </a:r>
-            <a:endParaRPr b="0" lang="en-MY" sz="2400" strike="noStrike" u="none">
+            <a:endParaRPr b="0" lang="en-US" sz="2400" strike="noStrike" u="none">
               <a:solidFill>
                 <a:srgbClr val="000000"/>
               </a:solidFill>
@@ -31305,7 +31305,7 @@
                 <a:tab algn="l" pos="10058400"/>
               </a:tabLst>
             </a:pPr>
-            <a:endParaRPr b="0" lang="en-MY" sz="2400" strike="noStrike" u="none">
+            <a:endParaRPr b="0" lang="en-US" sz="2400" strike="noStrike" u="none">
               <a:solidFill>
                 <a:srgbClr val="000000"/>
               </a:solidFill>
@@ -31580,7 +31580,7 @@
               </a:rPr>
               <a:t>Key Terms you must be able to use</a:t>
             </a:r>
-            <a:endParaRPr b="0" lang="en-MY" sz="3200" strike="noStrike" u="none">
+            <a:endParaRPr b="0" lang="en-US" sz="3200" strike="noStrike" u="none">
               <a:solidFill>
                 <a:srgbClr val="000000"/>
               </a:solidFill>
@@ -31654,7 +31654,7 @@
               </a:rPr>
               <a:t>Java Application Programming Interface (Java API)</a:t>
             </a:r>
-            <a:endParaRPr b="0" lang="en-MY" sz="2400" strike="noStrike" u="none">
+            <a:endParaRPr b="0" lang="en-US" sz="2400" strike="noStrike" u="none">
               <a:solidFill>
                 <a:srgbClr val="000000"/>
               </a:solidFill>
@@ -31690,7 +31690,7 @@
                 <a:tab algn="l" pos="10058400"/>
               </a:tabLst>
             </a:pPr>
-            <a:endParaRPr b="0" lang="en-MY" sz="2400" strike="noStrike" u="none">
+            <a:endParaRPr b="0" lang="en-US" sz="2400" strike="noStrike" u="none">
               <a:solidFill>
                 <a:srgbClr val="000000"/>
               </a:solidFill>
@@ -31737,7 +31737,7 @@
               </a:rPr>
               <a:t>A large collection of ready-made software components that provide many useful capabilities such as graphical user interface (GUI) widgets.</a:t>
             </a:r>
-            <a:endParaRPr b="0" lang="en-MY" sz="2400" strike="noStrike" u="none">
+            <a:endParaRPr b="0" lang="en-US" sz="2400" strike="noStrike" u="none">
               <a:solidFill>
                 <a:srgbClr val="000000"/>
               </a:solidFill>
@@ -31773,7 +31773,7 @@
                 <a:tab algn="l" pos="10058400"/>
               </a:tabLst>
             </a:pPr>
-            <a:endParaRPr b="0" lang="en-MY" sz="2400" strike="noStrike" u="none">
+            <a:endParaRPr b="0" lang="en-US" sz="2400" strike="noStrike" u="none">
               <a:solidFill>
                 <a:srgbClr val="000000"/>
               </a:solidFill>
@@ -31842,7 +31842,7 @@
               </a:rPr>
               <a:t> of related components</a:t>
             </a:r>
-            <a:endParaRPr b="0" lang="en-MY" sz="2400" strike="noStrike" u="none">
+            <a:endParaRPr b="0" lang="en-US" sz="2400" strike="noStrike" u="none">
               <a:solidFill>
                 <a:srgbClr val="000000"/>
               </a:solidFill>
@@ -31878,7 +31878,7 @@
                 <a:tab algn="l" pos="10058400"/>
               </a:tabLst>
             </a:pPr>
-            <a:endParaRPr b="0" lang="en-MY" sz="2400" strike="noStrike" u="none">
+            <a:endParaRPr b="0" lang="en-US" sz="2400" strike="noStrike" u="none">
               <a:solidFill>
                 <a:srgbClr val="000000"/>
               </a:solidFill>
@@ -32153,7 +32153,7 @@
               </a:rPr>
               <a:t>What is Java?</a:t>
             </a:r>
-            <a:endParaRPr b="0" lang="en-MY" sz="3200" strike="noStrike" u="none">
+            <a:endParaRPr b="0" lang="en-US" sz="3200" strike="noStrike" u="none">
               <a:solidFill>
                 <a:srgbClr val="000000"/>
               </a:solidFill>
@@ -32221,7 +32221,7 @@
               </a:rPr>
               <a:t>Let us examine what Java is in terms of </a:t>
             </a:r>
-            <a:endParaRPr b="0" lang="en-MY" sz="2400" strike="noStrike" u="none">
+            <a:endParaRPr b="0" lang="en-US" sz="2400" strike="noStrike" u="none">
               <a:solidFill>
                 <a:srgbClr val="000000"/>
               </a:solidFill>
@@ -32251,7 +32251,7 @@
                 <a:tab algn="l" pos="10058400"/>
               </a:tabLst>
             </a:pPr>
-            <a:endParaRPr b="0" lang="en-MY" sz="2400" strike="noStrike" u="none">
+            <a:endParaRPr b="0" lang="en-US" sz="2400" strike="noStrike" u="none">
               <a:solidFill>
                 <a:srgbClr val="000000"/>
               </a:solidFill>
@@ -32292,7 +32292,7 @@
               </a:rPr>
               <a:t>Language comparison</a:t>
             </a:r>
-            <a:endParaRPr b="0" lang="en-MY" sz="2400" strike="noStrike" u="none">
+            <a:endParaRPr b="0" lang="en-US" sz="2400" strike="noStrike" u="none">
               <a:solidFill>
                 <a:srgbClr val="000000"/>
               </a:solidFill>
@@ -32322,7 +32322,7 @@
                 <a:tab algn="l" pos="10058400"/>
               </a:tabLst>
             </a:pPr>
-            <a:endParaRPr b="0" lang="en-MY" sz="2400" strike="noStrike" u="none">
+            <a:endParaRPr b="0" lang="en-US" sz="2400" strike="noStrike" u="none">
               <a:solidFill>
                 <a:srgbClr val="000000"/>
               </a:solidFill>
@@ -32363,7 +32363,7 @@
               </a:rPr>
               <a:t>Platform independence</a:t>
             </a:r>
-            <a:endParaRPr b="0" lang="en-MY" sz="2400" strike="noStrike" u="none">
+            <a:endParaRPr b="0" lang="en-US" sz="2400" strike="noStrike" u="none">
               <a:solidFill>
                 <a:srgbClr val="000000"/>
               </a:solidFill>
@@ -32393,7 +32393,7 @@
                 <a:tab algn="l" pos="10058400"/>
               </a:tabLst>
             </a:pPr>
-            <a:endParaRPr b="0" lang="en-MY" sz="2400" strike="noStrike" u="none">
+            <a:endParaRPr b="0" lang="en-US" sz="2400" strike="noStrike" u="none">
               <a:solidFill>
                 <a:srgbClr val="000000"/>
               </a:solidFill>
@@ -32434,7 +32434,7 @@
               </a:rPr>
               <a:t>Language features</a:t>
             </a:r>
-            <a:endParaRPr b="0" lang="en-MY" sz="2400" strike="noStrike" u="none">
+            <a:endParaRPr b="0" lang="en-US" sz="2400" strike="noStrike" u="none">
               <a:solidFill>
                 <a:srgbClr val="000000"/>
               </a:solidFill>
@@ -32806,7 +32806,7 @@
               </a:rPr>
               <a:t>What is Java?</a:t>
             </a:r>
-            <a:endParaRPr b="0" lang="en-MY" sz="3200" strike="noStrike" u="none">
+            <a:endParaRPr b="0" lang="en-US" sz="3200" strike="noStrike" u="none">
               <a:solidFill>
                 <a:srgbClr val="000000"/>
               </a:solidFill>
@@ -32883,7 +32883,7 @@
                   <a:tab algn="l" pos="10058400"/>
                 </a:tabLst>
               </a:pPr>
-              <a:endParaRPr b="0" lang="en-MY" sz="2400" strike="noStrike" u="none">
+              <a:endParaRPr b="0" lang="en-US" sz="2400" strike="noStrike" u="none">
                 <a:solidFill>
                   <a:srgbClr val="000000"/>
                 </a:solidFill>
@@ -32970,7 +32970,7 @@
                 </a:rPr>
                 <a:t>C++</a:t>
               </a:r>
-              <a:endParaRPr b="0" lang="en-MY" sz="2400" strike="noStrike" u="none">
+              <a:endParaRPr b="0" lang="en-US" sz="2400" strike="noStrike" u="none">
                 <a:solidFill>
                   <a:srgbClr val="000000"/>
                 </a:solidFill>
@@ -33035,7 +33035,7 @@
                 </a:rPr>
                 <a:t>Powerful  systems language.</a:t>
               </a:r>
-              <a:endParaRPr b="0" lang="en-MY" sz="2400" strike="noStrike" u="none">
+              <a:endParaRPr b="0" lang="en-US" sz="2400" strike="noStrike" u="none">
                 <a:solidFill>
                   <a:srgbClr val="000000"/>
                 </a:solidFill>
@@ -33078,7 +33078,7 @@
                 </a:rPr>
                 <a:t>Secure type-checking.        Familiar to many  programmers.</a:t>
               </a:r>
-              <a:endParaRPr b="0" lang="en-MY" sz="2400" strike="noStrike" u="none">
+              <a:endParaRPr b="0" lang="en-US" sz="2400" strike="noStrike" u="none">
                 <a:solidFill>
                   <a:srgbClr val="000000"/>
                 </a:solidFill>
@@ -33110,7 +33110,7 @@
                   <a:tab algn="l" pos="10058400"/>
                 </a:tabLst>
               </a:pPr>
-              <a:endParaRPr b="0" lang="en-MY" sz="2400" strike="noStrike" u="none">
+              <a:endParaRPr b="0" lang="en-US" sz="2400" strike="noStrike" u="none">
                 <a:solidFill>
                   <a:srgbClr val="000000"/>
                 </a:solidFill>
@@ -33142,7 +33142,7 @@
                   <a:tab algn="l" pos="10058400"/>
                 </a:tabLst>
               </a:pPr>
-              <a:endParaRPr b="0" lang="en-MY" sz="2400" strike="noStrike" u="none">
+              <a:endParaRPr b="0" lang="en-US" sz="2400" strike="noStrike" u="none">
                 <a:solidFill>
                   <a:srgbClr val="000000"/>
                 </a:solidFill>
@@ -33196,7 +33196,7 @@
                 </a:rPr>
                 <a:t>	</a:t>
               </a:r>
-              <a:endParaRPr b="0" lang="en-MY" sz="2400" strike="noStrike" u="none">
+              <a:endParaRPr b="0" lang="en-US" sz="2400" strike="noStrike" u="none">
                 <a:solidFill>
                   <a:srgbClr val="000000"/>
                 </a:solidFill>
@@ -33283,7 +33283,7 @@
                 </a:rPr>
                 <a:t>JAVA</a:t>
               </a:r>
-              <a:endParaRPr b="0" lang="en-MY" sz="2400" strike="noStrike" u="none">
+              <a:endParaRPr b="0" lang="en-US" sz="2400" strike="noStrike" u="none">
                 <a:solidFill>
                   <a:srgbClr val="000000"/>
                 </a:solidFill>
@@ -33326,7 +33326,7 @@
                 </a:rPr>
                 <a:t>    ( Combines the best of both, leaving out the difficulties) </a:t>
               </a:r>
-              <a:endParaRPr b="0" lang="en-MY" sz="2400" strike="noStrike" u="none">
+              <a:endParaRPr b="0" lang="en-US" sz="2400" strike="noStrike" u="none">
                 <a:solidFill>
                   <a:srgbClr val="000000"/>
                 </a:solidFill>
@@ -33370,7 +33370,7 @@
               <a:noAutofit/>
             </a:bodyPr>
             <a:p>
-              <a:endParaRPr b="0" lang="en-MY" sz="1800" strike="noStrike" u="none">
+              <a:endParaRPr b="0" lang="en-US" sz="1800" strike="noStrike" u="none">
                 <a:solidFill>
                   <a:srgbClr val="000000"/>
                 </a:solidFill>
@@ -33414,7 +33414,7 @@
               <a:noAutofit/>
             </a:bodyPr>
             <a:p>
-              <a:endParaRPr b="0" lang="en-MY" sz="1800" strike="noStrike" u="none">
+              <a:endParaRPr b="0" lang="en-US" sz="1800" strike="noStrike" u="none">
                 <a:solidFill>
                   <a:srgbClr val="000000"/>
                 </a:solidFill>
@@ -33486,7 +33486,7 @@
               </a:rPr>
               <a:t>Language comparison</a:t>
             </a:r>
-            <a:endParaRPr b="0" lang="en-MY" sz="2400" strike="noStrike" u="none">
+            <a:endParaRPr b="0" lang="en-US" sz="2400" strike="noStrike" u="none">
               <a:solidFill>
                 <a:srgbClr val="000000"/>
               </a:solidFill>

--- a/slides/Lecture 01.pptx
+++ b/slides/Lecture 01.pptx
@@ -447,7 +447,7 @@
                 <a:tab algn="l" pos="10058400"/>
               </a:tabLst>
             </a:pPr>
-            <a:fld id="{1CD1EF97-6A84-4822-9196-CF8435C3AD32}" type="slidenum">
+            <a:fld id="{30D5CD8E-9F02-44AA-8955-A91D2D69E927}" type="slidenum">
               <a:rPr b="0" lang="en-US" sz="1200" strike="noStrike" u="none">
                 <a:solidFill>
                   <a:srgbClr val="000000"/>
@@ -538,7 +538,7 @@
                 <a:tab algn="l" pos="10058400"/>
               </a:tabLst>
             </a:pPr>
-            <a:fld id="{CAC1FFA3-135E-49E1-9BA5-0D04DC75F9E0}" type="slidenum">
+            <a:fld id="{279B93DD-D890-4821-B12E-EF1DA19D8976}" type="slidenum">
               <a:rPr b="0" lang="en-US" sz="1200" strike="noStrike" u="none">
                 <a:solidFill>
                   <a:srgbClr val="000000"/>
@@ -710,7 +710,7 @@
                 <a:tab algn="l" pos="10058400"/>
               </a:tabLst>
             </a:pPr>
-            <a:fld id="{B27DEC0D-0379-4347-9F08-39EB2A6C0721}" type="slidenum">
+            <a:fld id="{64128445-6E61-47D8-BCD6-0EC8B00B1384}" type="slidenum">
               <a:rPr b="0" lang="en-US" sz="1200" strike="noStrike" u="none">
                 <a:solidFill>
                   <a:srgbClr val="000000"/>
@@ -882,7 +882,7 @@
                 <a:tab algn="l" pos="10058400"/>
               </a:tabLst>
             </a:pPr>
-            <a:fld id="{723A8EEB-B7CA-44D5-A997-78CD8EC588B8}" type="slidenum">
+            <a:fld id="{DD7C5176-E41F-4E54-BED8-F21AFE9D00CE}" type="slidenum">
               <a:rPr b="0" lang="en-US" sz="1200" strike="noStrike" u="none">
                 <a:solidFill>
                   <a:srgbClr val="000000"/>
@@ -1054,7 +1054,7 @@
                 <a:tab algn="l" pos="10058400"/>
               </a:tabLst>
             </a:pPr>
-            <a:fld id="{3A85951A-B67E-4EC3-AE0D-85BCD9FCE911}" type="slidenum">
+            <a:fld id="{20DD01F8-B9F5-4DDE-8909-DFE7578EFE26}" type="slidenum">
               <a:rPr b="0" lang="en-US" sz="1200" strike="noStrike" u="none">
                 <a:solidFill>
                   <a:srgbClr val="000000"/>
@@ -1226,7 +1226,7 @@
                 <a:tab algn="l" pos="10058400"/>
               </a:tabLst>
             </a:pPr>
-            <a:fld id="{E144AC39-737A-4474-AA00-062D8C1C5569}" type="slidenum">
+            <a:fld id="{8D23B526-734E-456D-A021-A0C981CEB96D}" type="slidenum">
               <a:rPr b="0" lang="en-US" sz="1200" strike="noStrike" u="none">
                 <a:solidFill>
                   <a:srgbClr val="000000"/>
@@ -1398,7 +1398,7 @@
                 <a:tab algn="l" pos="10058400"/>
               </a:tabLst>
             </a:pPr>
-            <a:fld id="{7E701FBE-446F-481C-AB8D-C541FF944613}" type="slidenum">
+            <a:fld id="{BEE3AD06-D8AC-404A-AC4A-58A000D20FA0}" type="slidenum">
               <a:rPr b="0" lang="en-US" sz="1200" strike="noStrike" u="none">
                 <a:solidFill>
                   <a:srgbClr val="000000"/>
@@ -1570,7 +1570,7 @@
                 <a:tab algn="l" pos="10058400"/>
               </a:tabLst>
             </a:pPr>
-            <a:fld id="{FA1633AF-5ED4-4F56-9DD4-97BF2EA07C90}" type="slidenum">
+            <a:fld id="{6219BEF2-59CD-4FBF-91A0-04F27C255E79}" type="slidenum">
               <a:rPr b="0" lang="en-US" sz="1200" strike="noStrike" u="none">
                 <a:solidFill>
                   <a:srgbClr val="000000"/>
@@ -1742,7 +1742,7 @@
                 <a:tab algn="l" pos="10058400"/>
               </a:tabLst>
             </a:pPr>
-            <a:fld id="{2EB66812-0B4D-4BE6-B695-B976CA286FCC}" type="slidenum">
+            <a:fld id="{BC6BAF25-CAD8-4EA0-ABC4-D8BD3063D029}" type="slidenum">
               <a:rPr b="0" lang="en-US" sz="1200" strike="noStrike" u="none">
                 <a:solidFill>
                   <a:srgbClr val="000000"/>
@@ -1914,7 +1914,7 @@
                 <a:tab algn="l" pos="10058400"/>
               </a:tabLst>
             </a:pPr>
-            <a:fld id="{812C08E7-D1B6-4DFA-AB23-DE326A78CCD5}" type="slidenum">
+            <a:fld id="{ECF5CF85-17BC-4ED5-9BB2-FEDA1E8C1C59}" type="slidenum">
               <a:rPr b="0" lang="en-US" sz="1200" strike="noStrike" u="none">
                 <a:solidFill>
                   <a:srgbClr val="000000"/>
@@ -2086,7 +2086,7 @@
                 <a:tab algn="l" pos="10058400"/>
               </a:tabLst>
             </a:pPr>
-            <a:fld id="{6A62EB30-3B8B-4E3D-A8A2-889CEDEFC990}" type="slidenum">
+            <a:fld id="{59EFC83D-5F21-42F0-94F9-4528666B8DA8}" type="slidenum">
               <a:rPr b="0" lang="en-US" sz="1200" strike="noStrike" u="none">
                 <a:solidFill>
                   <a:srgbClr val="000000"/>
@@ -2258,7 +2258,7 @@
                 <a:tab algn="l" pos="10058400"/>
               </a:tabLst>
             </a:pPr>
-            <a:fld id="{9BB828AC-5C00-45C1-ADEB-505E4A917A87}" type="slidenum">
+            <a:fld id="{F63B9DD5-DEB2-45A2-825F-83D00760BF6A}" type="slidenum">
               <a:rPr b="0" lang="en-US" sz="1200" strike="noStrike" u="none">
                 <a:solidFill>
                   <a:srgbClr val="000000"/>
@@ -2430,7 +2430,7 @@
                 <a:tab algn="l" pos="10058400"/>
               </a:tabLst>
             </a:pPr>
-            <a:fld id="{773F57F6-E9AA-46C9-8735-8F73E65116A9}" type="slidenum">
+            <a:fld id="{AF3DE5A5-E37D-498C-A376-8FB0B32DC29D}" type="slidenum">
               <a:rPr b="0" lang="en-US" sz="1200" strike="noStrike" u="none">
                 <a:solidFill>
                   <a:srgbClr val="000000"/>
@@ -2602,7 +2602,7 @@
                 <a:tab algn="l" pos="10058400"/>
               </a:tabLst>
             </a:pPr>
-            <a:fld id="{D3FCABAF-E602-476E-8787-F167811A766F}" type="slidenum">
+            <a:fld id="{8F0A2DAD-ED01-40EE-A87E-B797A43DA186}" type="slidenum">
               <a:rPr b="0" lang="en-US" sz="1200" strike="noStrike" u="none">
                 <a:solidFill>
                   <a:srgbClr val="000000"/>
@@ -2774,7 +2774,7 @@
                 <a:tab algn="l" pos="10058400"/>
               </a:tabLst>
             </a:pPr>
-            <a:fld id="{06C0A35E-BB6B-4A92-900D-04A422AFACEA}" type="slidenum">
+            <a:fld id="{2F4B7F15-319F-41BB-B327-E7F94AD5359C}" type="slidenum">
               <a:rPr b="0" lang="en-US" sz="1200" strike="noStrike" u="none">
                 <a:solidFill>
                   <a:srgbClr val="000000"/>
@@ -2946,7 +2946,7 @@
                 <a:tab algn="l" pos="10058400"/>
               </a:tabLst>
             </a:pPr>
-            <a:fld id="{2AAE066C-B82F-48D5-A1B3-4E5B9038D213}" type="slidenum">
+            <a:fld id="{1F37CC30-B398-4DFC-89AF-0ABA8F4A7F96}" type="slidenum">
               <a:rPr b="0" lang="en-US" sz="1200" strike="noStrike" u="none">
                 <a:solidFill>
                   <a:srgbClr val="000000"/>
@@ -3118,7 +3118,7 @@
                 <a:tab algn="l" pos="10058400"/>
               </a:tabLst>
             </a:pPr>
-            <a:fld id="{25EE5D81-1569-4650-8E1C-B3491AA64FB0}" type="slidenum">
+            <a:fld id="{1FCD055E-8665-4E30-A793-F9F699EE2AAD}" type="slidenum">
               <a:rPr b="0" lang="en-US" sz="1200" strike="noStrike" u="none">
                 <a:solidFill>
                   <a:srgbClr val="000000"/>
@@ -3290,7 +3290,7 @@
                 <a:tab algn="l" pos="10058400"/>
               </a:tabLst>
             </a:pPr>
-            <a:fld id="{AC8B3305-576A-4CFE-B9D5-E3E39956A9E4}" type="slidenum">
+            <a:fld id="{BE4C11C0-C018-43DE-B7FB-6425648EECA9}" type="slidenum">
               <a:rPr b="0" lang="en-US" sz="1200" strike="noStrike" u="none">
                 <a:solidFill>
                   <a:srgbClr val="000000"/>
@@ -3462,7 +3462,7 @@
                 <a:tab algn="l" pos="10058400"/>
               </a:tabLst>
             </a:pPr>
-            <a:fld id="{954B67A7-D59A-44D1-B21C-AAACEAD8B557}" type="slidenum">
+            <a:fld id="{159109B2-9A07-4C9C-ACE6-4E958B5431AD}" type="slidenum">
               <a:rPr b="0" lang="en-US" sz="1200" strike="noStrike" u="none">
                 <a:solidFill>
                   <a:srgbClr val="000000"/>
@@ -3634,7 +3634,7 @@
                 <a:tab algn="l" pos="10058400"/>
               </a:tabLst>
             </a:pPr>
-            <a:fld id="{630CCCAC-4581-4716-BC0F-E1F825329764}" type="slidenum">
+            <a:fld id="{DF652345-DFB5-4AF9-9939-C93414701279}" type="slidenum">
               <a:rPr b="0" lang="en-US" sz="1200" strike="noStrike" u="none">
                 <a:solidFill>
                   <a:srgbClr val="000000"/>
@@ -3806,7 +3806,7 @@
                 <a:tab algn="l" pos="10058400"/>
               </a:tabLst>
             </a:pPr>
-            <a:fld id="{0EDDA877-D45E-4340-B994-68C145DC78CD}" type="slidenum">
+            <a:fld id="{AB32C63E-A0C8-41C8-B67D-9138DA93F6BA}" type="slidenum">
               <a:rPr b="0" lang="en-US" sz="1200" strike="noStrike" u="none">
                 <a:solidFill>
                   <a:srgbClr val="000000"/>
@@ -3978,7 +3978,7 @@
                 <a:tab algn="l" pos="10058400"/>
               </a:tabLst>
             </a:pPr>
-            <a:fld id="{5E0DC9E7-4668-4471-A0E8-AC22481FDA94}" type="slidenum">
+            <a:fld id="{49C987AE-BFB0-4FAD-B0BD-920AB2874C91}" type="slidenum">
               <a:rPr b="0" lang="en-US" sz="1200" strike="noStrike" u="none">
                 <a:solidFill>
                   <a:srgbClr val="000000"/>
@@ -4150,7 +4150,7 @@
                 <a:tab algn="l" pos="10058400"/>
               </a:tabLst>
             </a:pPr>
-            <a:fld id="{2EC377E9-A706-4470-AE40-CC2634F3DC3A}" type="slidenum">
+            <a:fld id="{DF239ED5-FBD4-4257-AD50-72991AE28805}" type="slidenum">
               <a:rPr b="0" lang="en-US" sz="1200" strike="noStrike" u="none">
                 <a:solidFill>
                   <a:srgbClr val="000000"/>
@@ -4322,7 +4322,7 @@
                 <a:tab algn="l" pos="10058400"/>
               </a:tabLst>
             </a:pPr>
-            <a:fld id="{BC224A8C-C97F-4F4C-883C-27A04BF54A62}" type="slidenum">
+            <a:fld id="{2BA13A92-7B32-4A16-8694-581EB5BBCCE4}" type="slidenum">
               <a:rPr b="0" lang="en-US" sz="1200" strike="noStrike" u="none">
                 <a:solidFill>
                   <a:srgbClr val="000000"/>
@@ -4494,7 +4494,7 @@
                 <a:tab algn="l" pos="10058400"/>
               </a:tabLst>
             </a:pPr>
-            <a:fld id="{16DC37F4-0A6E-44E9-AB82-A65CA475837A}" type="slidenum">
+            <a:fld id="{073B4E43-F59E-4C6E-AA3C-5F704AB8CFD9}" type="slidenum">
               <a:rPr b="0" lang="en-US" sz="1200" strike="noStrike" u="none">
                 <a:solidFill>
                   <a:srgbClr val="000000"/>
@@ -4666,7 +4666,7 @@
                 <a:tab algn="l" pos="10058400"/>
               </a:tabLst>
             </a:pPr>
-            <a:fld id="{E9CBEAFC-3BE4-4C04-8401-77FC852A6AF8}" type="slidenum">
+            <a:fld id="{74F3C59F-582F-44E1-B6B2-946FCC1F70BE}" type="slidenum">
               <a:rPr b="0" lang="en-US" sz="1200" strike="noStrike" u="none">
                 <a:solidFill>
                   <a:srgbClr val="000000"/>
@@ -4838,7 +4838,7 @@
                 <a:tab algn="l" pos="10058400"/>
               </a:tabLst>
             </a:pPr>
-            <a:fld id="{7CE51986-078B-415C-B051-F6D388437FC8}" type="slidenum">
+            <a:fld id="{698277EB-8649-45F5-8C13-F652B87D233B}" type="slidenum">
               <a:rPr b="0" lang="en-US" sz="1200" strike="noStrike" u="none">
                 <a:solidFill>
                   <a:srgbClr val="000000"/>
@@ -5010,7 +5010,7 @@
                 <a:tab algn="l" pos="10058400"/>
               </a:tabLst>
             </a:pPr>
-            <a:fld id="{E6777DD6-9FE9-4AEB-8380-0E2DD27043B6}" type="slidenum">
+            <a:fld id="{D636462C-B1D6-4E55-A24E-34BA3B81D87B}" type="slidenum">
               <a:rPr b="0" lang="en-US" sz="1200" strike="noStrike" u="none">
                 <a:solidFill>
                   <a:srgbClr val="000000"/>
@@ -5182,7 +5182,7 @@
                 <a:tab algn="l" pos="10058400"/>
               </a:tabLst>
             </a:pPr>
-            <a:fld id="{D2C05919-D04A-46E9-BFB4-451DE985F92F}" type="slidenum">
+            <a:fld id="{2E58497D-4228-4F06-B3A2-ED7DA86B4552}" type="slidenum">
               <a:rPr b="0" lang="en-US" sz="1200" strike="noStrike" u="none">
                 <a:solidFill>
                   <a:srgbClr val="000000"/>
@@ -5354,7 +5354,7 @@
                 <a:tab algn="l" pos="10058400"/>
               </a:tabLst>
             </a:pPr>
-            <a:fld id="{C08C4B96-8FE4-46EA-9955-A70979A67B7D}" type="slidenum">
+            <a:fld id="{629F0AD6-FAC1-4BAB-9D63-DD620E354893}" type="slidenum">
               <a:rPr b="0" lang="en-US" sz="1200" strike="noStrike" u="none">
                 <a:solidFill>
                   <a:srgbClr val="000000"/>
@@ -5526,7 +5526,7 @@
                 <a:tab algn="l" pos="10058400"/>
               </a:tabLst>
             </a:pPr>
-            <a:fld id="{1C9BFB89-B619-4ACE-9D25-E982ECD85DB7}" type="slidenum">
+            <a:fld id="{C9D3B345-C124-46EB-BBE0-8DC3EC3F8A05}" type="slidenum">
               <a:rPr b="0" lang="en-US" sz="1200" strike="noStrike" u="none">
                 <a:solidFill>
                   <a:srgbClr val="000000"/>
@@ -5698,7 +5698,7 @@
                 <a:tab algn="l" pos="10058400"/>
               </a:tabLst>
             </a:pPr>
-            <a:fld id="{7A2F73D6-FB7F-463D-B531-45B79985BC8A}" type="slidenum">
+            <a:fld id="{FEF3ED9F-3E3D-4B5C-8872-4EBA8E2460FA}" type="slidenum">
               <a:rPr b="0" lang="en-US" sz="1200" strike="noStrike" u="none">
                 <a:solidFill>
                   <a:srgbClr val="000000"/>
@@ -5870,7 +5870,7 @@
                 <a:tab algn="l" pos="10058400"/>
               </a:tabLst>
             </a:pPr>
-            <a:fld id="{F81F9AE2-DFA2-4119-8AD8-1416C3AF5C14}" type="slidenum">
+            <a:fld id="{77828BD4-36AD-4976-820C-C0A5CB6C711B}" type="slidenum">
               <a:rPr b="0" lang="en-US" sz="1200" strike="noStrike" u="none">
                 <a:solidFill>
                   <a:srgbClr val="000000"/>
@@ -6042,7 +6042,7 @@
                 <a:tab algn="l" pos="10058400"/>
               </a:tabLst>
             </a:pPr>
-            <a:fld id="{EEB6DC85-2EE4-4EF7-8000-AEFFC5F35FAD}" type="slidenum">
+            <a:fld id="{7004CF2A-BE1B-4B30-8FB6-D00711B8F378}" type="slidenum">
               <a:rPr b="0" lang="en-US" sz="1200" strike="noStrike" u="none">
                 <a:solidFill>
                   <a:srgbClr val="000000"/>
@@ -6214,7 +6214,7 @@
                 <a:tab algn="l" pos="10058400"/>
               </a:tabLst>
             </a:pPr>
-            <a:fld id="{823D5A12-92BC-491F-9C52-F491C2AD0A55}" type="slidenum">
+            <a:fld id="{F08A6AE1-2E7F-468A-BE8A-4A5772B73BB1}" type="slidenum">
               <a:rPr b="0" lang="en-US" sz="1200" strike="noStrike" u="none">
                 <a:solidFill>
                   <a:srgbClr val="000000"/>
@@ -6386,7 +6386,7 @@
                 <a:tab algn="l" pos="10058400"/>
               </a:tabLst>
             </a:pPr>
-            <a:fld id="{9BEBFF38-6115-4447-AB90-EB748E1C73BD}" type="slidenum">
+            <a:fld id="{4DCD6F3A-A31E-48F8-8296-EBBCD5E8B36E}" type="slidenum">
               <a:rPr b="0" lang="en-US" sz="1200" strike="noStrike" u="none">
                 <a:solidFill>
                   <a:srgbClr val="000000"/>
@@ -6558,7 +6558,7 @@
                 <a:tab algn="l" pos="10058400"/>
               </a:tabLst>
             </a:pPr>
-            <a:fld id="{42F1F940-A531-497F-9073-71B6DBB9F996}" type="slidenum">
+            <a:fld id="{E1015F7D-244D-48C6-90A8-01DC23DFA511}" type="slidenum">
               <a:rPr b="0" lang="en-US" sz="1200" strike="noStrike" u="none">
                 <a:solidFill>
                   <a:srgbClr val="000000"/>
@@ -6730,7 +6730,7 @@
                 <a:tab algn="l" pos="10058400"/>
               </a:tabLst>
             </a:pPr>
-            <a:fld id="{1B3BE655-1309-454C-9DD8-1083FAE55810}" type="slidenum">
+            <a:fld id="{921B7580-C733-4712-93D5-AD94BACA7547}" type="slidenum">
               <a:rPr b="0" lang="en-US" sz="1200" strike="noStrike" u="none">
                 <a:solidFill>
                   <a:srgbClr val="000000"/>
@@ -6902,7 +6902,7 @@
                 <a:tab algn="l" pos="10058400"/>
               </a:tabLst>
             </a:pPr>
-            <a:fld id="{550319D3-3793-47BF-A66B-EBF399ECEF56}" type="slidenum">
+            <a:fld id="{3DBCDEFF-8092-4B37-ADA3-A24A2DCFA380}" type="slidenum">
               <a:rPr b="0" lang="en-US" sz="1200" strike="noStrike" u="none">
                 <a:solidFill>
                   <a:srgbClr val="000000"/>
@@ -7074,7 +7074,7 @@
                 <a:tab algn="l" pos="10058400"/>
               </a:tabLst>
             </a:pPr>
-            <a:fld id="{78D5CF14-0C34-43A3-8DBC-175074764532}" type="slidenum">
+            <a:fld id="{9E3E00D4-1615-4BD1-8F4C-12041BB60A48}" type="slidenum">
               <a:rPr b="0" lang="en-US" sz="1200" strike="noStrike" u="none">
                 <a:solidFill>
                   <a:srgbClr val="000000"/>
@@ -7821,7 +7821,7 @@
               </a:rPr>
               <a:t>Slide </a:t>
             </a:r>
-            <a:fld id="{9657AC9C-D676-46D7-B99D-182336CDA0CB}" type="slidenum">
+            <a:fld id="{9AF233F1-94B8-41C7-9AF4-254254F3E3A6}" type="slidenum">
               <a:rPr b="1" lang="en-US" sz="800" strike="noStrike" u="none">
                 <a:solidFill>
                   <a:srgbClr val="ffffff"/>

--- a/slides/Lecture 01.pptx
+++ b/slides/Lecture 01.pptx
@@ -447,7 +447,7 @@
                 <a:tab algn="l" pos="10058400"/>
               </a:tabLst>
             </a:pPr>
-            <a:fld id="{44B5543B-D54B-48F0-A758-9EC5CC080F8B}" type="slidenum">
+            <a:fld id="{75BC53E8-BDAD-4A5E-BFD5-7DE2CE0EBA72}" type="slidenum">
               <a:rPr b="0" lang="en-US" sz="1200" strike="noStrike" u="none">
                 <a:solidFill>
                   <a:srgbClr val="000000"/>
@@ -538,7 +538,7 @@
                 <a:tab algn="l" pos="10058400"/>
               </a:tabLst>
             </a:pPr>
-            <a:fld id="{DAEE89F2-361F-4E0A-B0A6-F4048F5BD435}" type="slidenum">
+            <a:fld id="{E792D2DC-A406-4599-815B-486070C3CD59}" type="slidenum">
               <a:rPr b="0" lang="en-US" sz="1200" strike="noStrike" u="none">
                 <a:solidFill>
                   <a:srgbClr val="000000"/>
@@ -710,7 +710,7 @@
                 <a:tab algn="l" pos="10058400"/>
               </a:tabLst>
             </a:pPr>
-            <a:fld id="{BF2FA134-7CAC-4CF1-A770-861990E3E4FB}" type="slidenum">
+            <a:fld id="{1CB67576-8D12-4D67-A5A4-66D4798A8573}" type="slidenum">
               <a:rPr b="0" lang="en-US" sz="1200" strike="noStrike" u="none">
                 <a:solidFill>
                   <a:srgbClr val="000000"/>
@@ -882,7 +882,7 @@
                 <a:tab algn="l" pos="10058400"/>
               </a:tabLst>
             </a:pPr>
-            <a:fld id="{2AFC3501-EB09-4D50-804D-224ECCD06CEE}" type="slidenum">
+            <a:fld id="{754D474D-0500-45DB-B7CE-CCF76A8068BE}" type="slidenum">
               <a:rPr b="0" lang="en-US" sz="1200" strike="noStrike" u="none">
                 <a:solidFill>
                   <a:srgbClr val="000000"/>
@@ -1054,7 +1054,7 @@
                 <a:tab algn="l" pos="10058400"/>
               </a:tabLst>
             </a:pPr>
-            <a:fld id="{233670FB-A1A5-40D2-A79C-9FB48CF33366}" type="slidenum">
+            <a:fld id="{B502451A-7B17-4C16-8337-A00CEB741574}" type="slidenum">
               <a:rPr b="0" lang="en-US" sz="1200" strike="noStrike" u="none">
                 <a:solidFill>
                   <a:srgbClr val="000000"/>
@@ -1226,7 +1226,7 @@
                 <a:tab algn="l" pos="10058400"/>
               </a:tabLst>
             </a:pPr>
-            <a:fld id="{D8A0B5F1-9AEE-4B20-B284-9A59160350D1}" type="slidenum">
+            <a:fld id="{296F9FE6-7333-4BB9-9569-E1FDD092AC93}" type="slidenum">
               <a:rPr b="0" lang="en-US" sz="1200" strike="noStrike" u="none">
                 <a:solidFill>
                   <a:srgbClr val="000000"/>
@@ -1398,7 +1398,7 @@
                 <a:tab algn="l" pos="10058400"/>
               </a:tabLst>
             </a:pPr>
-            <a:fld id="{40EC33C7-14F4-493D-93FE-1B8A0E07FF2B}" type="slidenum">
+            <a:fld id="{60AF6DA7-45D1-4237-B043-8FA75A6F8EFE}" type="slidenum">
               <a:rPr b="0" lang="en-US" sz="1200" strike="noStrike" u="none">
                 <a:solidFill>
                   <a:srgbClr val="000000"/>
@@ -1570,7 +1570,7 @@
                 <a:tab algn="l" pos="10058400"/>
               </a:tabLst>
             </a:pPr>
-            <a:fld id="{8C6FA963-86EF-4DA4-BD1F-74D83D490C36}" type="slidenum">
+            <a:fld id="{5765A356-BDCC-4218-A072-12D498EE3A01}" type="slidenum">
               <a:rPr b="0" lang="en-US" sz="1200" strike="noStrike" u="none">
                 <a:solidFill>
                   <a:srgbClr val="000000"/>
@@ -1742,7 +1742,7 @@
                 <a:tab algn="l" pos="10058400"/>
               </a:tabLst>
             </a:pPr>
-            <a:fld id="{3033B958-31F6-4155-8376-E91B193E3093}" type="slidenum">
+            <a:fld id="{E35FC914-04F8-4662-9620-1ACFEE269F50}" type="slidenum">
               <a:rPr b="0" lang="en-US" sz="1200" strike="noStrike" u="none">
                 <a:solidFill>
                   <a:srgbClr val="000000"/>
@@ -1914,7 +1914,7 @@
                 <a:tab algn="l" pos="10058400"/>
               </a:tabLst>
             </a:pPr>
-            <a:fld id="{B9AAF1C3-C842-4C5B-994D-407299C5D292}" type="slidenum">
+            <a:fld id="{0B586BE2-229E-4E6F-9135-C868F7D17860}" type="slidenum">
               <a:rPr b="0" lang="en-US" sz="1200" strike="noStrike" u="none">
                 <a:solidFill>
                   <a:srgbClr val="000000"/>
@@ -2086,7 +2086,7 @@
                 <a:tab algn="l" pos="10058400"/>
               </a:tabLst>
             </a:pPr>
-            <a:fld id="{B014EF9D-0E1A-43F4-AD91-9ACD8FB360B2}" type="slidenum">
+            <a:fld id="{11885619-4427-4267-9EA5-199F78CF8B2F}" type="slidenum">
               <a:rPr b="0" lang="en-US" sz="1200" strike="noStrike" u="none">
                 <a:solidFill>
                   <a:srgbClr val="000000"/>
@@ -2258,7 +2258,7 @@
                 <a:tab algn="l" pos="10058400"/>
               </a:tabLst>
             </a:pPr>
-            <a:fld id="{585445A0-39CA-45A2-A41F-D8B6A1D8A1B0}" type="slidenum">
+            <a:fld id="{012F5AC7-A1BF-4ED9-8E99-A5827749D95A}" type="slidenum">
               <a:rPr b="0" lang="en-US" sz="1200" strike="noStrike" u="none">
                 <a:solidFill>
                   <a:srgbClr val="000000"/>
@@ -2430,7 +2430,7 @@
                 <a:tab algn="l" pos="10058400"/>
               </a:tabLst>
             </a:pPr>
-            <a:fld id="{E951A801-95B8-43FB-8471-7A56F938C866}" type="slidenum">
+            <a:fld id="{65280550-34AD-40FC-BDFE-D83E47F6AD15}" type="slidenum">
               <a:rPr b="0" lang="en-US" sz="1200" strike="noStrike" u="none">
                 <a:solidFill>
                   <a:srgbClr val="000000"/>
@@ -2602,7 +2602,7 @@
                 <a:tab algn="l" pos="10058400"/>
               </a:tabLst>
             </a:pPr>
-            <a:fld id="{AB1CF15A-8B92-4B05-A117-4FB7E834DBBE}" type="slidenum">
+            <a:fld id="{C6544DA4-C05B-420E-9AE6-CE21DC81D71D}" type="slidenum">
               <a:rPr b="0" lang="en-US" sz="1200" strike="noStrike" u="none">
                 <a:solidFill>
                   <a:srgbClr val="000000"/>
@@ -2774,7 +2774,7 @@
                 <a:tab algn="l" pos="10058400"/>
               </a:tabLst>
             </a:pPr>
-            <a:fld id="{3EF57311-FAFE-48DB-AF4B-8DD5F69D38BC}" type="slidenum">
+            <a:fld id="{54724CAD-7A0A-47B2-B7AE-98053C44FF90}" type="slidenum">
               <a:rPr b="0" lang="en-US" sz="1200" strike="noStrike" u="none">
                 <a:solidFill>
                   <a:srgbClr val="000000"/>
@@ -2946,7 +2946,7 @@
                 <a:tab algn="l" pos="10058400"/>
               </a:tabLst>
             </a:pPr>
-            <a:fld id="{85006ADE-E1AB-4F82-94A2-0CFC06B521CC}" type="slidenum">
+            <a:fld id="{B3F8F789-F341-4626-A99D-0B6439C88C3B}" type="slidenum">
               <a:rPr b="0" lang="en-US" sz="1200" strike="noStrike" u="none">
                 <a:solidFill>
                   <a:srgbClr val="000000"/>
@@ -3118,7 +3118,7 @@
                 <a:tab algn="l" pos="10058400"/>
               </a:tabLst>
             </a:pPr>
-            <a:fld id="{EF3F3A22-C77E-4AC8-A41B-15E5F926D8C1}" type="slidenum">
+            <a:fld id="{6B93630B-DFD3-4B2E-87AF-9857A0CE56C4}" type="slidenum">
               <a:rPr b="0" lang="en-US" sz="1200" strike="noStrike" u="none">
                 <a:solidFill>
                   <a:srgbClr val="000000"/>
@@ -3290,7 +3290,7 @@
                 <a:tab algn="l" pos="10058400"/>
               </a:tabLst>
             </a:pPr>
-            <a:fld id="{D4B26426-B0AF-4AE4-8C07-CD22B74E3DBD}" type="slidenum">
+            <a:fld id="{6A8C1915-40A0-41D2-B2E6-227792819732}" type="slidenum">
               <a:rPr b="0" lang="en-US" sz="1200" strike="noStrike" u="none">
                 <a:solidFill>
                   <a:srgbClr val="000000"/>
@@ -3462,7 +3462,7 @@
                 <a:tab algn="l" pos="10058400"/>
               </a:tabLst>
             </a:pPr>
-            <a:fld id="{FCBBB873-A8D1-4755-A891-A36B9C7A9507}" type="slidenum">
+            <a:fld id="{F295D978-F106-49EB-BB0D-824D37169E1D}" type="slidenum">
               <a:rPr b="0" lang="en-US" sz="1200" strike="noStrike" u="none">
                 <a:solidFill>
                   <a:srgbClr val="000000"/>
@@ -3634,7 +3634,7 @@
                 <a:tab algn="l" pos="10058400"/>
               </a:tabLst>
             </a:pPr>
-            <a:fld id="{68F3131D-505C-444D-945B-3C97EE17DC60}" type="slidenum">
+            <a:fld id="{CCA98960-8AB7-41E5-A27B-FBC672493D73}" type="slidenum">
               <a:rPr b="0" lang="en-US" sz="1200" strike="noStrike" u="none">
                 <a:solidFill>
                   <a:srgbClr val="000000"/>
@@ -3806,7 +3806,7 @@
                 <a:tab algn="l" pos="10058400"/>
               </a:tabLst>
             </a:pPr>
-            <a:fld id="{CA5433DC-B167-4907-A6BC-188E175FD540}" type="slidenum">
+            <a:fld id="{C286E097-4487-4FEC-AC64-C161C5A07CC7}" type="slidenum">
               <a:rPr b="0" lang="en-US" sz="1200" strike="noStrike" u="none">
                 <a:solidFill>
                   <a:srgbClr val="000000"/>
@@ -3978,7 +3978,7 @@
                 <a:tab algn="l" pos="10058400"/>
               </a:tabLst>
             </a:pPr>
-            <a:fld id="{EE607BB8-C2C1-4651-8612-08E5B2A41DB0}" type="slidenum">
+            <a:fld id="{4CE8A140-6EDE-4F16-8429-204C23F16523}" type="slidenum">
               <a:rPr b="0" lang="en-US" sz="1200" strike="noStrike" u="none">
                 <a:solidFill>
                   <a:srgbClr val="000000"/>
@@ -4150,7 +4150,7 @@
                 <a:tab algn="l" pos="10058400"/>
               </a:tabLst>
             </a:pPr>
-            <a:fld id="{C4D76B6A-116B-4B61-AF45-FE0102F94765}" type="slidenum">
+            <a:fld id="{F581A94C-F2AF-4FC7-AE19-F345AA2F057A}" type="slidenum">
               <a:rPr b="0" lang="en-US" sz="1200" strike="noStrike" u="none">
                 <a:solidFill>
                   <a:srgbClr val="000000"/>
@@ -4322,7 +4322,7 @@
                 <a:tab algn="l" pos="10058400"/>
               </a:tabLst>
             </a:pPr>
-            <a:fld id="{8B32740B-A4E0-49F4-95D4-73DCF88810BA}" type="slidenum">
+            <a:fld id="{32E996DB-E450-4AAE-8A4D-A20FEAE7FCD3}" type="slidenum">
               <a:rPr b="0" lang="en-US" sz="1200" strike="noStrike" u="none">
                 <a:solidFill>
                   <a:srgbClr val="000000"/>
@@ -4494,7 +4494,7 @@
                 <a:tab algn="l" pos="10058400"/>
               </a:tabLst>
             </a:pPr>
-            <a:fld id="{5995FEC6-7FE1-45AE-98C1-EE988A5B2B03}" type="slidenum">
+            <a:fld id="{0484E0A5-3B84-4854-829F-8CE33EE2DB62}" type="slidenum">
               <a:rPr b="0" lang="en-US" sz="1200" strike="noStrike" u="none">
                 <a:solidFill>
                   <a:srgbClr val="000000"/>
@@ -4666,7 +4666,7 @@
                 <a:tab algn="l" pos="10058400"/>
               </a:tabLst>
             </a:pPr>
-            <a:fld id="{E08E2759-4BA8-4759-BB7C-B2EB2210E5CC}" type="slidenum">
+            <a:fld id="{C85728A3-7849-4888-8B1F-5C2491A8937F}" type="slidenum">
               <a:rPr b="0" lang="en-US" sz="1200" strike="noStrike" u="none">
                 <a:solidFill>
                   <a:srgbClr val="000000"/>
@@ -4838,7 +4838,7 @@
                 <a:tab algn="l" pos="10058400"/>
               </a:tabLst>
             </a:pPr>
-            <a:fld id="{F526465F-7773-4D17-ADB5-BFBC91D07421}" type="slidenum">
+            <a:fld id="{94C82FCA-A377-4510-9C66-193C012C6D95}" type="slidenum">
               <a:rPr b="0" lang="en-US" sz="1200" strike="noStrike" u="none">
                 <a:solidFill>
                   <a:srgbClr val="000000"/>
@@ -5010,7 +5010,7 @@
                 <a:tab algn="l" pos="10058400"/>
               </a:tabLst>
             </a:pPr>
-            <a:fld id="{16E59CED-3E0E-41C1-8BAD-0A69FB4E9F3D}" type="slidenum">
+            <a:fld id="{A1EDAC8C-E665-470D-A082-6B69DAB05A4E}" type="slidenum">
               <a:rPr b="0" lang="en-US" sz="1200" strike="noStrike" u="none">
                 <a:solidFill>
                   <a:srgbClr val="000000"/>
@@ -5182,7 +5182,7 @@
                 <a:tab algn="l" pos="10058400"/>
               </a:tabLst>
             </a:pPr>
-            <a:fld id="{5097ACDC-4925-408A-BD61-1D08825DAE17}" type="slidenum">
+            <a:fld id="{5981346B-7F10-4BE6-A310-CC7DFD883876}" type="slidenum">
               <a:rPr b="0" lang="en-US" sz="1200" strike="noStrike" u="none">
                 <a:solidFill>
                   <a:srgbClr val="000000"/>
@@ -5354,7 +5354,7 @@
                 <a:tab algn="l" pos="10058400"/>
               </a:tabLst>
             </a:pPr>
-            <a:fld id="{59302E59-DFCE-4A8B-8B13-94433B4EAA22}" type="slidenum">
+            <a:fld id="{8FDF9623-8DEB-48D6-AE88-F207B5CA7256}" type="slidenum">
               <a:rPr b="0" lang="en-US" sz="1200" strike="noStrike" u="none">
                 <a:solidFill>
                   <a:srgbClr val="000000"/>
@@ -5526,7 +5526,7 @@
                 <a:tab algn="l" pos="10058400"/>
               </a:tabLst>
             </a:pPr>
-            <a:fld id="{393E25B4-6DFA-4BF1-99FD-4E52E546B2C6}" type="slidenum">
+            <a:fld id="{48A1B43E-1356-4EFC-A2DE-8D267137723D}" type="slidenum">
               <a:rPr b="0" lang="en-US" sz="1200" strike="noStrike" u="none">
                 <a:solidFill>
                   <a:srgbClr val="000000"/>
@@ -5698,7 +5698,7 @@
                 <a:tab algn="l" pos="10058400"/>
               </a:tabLst>
             </a:pPr>
-            <a:fld id="{D284D969-0863-47A2-82FD-7DB418A306BE}" type="slidenum">
+            <a:fld id="{BE929B17-9A6B-4361-8C92-400C5776931E}" type="slidenum">
               <a:rPr b="0" lang="en-US" sz="1200" strike="noStrike" u="none">
                 <a:solidFill>
                   <a:srgbClr val="000000"/>
@@ -5870,7 +5870,7 @@
                 <a:tab algn="l" pos="10058400"/>
               </a:tabLst>
             </a:pPr>
-            <a:fld id="{695601AA-7534-4648-8AF6-2A9B064561E5}" type="slidenum">
+            <a:fld id="{6CF83146-DA12-4AB8-80D2-140933932C12}" type="slidenum">
               <a:rPr b="0" lang="en-US" sz="1200" strike="noStrike" u="none">
                 <a:solidFill>
                   <a:srgbClr val="000000"/>
@@ -6042,7 +6042,7 @@
                 <a:tab algn="l" pos="10058400"/>
               </a:tabLst>
             </a:pPr>
-            <a:fld id="{79EEAC74-6C28-495A-B58A-0D9D32809440}" type="slidenum">
+            <a:fld id="{77FFC843-CEC0-491E-8AFE-3429B480C446}" type="slidenum">
               <a:rPr b="0" lang="en-US" sz="1200" strike="noStrike" u="none">
                 <a:solidFill>
                   <a:srgbClr val="000000"/>
@@ -6214,7 +6214,7 @@
                 <a:tab algn="l" pos="10058400"/>
               </a:tabLst>
             </a:pPr>
-            <a:fld id="{D97EC15F-72E9-4E60-AE11-EA836803F555}" type="slidenum">
+            <a:fld id="{47D208B1-9104-4B28-9027-F3598EE41735}" type="slidenum">
               <a:rPr b="0" lang="en-US" sz="1200" strike="noStrike" u="none">
                 <a:solidFill>
                   <a:srgbClr val="000000"/>
@@ -6386,7 +6386,7 @@
                 <a:tab algn="l" pos="10058400"/>
               </a:tabLst>
             </a:pPr>
-            <a:fld id="{8FE74707-247E-41B7-BE5D-26889F83B086}" type="slidenum">
+            <a:fld id="{DCC8D5D7-96B7-4CC4-97F1-EE472453EE8A}" type="slidenum">
               <a:rPr b="0" lang="en-US" sz="1200" strike="noStrike" u="none">
                 <a:solidFill>
                   <a:srgbClr val="000000"/>
@@ -6558,7 +6558,7 @@
                 <a:tab algn="l" pos="10058400"/>
               </a:tabLst>
             </a:pPr>
-            <a:fld id="{842AF830-64ED-41EF-9BDA-2C2CEE1E9CCE}" type="slidenum">
+            <a:fld id="{A2C184A1-59E0-47F9-8EC4-B94992C9BE36}" type="slidenum">
               <a:rPr b="0" lang="en-US" sz="1200" strike="noStrike" u="none">
                 <a:solidFill>
                   <a:srgbClr val="000000"/>
@@ -6730,7 +6730,7 @@
                 <a:tab algn="l" pos="10058400"/>
               </a:tabLst>
             </a:pPr>
-            <a:fld id="{3ECDC7AF-0445-4FD8-A420-C2D1EC0404E3}" type="slidenum">
+            <a:fld id="{A91EEBB3-CD40-4D45-82C3-9F1CC0581FDE}" type="slidenum">
               <a:rPr b="0" lang="en-US" sz="1200" strike="noStrike" u="none">
                 <a:solidFill>
                   <a:srgbClr val="000000"/>
@@ -6902,7 +6902,7 @@
                 <a:tab algn="l" pos="10058400"/>
               </a:tabLst>
             </a:pPr>
-            <a:fld id="{E6E842E1-E729-4404-AAD9-4B9DEC633E95}" type="slidenum">
+            <a:fld id="{6B27AF9C-4743-4299-B764-0DC46E36FECA}" type="slidenum">
               <a:rPr b="0" lang="en-US" sz="1200" strike="noStrike" u="none">
                 <a:solidFill>
                   <a:srgbClr val="000000"/>
@@ -7074,7 +7074,7 @@
                 <a:tab algn="l" pos="10058400"/>
               </a:tabLst>
             </a:pPr>
-            <a:fld id="{AAE11667-70D4-4669-A808-643FE988810C}" type="slidenum">
+            <a:fld id="{F03A4F08-6C88-44B5-91FF-69A0550713D6}" type="slidenum">
               <a:rPr b="0" lang="en-US" sz="1200" strike="noStrike" u="none">
                 <a:solidFill>
                   <a:srgbClr val="000000"/>
@@ -7821,7 +7821,7 @@
               </a:rPr>
               <a:t>Slide </a:t>
             </a:r>
-            <a:fld id="{01B9469B-1167-41AD-B03D-0DE10ADDF661}" type="slidenum">
+            <a:fld id="{9822078A-19F1-4A99-9CBF-6A084F2BEBA1}" type="slidenum">
               <a:rPr b="1" lang="en-US" sz="800" strike="noStrike" u="none">
                 <a:solidFill>
                   <a:srgbClr val="ffffff"/>

--- a/slides/Lecture 01.pptx
+++ b/slides/Lecture 01.pptx
@@ -447,7 +447,7 @@
                 <a:tab algn="l" pos="10058400"/>
               </a:tabLst>
             </a:pPr>
-            <a:fld id="{75BC53E8-BDAD-4A5E-BFD5-7DE2CE0EBA72}" type="slidenum">
+            <a:fld id="{4E1DA721-5A8D-464F-A686-9A2189920327}" type="slidenum">
               <a:rPr b="0" lang="en-US" sz="1200" strike="noStrike" u="none">
                 <a:solidFill>
                   <a:srgbClr val="000000"/>
@@ -538,7 +538,7 @@
                 <a:tab algn="l" pos="10058400"/>
               </a:tabLst>
             </a:pPr>
-            <a:fld id="{E792D2DC-A406-4599-815B-486070C3CD59}" type="slidenum">
+            <a:fld id="{904F7181-DBFD-4784-8785-AEC5EEFA5E2D}" type="slidenum">
               <a:rPr b="0" lang="en-US" sz="1200" strike="noStrike" u="none">
                 <a:solidFill>
                   <a:srgbClr val="000000"/>
@@ -710,7 +710,7 @@
                 <a:tab algn="l" pos="10058400"/>
               </a:tabLst>
             </a:pPr>
-            <a:fld id="{1CB67576-8D12-4D67-A5A4-66D4798A8573}" type="slidenum">
+            <a:fld id="{2EB0821B-BA6B-439D-B6EE-7BA338075891}" type="slidenum">
               <a:rPr b="0" lang="en-US" sz="1200" strike="noStrike" u="none">
                 <a:solidFill>
                   <a:srgbClr val="000000"/>
@@ -882,7 +882,7 @@
                 <a:tab algn="l" pos="10058400"/>
               </a:tabLst>
             </a:pPr>
-            <a:fld id="{754D474D-0500-45DB-B7CE-CCF76A8068BE}" type="slidenum">
+            <a:fld id="{E3C8673F-FCF2-4E1C-80DA-F4EA45098599}" type="slidenum">
               <a:rPr b="0" lang="en-US" sz="1200" strike="noStrike" u="none">
                 <a:solidFill>
                   <a:srgbClr val="000000"/>
@@ -1054,7 +1054,7 @@
                 <a:tab algn="l" pos="10058400"/>
               </a:tabLst>
             </a:pPr>
-            <a:fld id="{B502451A-7B17-4C16-8337-A00CEB741574}" type="slidenum">
+            <a:fld id="{2CD5FA62-9C99-4938-B170-BE3577F0D607}" type="slidenum">
               <a:rPr b="0" lang="en-US" sz="1200" strike="noStrike" u="none">
                 <a:solidFill>
                   <a:srgbClr val="000000"/>
@@ -1226,7 +1226,7 @@
                 <a:tab algn="l" pos="10058400"/>
               </a:tabLst>
             </a:pPr>
-            <a:fld id="{296F9FE6-7333-4BB9-9569-E1FDD092AC93}" type="slidenum">
+            <a:fld id="{12462A13-2C57-4DA0-AEAA-1B9A3D6A3D00}" type="slidenum">
               <a:rPr b="0" lang="en-US" sz="1200" strike="noStrike" u="none">
                 <a:solidFill>
                   <a:srgbClr val="000000"/>
@@ -1398,7 +1398,7 @@
                 <a:tab algn="l" pos="10058400"/>
               </a:tabLst>
             </a:pPr>
-            <a:fld id="{60AF6DA7-45D1-4237-B043-8FA75A6F8EFE}" type="slidenum">
+            <a:fld id="{BA1830DE-5F1C-444C-8ECB-2403E7E05585}" type="slidenum">
               <a:rPr b="0" lang="en-US" sz="1200" strike="noStrike" u="none">
                 <a:solidFill>
                   <a:srgbClr val="000000"/>
@@ -1570,7 +1570,7 @@
                 <a:tab algn="l" pos="10058400"/>
               </a:tabLst>
             </a:pPr>
-            <a:fld id="{5765A356-BDCC-4218-A072-12D498EE3A01}" type="slidenum">
+            <a:fld id="{CB290F63-43C8-48E2-A8E1-91EFF6200603}" type="slidenum">
               <a:rPr b="0" lang="en-US" sz="1200" strike="noStrike" u="none">
                 <a:solidFill>
                   <a:srgbClr val="000000"/>
@@ -1742,7 +1742,7 @@
                 <a:tab algn="l" pos="10058400"/>
               </a:tabLst>
             </a:pPr>
-            <a:fld id="{E35FC914-04F8-4662-9620-1ACFEE269F50}" type="slidenum">
+            <a:fld id="{005C615E-D558-4799-BCB0-42D9D034A9AD}" type="slidenum">
               <a:rPr b="0" lang="en-US" sz="1200" strike="noStrike" u="none">
                 <a:solidFill>
                   <a:srgbClr val="000000"/>
@@ -1914,7 +1914,7 @@
                 <a:tab algn="l" pos="10058400"/>
               </a:tabLst>
             </a:pPr>
-            <a:fld id="{0B586BE2-229E-4E6F-9135-C868F7D17860}" type="slidenum">
+            <a:fld id="{BD5147FF-7120-4142-BBE2-CFDCE553F8F6}" type="slidenum">
               <a:rPr b="0" lang="en-US" sz="1200" strike="noStrike" u="none">
                 <a:solidFill>
                   <a:srgbClr val="000000"/>
@@ -2086,7 +2086,7 @@
                 <a:tab algn="l" pos="10058400"/>
               </a:tabLst>
             </a:pPr>
-            <a:fld id="{11885619-4427-4267-9EA5-199F78CF8B2F}" type="slidenum">
+            <a:fld id="{F97BDD8E-B649-46EA-8434-E0293B575EB3}" type="slidenum">
               <a:rPr b="0" lang="en-US" sz="1200" strike="noStrike" u="none">
                 <a:solidFill>
                   <a:srgbClr val="000000"/>
@@ -2258,7 +2258,7 @@
                 <a:tab algn="l" pos="10058400"/>
               </a:tabLst>
             </a:pPr>
-            <a:fld id="{012F5AC7-A1BF-4ED9-8E99-A5827749D95A}" type="slidenum">
+            <a:fld id="{6FA90323-B7E9-4C1C-B1DD-AC7A0ACA5E9E}" type="slidenum">
               <a:rPr b="0" lang="en-US" sz="1200" strike="noStrike" u="none">
                 <a:solidFill>
                   <a:srgbClr val="000000"/>
@@ -2430,7 +2430,7 @@
                 <a:tab algn="l" pos="10058400"/>
               </a:tabLst>
             </a:pPr>
-            <a:fld id="{65280550-34AD-40FC-BDFE-D83E47F6AD15}" type="slidenum">
+            <a:fld id="{0E46E44E-3697-48CE-A1A5-5C4881E0ABEE}" type="slidenum">
               <a:rPr b="0" lang="en-US" sz="1200" strike="noStrike" u="none">
                 <a:solidFill>
                   <a:srgbClr val="000000"/>
@@ -2602,7 +2602,7 @@
                 <a:tab algn="l" pos="10058400"/>
               </a:tabLst>
             </a:pPr>
-            <a:fld id="{C6544DA4-C05B-420E-9AE6-CE21DC81D71D}" type="slidenum">
+            <a:fld id="{FE766E0C-1AC0-4232-A0EB-AB2B5D93337D}" type="slidenum">
               <a:rPr b="0" lang="en-US" sz="1200" strike="noStrike" u="none">
                 <a:solidFill>
                   <a:srgbClr val="000000"/>
@@ -2774,7 +2774,7 @@
                 <a:tab algn="l" pos="10058400"/>
               </a:tabLst>
             </a:pPr>
-            <a:fld id="{54724CAD-7A0A-47B2-B7AE-98053C44FF90}" type="slidenum">
+            <a:fld id="{A32DDDA0-A266-408F-8996-26A7D3C8454B}" type="slidenum">
               <a:rPr b="0" lang="en-US" sz="1200" strike="noStrike" u="none">
                 <a:solidFill>
                   <a:srgbClr val="000000"/>
@@ -2946,7 +2946,7 @@
                 <a:tab algn="l" pos="10058400"/>
               </a:tabLst>
             </a:pPr>
-            <a:fld id="{B3F8F789-F341-4626-A99D-0B6439C88C3B}" type="slidenum">
+            <a:fld id="{13C27BEA-347D-4D59-81EE-92C9FF28A947}" type="slidenum">
               <a:rPr b="0" lang="en-US" sz="1200" strike="noStrike" u="none">
                 <a:solidFill>
                   <a:srgbClr val="000000"/>
@@ -3118,7 +3118,7 @@
                 <a:tab algn="l" pos="10058400"/>
               </a:tabLst>
             </a:pPr>
-            <a:fld id="{6B93630B-DFD3-4B2E-87AF-9857A0CE56C4}" type="slidenum">
+            <a:fld id="{E6EEBAA7-041A-480B-868E-3FF9E633A806}" type="slidenum">
               <a:rPr b="0" lang="en-US" sz="1200" strike="noStrike" u="none">
                 <a:solidFill>
                   <a:srgbClr val="000000"/>
@@ -3290,7 +3290,7 @@
                 <a:tab algn="l" pos="10058400"/>
               </a:tabLst>
             </a:pPr>
-            <a:fld id="{6A8C1915-40A0-41D2-B2E6-227792819732}" type="slidenum">
+            <a:fld id="{CC20D640-B576-4A0B-BFA5-3874C9C6BB2C}" type="slidenum">
               <a:rPr b="0" lang="en-US" sz="1200" strike="noStrike" u="none">
                 <a:solidFill>
                   <a:srgbClr val="000000"/>
@@ -3462,7 +3462,7 @@
                 <a:tab algn="l" pos="10058400"/>
               </a:tabLst>
             </a:pPr>
-            <a:fld id="{F295D978-F106-49EB-BB0D-824D37169E1D}" type="slidenum">
+            <a:fld id="{A5274A64-C905-4752-9EDA-064C9EB8FEDD}" type="slidenum">
               <a:rPr b="0" lang="en-US" sz="1200" strike="noStrike" u="none">
                 <a:solidFill>
                   <a:srgbClr val="000000"/>
@@ -3634,7 +3634,7 @@
                 <a:tab algn="l" pos="10058400"/>
               </a:tabLst>
             </a:pPr>
-            <a:fld id="{CCA98960-8AB7-41E5-A27B-FBC672493D73}" type="slidenum">
+            <a:fld id="{FD4F528C-1C54-4383-AE9C-6EF6AA029A4E}" type="slidenum">
               <a:rPr b="0" lang="en-US" sz="1200" strike="noStrike" u="none">
                 <a:solidFill>
                   <a:srgbClr val="000000"/>
@@ -3806,7 +3806,7 @@
                 <a:tab algn="l" pos="10058400"/>
               </a:tabLst>
             </a:pPr>
-            <a:fld id="{C286E097-4487-4FEC-AC64-C161C5A07CC7}" type="slidenum">
+            <a:fld id="{BA4FF2E6-6EC2-43C1-A8B6-0F6B2C8D189B}" type="slidenum">
               <a:rPr b="0" lang="en-US" sz="1200" strike="noStrike" u="none">
                 <a:solidFill>
                   <a:srgbClr val="000000"/>
@@ -3978,7 +3978,7 @@
                 <a:tab algn="l" pos="10058400"/>
               </a:tabLst>
             </a:pPr>
-            <a:fld id="{4CE8A140-6EDE-4F16-8429-204C23F16523}" type="slidenum">
+            <a:fld id="{ADD94BBC-E9B2-4EDA-B295-29442482BD2E}" type="slidenum">
               <a:rPr b="0" lang="en-US" sz="1200" strike="noStrike" u="none">
                 <a:solidFill>
                   <a:srgbClr val="000000"/>
@@ -4150,7 +4150,7 @@
                 <a:tab algn="l" pos="10058400"/>
               </a:tabLst>
             </a:pPr>
-            <a:fld id="{F581A94C-F2AF-4FC7-AE19-F345AA2F057A}" type="slidenum">
+            <a:fld id="{9CA1FDD6-0378-44D8-A535-5651A015019B}" type="slidenum">
               <a:rPr b="0" lang="en-US" sz="1200" strike="noStrike" u="none">
                 <a:solidFill>
                   <a:srgbClr val="000000"/>
@@ -4322,7 +4322,7 @@
                 <a:tab algn="l" pos="10058400"/>
               </a:tabLst>
             </a:pPr>
-            <a:fld id="{32E996DB-E450-4AAE-8A4D-A20FEAE7FCD3}" type="slidenum">
+            <a:fld id="{D7245793-FAF2-448A-803D-AD5CC2997C3C}" type="slidenum">
               <a:rPr b="0" lang="en-US" sz="1200" strike="noStrike" u="none">
                 <a:solidFill>
                   <a:srgbClr val="000000"/>
@@ -4494,7 +4494,7 @@
                 <a:tab algn="l" pos="10058400"/>
               </a:tabLst>
             </a:pPr>
-            <a:fld id="{0484E0A5-3B84-4854-829F-8CE33EE2DB62}" type="slidenum">
+            <a:fld id="{161C5657-AEA9-4FFE-ACA6-8135CFE0E447}" type="slidenum">
               <a:rPr b="0" lang="en-US" sz="1200" strike="noStrike" u="none">
                 <a:solidFill>
                   <a:srgbClr val="000000"/>
@@ -4666,7 +4666,7 @@
                 <a:tab algn="l" pos="10058400"/>
               </a:tabLst>
             </a:pPr>
-            <a:fld id="{C85728A3-7849-4888-8B1F-5C2491A8937F}" type="slidenum">
+            <a:fld id="{5A0C1FF1-B15D-466D-9EB0-3C9C09773796}" type="slidenum">
               <a:rPr b="0" lang="en-US" sz="1200" strike="noStrike" u="none">
                 <a:solidFill>
                   <a:srgbClr val="000000"/>
@@ -4838,7 +4838,7 @@
                 <a:tab algn="l" pos="10058400"/>
               </a:tabLst>
             </a:pPr>
-            <a:fld id="{94C82FCA-A377-4510-9C66-193C012C6D95}" type="slidenum">
+            <a:fld id="{AAA82E6B-46FE-4ED9-A771-FFCF0EBA2DC1}" type="slidenum">
               <a:rPr b="0" lang="en-US" sz="1200" strike="noStrike" u="none">
                 <a:solidFill>
                   <a:srgbClr val="000000"/>
@@ -5010,7 +5010,7 @@
                 <a:tab algn="l" pos="10058400"/>
               </a:tabLst>
             </a:pPr>
-            <a:fld id="{A1EDAC8C-E665-470D-A082-6B69DAB05A4E}" type="slidenum">
+            <a:fld id="{0AED20DA-B937-49A1-B4FD-7D932D13C2BA}" type="slidenum">
               <a:rPr b="0" lang="en-US" sz="1200" strike="noStrike" u="none">
                 <a:solidFill>
                   <a:srgbClr val="000000"/>
@@ -5182,7 +5182,7 @@
                 <a:tab algn="l" pos="10058400"/>
               </a:tabLst>
             </a:pPr>
-            <a:fld id="{5981346B-7F10-4BE6-A310-CC7DFD883876}" type="slidenum">
+            <a:fld id="{9226F380-D01F-48EB-9FF2-A858865F482C}" type="slidenum">
               <a:rPr b="0" lang="en-US" sz="1200" strike="noStrike" u="none">
                 <a:solidFill>
                   <a:srgbClr val="000000"/>
@@ -5354,7 +5354,7 @@
                 <a:tab algn="l" pos="10058400"/>
               </a:tabLst>
             </a:pPr>
-            <a:fld id="{8FDF9623-8DEB-48D6-AE88-F207B5CA7256}" type="slidenum">
+            <a:fld id="{D7130215-6F69-4F76-84C8-85A65EA68B20}" type="slidenum">
               <a:rPr b="0" lang="en-US" sz="1200" strike="noStrike" u="none">
                 <a:solidFill>
                   <a:srgbClr val="000000"/>
@@ -5526,7 +5526,7 @@
                 <a:tab algn="l" pos="10058400"/>
               </a:tabLst>
             </a:pPr>
-            <a:fld id="{48A1B43E-1356-4EFC-A2DE-8D267137723D}" type="slidenum">
+            <a:fld id="{CBBD8C16-2A2D-4ABD-8E15-2CB857D123D5}" type="slidenum">
               <a:rPr b="0" lang="en-US" sz="1200" strike="noStrike" u="none">
                 <a:solidFill>
                   <a:srgbClr val="000000"/>
@@ -5698,7 +5698,7 @@
                 <a:tab algn="l" pos="10058400"/>
               </a:tabLst>
             </a:pPr>
-            <a:fld id="{BE929B17-9A6B-4361-8C92-400C5776931E}" type="slidenum">
+            <a:fld id="{A169F5F8-63CB-4765-8698-237DB8883A39}" type="slidenum">
               <a:rPr b="0" lang="en-US" sz="1200" strike="noStrike" u="none">
                 <a:solidFill>
                   <a:srgbClr val="000000"/>
@@ -5870,7 +5870,7 @@
                 <a:tab algn="l" pos="10058400"/>
               </a:tabLst>
             </a:pPr>
-            <a:fld id="{6CF83146-DA12-4AB8-80D2-140933932C12}" type="slidenum">
+            <a:fld id="{45F20FB1-F3CB-45E8-910F-7E49DA1BFF93}" type="slidenum">
               <a:rPr b="0" lang="en-US" sz="1200" strike="noStrike" u="none">
                 <a:solidFill>
                   <a:srgbClr val="000000"/>
@@ -6042,7 +6042,7 @@
                 <a:tab algn="l" pos="10058400"/>
               </a:tabLst>
             </a:pPr>
-            <a:fld id="{77FFC843-CEC0-491E-8AFE-3429B480C446}" type="slidenum">
+            <a:fld id="{D1607826-A51A-45A0-95CF-D9CC9B5E45B5}" type="slidenum">
               <a:rPr b="0" lang="en-US" sz="1200" strike="noStrike" u="none">
                 <a:solidFill>
                   <a:srgbClr val="000000"/>
@@ -6214,7 +6214,7 @@
                 <a:tab algn="l" pos="10058400"/>
               </a:tabLst>
             </a:pPr>
-            <a:fld id="{47D208B1-9104-4B28-9027-F3598EE41735}" type="slidenum">
+            <a:fld id="{D3CA477F-2AF2-448C-AE82-3AEBBA487CC1}" type="slidenum">
               <a:rPr b="0" lang="en-US" sz="1200" strike="noStrike" u="none">
                 <a:solidFill>
                   <a:srgbClr val="000000"/>
@@ -6386,7 +6386,7 @@
                 <a:tab algn="l" pos="10058400"/>
               </a:tabLst>
             </a:pPr>
-            <a:fld id="{DCC8D5D7-96B7-4CC4-97F1-EE472453EE8A}" type="slidenum">
+            <a:fld id="{AF878B55-8BCE-4785-9043-A9D172044D05}" type="slidenum">
               <a:rPr b="0" lang="en-US" sz="1200" strike="noStrike" u="none">
                 <a:solidFill>
                   <a:srgbClr val="000000"/>
@@ -6558,7 +6558,7 @@
                 <a:tab algn="l" pos="10058400"/>
               </a:tabLst>
             </a:pPr>
-            <a:fld id="{A2C184A1-59E0-47F9-8EC4-B94992C9BE36}" type="slidenum">
+            <a:fld id="{AC0BB962-C7E9-4A7F-BC55-2587184419FF}" type="slidenum">
               <a:rPr b="0" lang="en-US" sz="1200" strike="noStrike" u="none">
                 <a:solidFill>
                   <a:srgbClr val="000000"/>
@@ -6730,7 +6730,7 @@
                 <a:tab algn="l" pos="10058400"/>
               </a:tabLst>
             </a:pPr>
-            <a:fld id="{A91EEBB3-CD40-4D45-82C3-9F1CC0581FDE}" type="slidenum">
+            <a:fld id="{75A1734F-F3EB-42E1-8002-A910BDFA6572}" type="slidenum">
               <a:rPr b="0" lang="en-US" sz="1200" strike="noStrike" u="none">
                 <a:solidFill>
                   <a:srgbClr val="000000"/>
@@ -6902,7 +6902,7 @@
                 <a:tab algn="l" pos="10058400"/>
               </a:tabLst>
             </a:pPr>
-            <a:fld id="{6B27AF9C-4743-4299-B764-0DC46E36FECA}" type="slidenum">
+            <a:fld id="{158312DD-CBFE-467D-A77C-0F747457297F}" type="slidenum">
               <a:rPr b="0" lang="en-US" sz="1200" strike="noStrike" u="none">
                 <a:solidFill>
                   <a:srgbClr val="000000"/>
@@ -7074,7 +7074,7 @@
                 <a:tab algn="l" pos="10058400"/>
               </a:tabLst>
             </a:pPr>
-            <a:fld id="{F03A4F08-6C88-44B5-91FF-69A0550713D6}" type="slidenum">
+            <a:fld id="{BB952FAA-F5F6-42B7-A1AA-9F689AA375A3}" type="slidenum">
               <a:rPr b="0" lang="en-US" sz="1200" strike="noStrike" u="none">
                 <a:solidFill>
                   <a:srgbClr val="000000"/>
@@ -7821,7 +7821,7 @@
               </a:rPr>
               <a:t>Slide </a:t>
             </a:r>
-            <a:fld id="{9822078A-19F1-4A99-9CBF-6A084F2BEBA1}" type="slidenum">
+            <a:fld id="{2F6C188E-688A-4F1A-BBD9-C567639042C1}" type="slidenum">
               <a:rPr b="1" lang="en-US" sz="800" strike="noStrike" u="none">
                 <a:solidFill>
                   <a:srgbClr val="ffffff"/>
